--- a/week_9-10/Java Swing.pptx
+++ b/week_9-10/Java Swing.pptx
@@ -5,16 +5,20 @@
     <p:sldMasterId id="2147483648" r:id="rId1"/>
   </p:sldMasterIdLst>
   <p:notesMasterIdLst>
-    <p:notesMasterId r:id="rId9"/>
+    <p:notesMasterId r:id="rId13"/>
   </p:notesMasterIdLst>
   <p:sldIdLst>
     <p:sldId id="257" r:id="rId2"/>
     <p:sldId id="317" r:id="rId3"/>
     <p:sldId id="318" r:id="rId4"/>
     <p:sldId id="314" r:id="rId5"/>
-    <p:sldId id="316" r:id="rId6"/>
-    <p:sldId id="319" r:id="rId7"/>
-    <p:sldId id="320" r:id="rId8"/>
+    <p:sldId id="321" r:id="rId6"/>
+    <p:sldId id="322" r:id="rId7"/>
+    <p:sldId id="323" r:id="rId8"/>
+    <p:sldId id="324" r:id="rId9"/>
+    <p:sldId id="316" r:id="rId10"/>
+    <p:sldId id="319" r:id="rId11"/>
+    <p:sldId id="320" r:id="rId12"/>
   </p:sldIdLst>
   <p:sldSz cx="12192000" cy="6858000"/>
   <p:notesSz cx="6858000" cy="9144000"/>
@@ -563,6 +567,174 @@
 </p:notes>
 </file>
 
+<file path=ppt/notesSlides/notesSlide10.xml><?xml version="1.0" encoding="utf-8"?>
+<p:notes xmlns:a="http://schemas.openxmlformats.org/drawingml/2006/main" xmlns:r="http://schemas.openxmlformats.org/officeDocument/2006/relationships" xmlns:p="http://schemas.openxmlformats.org/presentationml/2006/main">
+  <p:cSld>
+    <p:spTree>
+      <p:nvGrpSpPr>
+        <p:cNvPr id="1" name=""/>
+        <p:cNvGrpSpPr/>
+        <p:nvPr/>
+      </p:nvGrpSpPr>
+      <p:grpSpPr>
+        <a:xfrm>
+          <a:off x="0" y="0"/>
+          <a:ext cx="0" cy="0"/>
+          <a:chOff x="0" y="0"/>
+          <a:chExt cx="0" cy="0"/>
+        </a:xfrm>
+      </p:grpSpPr>
+      <p:sp>
+        <p:nvSpPr>
+          <p:cNvPr id="2" name="Slide Image Placeholder 1"/>
+          <p:cNvSpPr>
+            <a:spLocks noGrp="1" noRot="1" noChangeAspect="1"/>
+          </p:cNvSpPr>
+          <p:nvPr>
+            <p:ph type="sldImg"/>
+          </p:nvPr>
+        </p:nvSpPr>
+        <p:spPr/>
+      </p:sp>
+      <p:sp>
+        <p:nvSpPr>
+          <p:cNvPr id="3" name="Notes Placeholder 2"/>
+          <p:cNvSpPr>
+            <a:spLocks noGrp="1"/>
+          </p:cNvSpPr>
+          <p:nvPr>
+            <p:ph type="body" idx="1"/>
+          </p:nvPr>
+        </p:nvSpPr>
+        <p:spPr/>
+        <p:txBody>
+          <a:bodyPr/>
+          <a:lstStyle/>
+          <a:p>
+            <a:endParaRPr lang="en-PH" dirty="0"/>
+          </a:p>
+        </p:txBody>
+      </p:sp>
+      <p:sp>
+        <p:nvSpPr>
+          <p:cNvPr id="4" name="Slide Number Placeholder 3"/>
+          <p:cNvSpPr>
+            <a:spLocks noGrp="1"/>
+          </p:cNvSpPr>
+          <p:nvPr>
+            <p:ph type="sldNum" sz="quarter" idx="5"/>
+          </p:nvPr>
+        </p:nvSpPr>
+        <p:spPr/>
+        <p:txBody>
+          <a:bodyPr/>
+          <a:lstStyle/>
+          <a:p>
+            <a:fld id="{FE90CCE9-4AAE-4E1F-85AD-521A406D6524}" type="slidenum">
+              <a:rPr lang="en-PH" smtClean="0"/>
+              <a:t>10</a:t>
+            </a:fld>
+            <a:endParaRPr lang="en-PH"/>
+          </a:p>
+        </p:txBody>
+      </p:sp>
+    </p:spTree>
+    <p:extLst>
+      <p:ext uri="{BB962C8B-B14F-4D97-AF65-F5344CB8AC3E}">
+        <p14:creationId xmlns:p14="http://schemas.microsoft.com/office/powerpoint/2010/main" val="1501485327"/>
+      </p:ext>
+    </p:extLst>
+  </p:cSld>
+  <p:clrMapOvr>
+    <a:masterClrMapping/>
+  </p:clrMapOvr>
+</p:notes>
+</file>
+
+<file path=ppt/notesSlides/notesSlide11.xml><?xml version="1.0" encoding="utf-8"?>
+<p:notes xmlns:a="http://schemas.openxmlformats.org/drawingml/2006/main" xmlns:r="http://schemas.openxmlformats.org/officeDocument/2006/relationships" xmlns:p="http://schemas.openxmlformats.org/presentationml/2006/main">
+  <p:cSld>
+    <p:spTree>
+      <p:nvGrpSpPr>
+        <p:cNvPr id="1" name=""/>
+        <p:cNvGrpSpPr/>
+        <p:nvPr/>
+      </p:nvGrpSpPr>
+      <p:grpSpPr>
+        <a:xfrm>
+          <a:off x="0" y="0"/>
+          <a:ext cx="0" cy="0"/>
+          <a:chOff x="0" y="0"/>
+          <a:chExt cx="0" cy="0"/>
+        </a:xfrm>
+      </p:grpSpPr>
+      <p:sp>
+        <p:nvSpPr>
+          <p:cNvPr id="2" name="Slide Image Placeholder 1"/>
+          <p:cNvSpPr>
+            <a:spLocks noGrp="1" noRot="1" noChangeAspect="1"/>
+          </p:cNvSpPr>
+          <p:nvPr>
+            <p:ph type="sldImg"/>
+          </p:nvPr>
+        </p:nvSpPr>
+        <p:spPr/>
+      </p:sp>
+      <p:sp>
+        <p:nvSpPr>
+          <p:cNvPr id="3" name="Notes Placeholder 2"/>
+          <p:cNvSpPr>
+            <a:spLocks noGrp="1"/>
+          </p:cNvSpPr>
+          <p:nvPr>
+            <p:ph type="body" idx="1"/>
+          </p:nvPr>
+        </p:nvSpPr>
+        <p:spPr/>
+        <p:txBody>
+          <a:bodyPr/>
+          <a:lstStyle/>
+          <a:p>
+            <a:endParaRPr lang="en-PH" dirty="0"/>
+          </a:p>
+        </p:txBody>
+      </p:sp>
+      <p:sp>
+        <p:nvSpPr>
+          <p:cNvPr id="4" name="Slide Number Placeholder 3"/>
+          <p:cNvSpPr>
+            <a:spLocks noGrp="1"/>
+          </p:cNvSpPr>
+          <p:nvPr>
+            <p:ph type="sldNum" sz="quarter" idx="5"/>
+          </p:nvPr>
+        </p:nvSpPr>
+        <p:spPr/>
+        <p:txBody>
+          <a:bodyPr/>
+          <a:lstStyle/>
+          <a:p>
+            <a:fld id="{FE90CCE9-4AAE-4E1F-85AD-521A406D6524}" type="slidenum">
+              <a:rPr lang="en-PH" smtClean="0"/>
+              <a:t>11</a:t>
+            </a:fld>
+            <a:endParaRPr lang="en-PH"/>
+          </a:p>
+        </p:txBody>
+      </p:sp>
+    </p:spTree>
+    <p:extLst>
+      <p:ext uri="{BB962C8B-B14F-4D97-AF65-F5344CB8AC3E}">
+        <p14:creationId xmlns:p14="http://schemas.microsoft.com/office/powerpoint/2010/main" val="3621159401"/>
+      </p:ext>
+    </p:extLst>
+  </p:cSld>
+  <p:clrMapOvr>
+    <a:masterClrMapping/>
+  </p:clrMapOvr>
+</p:notes>
+</file>
+
 <file path=ppt/notesSlides/notesSlide2.xml><?xml version="1.0" encoding="utf-8"?>
 <p:notes xmlns:a="http://schemas.openxmlformats.org/drawingml/2006/main" xmlns:r="http://schemas.openxmlformats.org/officeDocument/2006/relationships" xmlns:p="http://schemas.openxmlformats.org/presentationml/2006/main">
   <p:cSld>
@@ -889,7 +1061,7 @@
     </p:spTree>
     <p:extLst>
       <p:ext uri="{BB962C8B-B14F-4D97-AF65-F5344CB8AC3E}">
-        <p14:creationId xmlns:p14="http://schemas.microsoft.com/office/powerpoint/2010/main" val="2758573341"/>
+        <p14:creationId xmlns:p14="http://schemas.microsoft.com/office/powerpoint/2010/main" val="1567098630"/>
       </p:ext>
     </p:extLst>
   </p:cSld>
@@ -973,7 +1145,7 @@
     </p:spTree>
     <p:extLst>
       <p:ext uri="{BB962C8B-B14F-4D97-AF65-F5344CB8AC3E}">
-        <p14:creationId xmlns:p14="http://schemas.microsoft.com/office/powerpoint/2010/main" val="1501485327"/>
+        <p14:creationId xmlns:p14="http://schemas.microsoft.com/office/powerpoint/2010/main" val="2482392321"/>
       </p:ext>
     </p:extLst>
   </p:cSld>
@@ -1057,7 +1229,175 @@
     </p:spTree>
     <p:extLst>
       <p:ext uri="{BB962C8B-B14F-4D97-AF65-F5344CB8AC3E}">
-        <p14:creationId xmlns:p14="http://schemas.microsoft.com/office/powerpoint/2010/main" val="3621159401"/>
+        <p14:creationId xmlns:p14="http://schemas.microsoft.com/office/powerpoint/2010/main" val="2933705109"/>
+      </p:ext>
+    </p:extLst>
+  </p:cSld>
+  <p:clrMapOvr>
+    <a:masterClrMapping/>
+  </p:clrMapOvr>
+</p:notes>
+</file>
+
+<file path=ppt/notesSlides/notesSlide8.xml><?xml version="1.0" encoding="utf-8"?>
+<p:notes xmlns:a="http://schemas.openxmlformats.org/drawingml/2006/main" xmlns:r="http://schemas.openxmlformats.org/officeDocument/2006/relationships" xmlns:p="http://schemas.openxmlformats.org/presentationml/2006/main">
+  <p:cSld>
+    <p:spTree>
+      <p:nvGrpSpPr>
+        <p:cNvPr id="1" name=""/>
+        <p:cNvGrpSpPr/>
+        <p:nvPr/>
+      </p:nvGrpSpPr>
+      <p:grpSpPr>
+        <a:xfrm>
+          <a:off x="0" y="0"/>
+          <a:ext cx="0" cy="0"/>
+          <a:chOff x="0" y="0"/>
+          <a:chExt cx="0" cy="0"/>
+        </a:xfrm>
+      </p:grpSpPr>
+      <p:sp>
+        <p:nvSpPr>
+          <p:cNvPr id="2" name="Slide Image Placeholder 1"/>
+          <p:cNvSpPr>
+            <a:spLocks noGrp="1" noRot="1" noChangeAspect="1"/>
+          </p:cNvSpPr>
+          <p:nvPr>
+            <p:ph type="sldImg"/>
+          </p:nvPr>
+        </p:nvSpPr>
+        <p:spPr/>
+      </p:sp>
+      <p:sp>
+        <p:nvSpPr>
+          <p:cNvPr id="3" name="Notes Placeholder 2"/>
+          <p:cNvSpPr>
+            <a:spLocks noGrp="1"/>
+          </p:cNvSpPr>
+          <p:nvPr>
+            <p:ph type="body" idx="1"/>
+          </p:nvPr>
+        </p:nvSpPr>
+        <p:spPr/>
+        <p:txBody>
+          <a:bodyPr/>
+          <a:lstStyle/>
+          <a:p>
+            <a:endParaRPr lang="en-PH" dirty="0"/>
+          </a:p>
+        </p:txBody>
+      </p:sp>
+      <p:sp>
+        <p:nvSpPr>
+          <p:cNvPr id="4" name="Slide Number Placeholder 3"/>
+          <p:cNvSpPr>
+            <a:spLocks noGrp="1"/>
+          </p:cNvSpPr>
+          <p:nvPr>
+            <p:ph type="sldNum" sz="quarter" idx="5"/>
+          </p:nvPr>
+        </p:nvSpPr>
+        <p:spPr/>
+        <p:txBody>
+          <a:bodyPr/>
+          <a:lstStyle/>
+          <a:p>
+            <a:fld id="{FE90CCE9-4AAE-4E1F-85AD-521A406D6524}" type="slidenum">
+              <a:rPr lang="en-PH" smtClean="0"/>
+              <a:t>8</a:t>
+            </a:fld>
+            <a:endParaRPr lang="en-PH"/>
+          </a:p>
+        </p:txBody>
+      </p:sp>
+    </p:spTree>
+    <p:extLst>
+      <p:ext uri="{BB962C8B-B14F-4D97-AF65-F5344CB8AC3E}">
+        <p14:creationId xmlns:p14="http://schemas.microsoft.com/office/powerpoint/2010/main" val="2490258159"/>
+      </p:ext>
+    </p:extLst>
+  </p:cSld>
+  <p:clrMapOvr>
+    <a:masterClrMapping/>
+  </p:clrMapOvr>
+</p:notes>
+</file>
+
+<file path=ppt/notesSlides/notesSlide9.xml><?xml version="1.0" encoding="utf-8"?>
+<p:notes xmlns:a="http://schemas.openxmlformats.org/drawingml/2006/main" xmlns:r="http://schemas.openxmlformats.org/officeDocument/2006/relationships" xmlns:p="http://schemas.openxmlformats.org/presentationml/2006/main">
+  <p:cSld>
+    <p:spTree>
+      <p:nvGrpSpPr>
+        <p:cNvPr id="1" name=""/>
+        <p:cNvGrpSpPr/>
+        <p:nvPr/>
+      </p:nvGrpSpPr>
+      <p:grpSpPr>
+        <a:xfrm>
+          <a:off x="0" y="0"/>
+          <a:ext cx="0" cy="0"/>
+          <a:chOff x="0" y="0"/>
+          <a:chExt cx="0" cy="0"/>
+        </a:xfrm>
+      </p:grpSpPr>
+      <p:sp>
+        <p:nvSpPr>
+          <p:cNvPr id="2" name="Slide Image Placeholder 1"/>
+          <p:cNvSpPr>
+            <a:spLocks noGrp="1" noRot="1" noChangeAspect="1"/>
+          </p:cNvSpPr>
+          <p:nvPr>
+            <p:ph type="sldImg"/>
+          </p:nvPr>
+        </p:nvSpPr>
+        <p:spPr/>
+      </p:sp>
+      <p:sp>
+        <p:nvSpPr>
+          <p:cNvPr id="3" name="Notes Placeholder 2"/>
+          <p:cNvSpPr>
+            <a:spLocks noGrp="1"/>
+          </p:cNvSpPr>
+          <p:nvPr>
+            <p:ph type="body" idx="1"/>
+          </p:nvPr>
+        </p:nvSpPr>
+        <p:spPr/>
+        <p:txBody>
+          <a:bodyPr/>
+          <a:lstStyle/>
+          <a:p>
+            <a:endParaRPr lang="en-PH" dirty="0"/>
+          </a:p>
+        </p:txBody>
+      </p:sp>
+      <p:sp>
+        <p:nvSpPr>
+          <p:cNvPr id="4" name="Slide Number Placeholder 3"/>
+          <p:cNvSpPr>
+            <a:spLocks noGrp="1"/>
+          </p:cNvSpPr>
+          <p:nvPr>
+            <p:ph type="sldNum" sz="quarter" idx="5"/>
+          </p:nvPr>
+        </p:nvSpPr>
+        <p:spPr/>
+        <p:txBody>
+          <a:bodyPr/>
+          <a:lstStyle/>
+          <a:p>
+            <a:fld id="{FE90CCE9-4AAE-4E1F-85AD-521A406D6524}" type="slidenum">
+              <a:rPr lang="en-PH" smtClean="0"/>
+              <a:t>9</a:t>
+            </a:fld>
+            <a:endParaRPr lang="en-PH"/>
+          </a:p>
+        </p:txBody>
+      </p:sp>
+    </p:spTree>
+    <p:extLst>
+      <p:ext uri="{BB962C8B-B14F-4D97-AF65-F5344CB8AC3E}">
+        <p14:creationId xmlns:p14="http://schemas.microsoft.com/office/powerpoint/2010/main" val="2758573341"/>
       </p:ext>
     </p:extLst>
   </p:cSld>
@@ -4445,7 +4785,7 @@
 </p:sld>
 </file>
 
-<file path=ppt/slides/slide2.xml><?xml version="1.0" encoding="utf-8"?>
+<file path=ppt/slides/slide10.xml><?xml version="1.0" encoding="utf-8"?>
 <p:sld xmlns:a="http://schemas.openxmlformats.org/drawingml/2006/main" xmlns:r="http://schemas.openxmlformats.org/officeDocument/2006/relationships" xmlns:p="http://schemas.openxmlformats.org/presentationml/2006/main">
   <p:cSld>
     <p:bg>
@@ -4507,7 +4847,7 @@
           <a:p>
             <a:r>
               <a:rPr lang="en-PH" b="1" dirty="0"/>
-              <a:t>Java Swing</a:t>
+              <a:t>Event Handling</a:t>
             </a:r>
           </a:p>
         </p:txBody>
@@ -4547,2689 +4887,6 @@
           <a:p>
             <a:pPr algn="r"/>
             <a:r>
-              <a:rPr lang="en-PH" b="1">
-                <a:solidFill>
-                  <a:schemeClr val="tx1"/>
-                </a:solidFill>
-              </a:rPr>
-              <a:t>CCPRGG2L</a:t>
-            </a:r>
-            <a:endParaRPr lang="en-PH" dirty="0"/>
-          </a:p>
-        </p:txBody>
-      </p:sp>
-      <p:sp>
-        <p:nvSpPr>
-          <p:cNvPr id="5" name="TextBox 4">
-            <a:extLst>
-              <a:ext uri="{FF2B5EF4-FFF2-40B4-BE49-F238E27FC236}">
-                <a16:creationId xmlns:a16="http://schemas.microsoft.com/office/drawing/2014/main" id="{5D3DB76E-5333-0C5C-3566-98EDDB99D618}"/>
-              </a:ext>
-            </a:extLst>
-          </p:cNvPr>
-          <p:cNvSpPr txBox="1"/>
-          <p:nvPr/>
-        </p:nvSpPr>
-        <p:spPr>
-          <a:xfrm>
-            <a:off x="1524001" y="1835063"/>
-            <a:ext cx="9143999" cy="2015936"/>
-          </a:xfrm>
-          <a:prstGeom prst="rect">
-            <a:avLst/>
-          </a:prstGeom>
-          <a:noFill/>
-        </p:spPr>
-        <p:txBody>
-          <a:bodyPr wrap="square" rtlCol="0">
-            <a:spAutoFit/>
-          </a:bodyPr>
-          <a:lstStyle/>
-          <a:p>
-            <a:pPr marL="342900" indent="-342900">
-              <a:buFont typeface="Wingdings" panose="05000000000000000000" pitchFamily="2" charset="2"/>
-              <a:buChar char="q"/>
-            </a:pPr>
-            <a:r>
-              <a:rPr lang="en-US" sz="2500" b="0" i="0" dirty="0">
-                <a:solidFill>
-                  <a:srgbClr val="333333"/>
-                </a:solidFill>
-                <a:effectLst/>
-                <a:latin typeface="Calibri (Body)"/>
-              </a:rPr>
-              <a:t>Java Swing is a part of Java Foundation Classes (JFC) that is </a:t>
-            </a:r>
-            <a:r>
-              <a:rPr lang="en-US" sz="2500" b="0" i="1" dirty="0">
-                <a:solidFill>
-                  <a:srgbClr val="333333"/>
-                </a:solidFill>
-                <a:effectLst/>
-                <a:latin typeface="Calibri (Body)"/>
-              </a:rPr>
-              <a:t>used to </a:t>
-            </a:r>
-            <a:r>
-              <a:rPr lang="en-US" sz="2500" b="1" i="1" dirty="0">
-                <a:solidFill>
-                  <a:srgbClr val="333333"/>
-                </a:solidFill>
-                <a:effectLst/>
-                <a:latin typeface="Calibri (Body)"/>
-              </a:rPr>
-              <a:t>create window-based applications</a:t>
-            </a:r>
-            <a:r>
-              <a:rPr lang="en-US" sz="2500" b="1" i="0" dirty="0">
-                <a:solidFill>
-                  <a:srgbClr val="333333"/>
-                </a:solidFill>
-                <a:effectLst/>
-                <a:latin typeface="Calibri (Body)"/>
-              </a:rPr>
-              <a:t>. </a:t>
-            </a:r>
-          </a:p>
-          <a:p>
-            <a:pPr marL="342900" indent="-342900">
-              <a:buFont typeface="Wingdings" panose="05000000000000000000" pitchFamily="2" charset="2"/>
-              <a:buChar char="q"/>
-            </a:pPr>
-            <a:endParaRPr lang="en-US" sz="2500" b="1" i="0" dirty="0">
-              <a:solidFill>
-                <a:srgbClr val="333333"/>
-              </a:solidFill>
-              <a:effectLst/>
-              <a:latin typeface="Calibri (Body)"/>
-            </a:endParaRPr>
-          </a:p>
-          <a:p>
-            <a:pPr marL="342900" indent="-342900">
-              <a:buFont typeface="Wingdings" panose="05000000000000000000" pitchFamily="2" charset="2"/>
-              <a:buChar char="q"/>
-            </a:pPr>
-            <a:r>
-              <a:rPr lang="en-US" sz="2500" b="0" i="0" dirty="0">
-                <a:solidFill>
-                  <a:srgbClr val="333333"/>
-                </a:solidFill>
-                <a:effectLst/>
-                <a:latin typeface="Calibri (Body)"/>
-              </a:rPr>
-              <a:t>It is built on the top of </a:t>
-            </a:r>
-            <a:r>
-              <a:rPr lang="en-US" sz="2500" b="1" i="0" dirty="0">
-                <a:solidFill>
-                  <a:srgbClr val="333333"/>
-                </a:solidFill>
-                <a:effectLst/>
-                <a:latin typeface="Calibri (Body)"/>
-              </a:rPr>
-              <a:t>AWT (Abstract Windowing Toolkit) </a:t>
-            </a:r>
-            <a:r>
-              <a:rPr lang="en-US" sz="2500" b="0" i="0" dirty="0">
-                <a:solidFill>
-                  <a:srgbClr val="333333"/>
-                </a:solidFill>
-                <a:effectLst/>
-                <a:latin typeface="Calibri (Body)"/>
-              </a:rPr>
-              <a:t>API and entirely written in java.</a:t>
-            </a:r>
-            <a:endParaRPr lang="en-PH" sz="2500" dirty="0">
-              <a:latin typeface="Calibri (Body)"/>
-            </a:endParaRPr>
-          </a:p>
-        </p:txBody>
-      </p:sp>
-    </p:spTree>
-    <p:extLst>
-      <p:ext uri="{BB962C8B-B14F-4D97-AF65-F5344CB8AC3E}">
-        <p14:creationId xmlns:p14="http://schemas.microsoft.com/office/powerpoint/2010/main" val="266991626"/>
-      </p:ext>
-    </p:extLst>
-  </p:cSld>
-  <p:clrMapOvr>
-    <a:masterClrMapping/>
-  </p:clrMapOvr>
-</p:sld>
-</file>
-
-<file path=ppt/slides/slide3.xml><?xml version="1.0" encoding="utf-8"?>
-<p:sld xmlns:a="http://schemas.openxmlformats.org/drawingml/2006/main" xmlns:r="http://schemas.openxmlformats.org/officeDocument/2006/relationships" xmlns:p="http://schemas.openxmlformats.org/presentationml/2006/main">
-  <p:cSld>
-    <p:bg>
-      <p:bgPr>
-        <a:blipFill dpi="0" rotWithShape="1">
-          <a:blip r:embed="rId3">
-            <a:alphaModFix amt="99000"/>
-            <a:lum/>
-          </a:blip>
-          <a:srcRect/>
-          <a:stretch>
-            <a:fillRect t="89000" r="85000" b="-1000"/>
-          </a:stretch>
-        </a:blipFill>
-        <a:effectLst/>
-      </p:bgPr>
-    </p:bg>
-    <p:spTree>
-      <p:nvGrpSpPr>
-        <p:cNvPr id="1" name=""/>
-        <p:cNvGrpSpPr/>
-        <p:nvPr/>
-      </p:nvGrpSpPr>
-      <p:grpSpPr>
-        <a:xfrm>
-          <a:off x="0" y="0"/>
-          <a:ext cx="0" cy="0"/>
-          <a:chOff x="0" y="0"/>
-          <a:chExt cx="0" cy="0"/>
-        </a:xfrm>
-      </p:grpSpPr>
-      <p:sp>
-        <p:nvSpPr>
-          <p:cNvPr id="2" name="Title 1">
-            <a:extLst>
-              <a:ext uri="{FF2B5EF4-FFF2-40B4-BE49-F238E27FC236}">
-                <a16:creationId xmlns:a16="http://schemas.microsoft.com/office/drawing/2014/main" id="{6A3DCE86-C2BA-4713-9E7A-73589E8D6CCF}"/>
-              </a:ext>
-            </a:extLst>
-          </p:cNvPr>
-          <p:cNvSpPr>
-            <a:spLocks noGrp="1"/>
-          </p:cNvSpPr>
-          <p:nvPr>
-            <p:ph type="ctrTitle"/>
-          </p:nvPr>
-        </p:nvSpPr>
-        <p:spPr>
-          <a:xfrm>
-            <a:off x="1524000" y="497150"/>
-            <a:ext cx="9144000" cy="718459"/>
-          </a:xfrm>
-        </p:spPr>
-        <p:txBody>
-          <a:bodyPr>
-            <a:noAutofit/>
-          </a:bodyPr>
-          <a:lstStyle/>
-          <a:p>
-            <a:r>
-              <a:rPr lang="en-PH" sz="4800" b="1" dirty="0"/>
-              <a:t>Java Swing and AWT import packages</a:t>
-            </a:r>
-          </a:p>
-        </p:txBody>
-      </p:sp>
-      <p:sp>
-        <p:nvSpPr>
-          <p:cNvPr id="4" name="Footer Placeholder 3">
-            <a:extLst>
-              <a:ext uri="{FF2B5EF4-FFF2-40B4-BE49-F238E27FC236}">
-                <a16:creationId xmlns:a16="http://schemas.microsoft.com/office/drawing/2014/main" id="{638E7DE1-45EE-476A-A474-0F3C264AEDA3}"/>
-              </a:ext>
-            </a:extLst>
-          </p:cNvPr>
-          <p:cNvSpPr>
-            <a:spLocks noGrp="1"/>
-          </p:cNvSpPr>
-          <p:nvPr>
-            <p:ph type="ftr" sz="quarter" idx="11"/>
-          </p:nvPr>
-        </p:nvSpPr>
-        <p:spPr>
-          <a:xfrm>
-            <a:off x="0" y="6139541"/>
-            <a:ext cx="12192000" cy="718459"/>
-          </a:xfrm>
-          <a:ln w="28575">
-            <a:solidFill>
-              <a:schemeClr val="accent5">
-                <a:lumMod val="50000"/>
-              </a:schemeClr>
-            </a:solidFill>
-          </a:ln>
-        </p:spPr>
-        <p:txBody>
-          <a:bodyPr/>
-          <a:lstStyle/>
-          <a:p>
-            <a:pPr algn="r"/>
-            <a:r>
-              <a:rPr lang="en-PH" b="1">
-                <a:solidFill>
-                  <a:schemeClr val="tx1"/>
-                </a:solidFill>
-              </a:rPr>
-              <a:t>CCPRGG2L</a:t>
-            </a:r>
-            <a:endParaRPr lang="en-PH" dirty="0"/>
-          </a:p>
-        </p:txBody>
-      </p:sp>
-      <p:sp>
-        <p:nvSpPr>
-          <p:cNvPr id="5" name="TextBox 4">
-            <a:extLst>
-              <a:ext uri="{FF2B5EF4-FFF2-40B4-BE49-F238E27FC236}">
-                <a16:creationId xmlns:a16="http://schemas.microsoft.com/office/drawing/2014/main" id="{5D3DB76E-5333-0C5C-3566-98EDDB99D618}"/>
-              </a:ext>
-            </a:extLst>
-          </p:cNvPr>
-          <p:cNvSpPr txBox="1"/>
-          <p:nvPr/>
-        </p:nvSpPr>
-        <p:spPr>
-          <a:xfrm>
-            <a:off x="1524000" y="1603331"/>
-            <a:ext cx="9143999" cy="1938992"/>
-          </a:xfrm>
-          <a:prstGeom prst="rect">
-            <a:avLst/>
-          </a:prstGeom>
-          <a:noFill/>
-        </p:spPr>
-        <p:txBody>
-          <a:bodyPr wrap="square" rtlCol="0">
-            <a:spAutoFit/>
-          </a:bodyPr>
-          <a:lstStyle/>
-          <a:p>
-            <a:pPr algn="just"/>
-            <a:r>
-              <a:rPr lang="en-PH" sz="3000" b="1" i="0" dirty="0">
-                <a:solidFill>
-                  <a:srgbClr val="00B0F0"/>
-                </a:solidFill>
-                <a:effectLst/>
-                <a:latin typeface="Consolas" panose="020B0609020204030204" pitchFamily="49" charset="0"/>
-              </a:rPr>
-              <a:t>import</a:t>
-            </a:r>
-            <a:r>
-              <a:rPr lang="en-PH" sz="3000" b="0" i="0" dirty="0">
-                <a:effectLst/>
-                <a:latin typeface="Consolas" panose="020B0609020204030204" pitchFamily="49" charset="0"/>
-              </a:rPr>
-              <a:t> </a:t>
-            </a:r>
-            <a:r>
-              <a:rPr lang="en-PH" sz="3000" b="0" i="0" dirty="0" err="1">
-                <a:effectLst/>
-                <a:latin typeface="Consolas" panose="020B0609020204030204" pitchFamily="49" charset="0"/>
-              </a:rPr>
-              <a:t>javax.swing</a:t>
-            </a:r>
-            <a:r>
-              <a:rPr lang="en-PH" sz="3000" b="0" i="0" dirty="0">
-                <a:effectLst/>
-                <a:latin typeface="Consolas" panose="020B0609020204030204" pitchFamily="49" charset="0"/>
-              </a:rPr>
-              <a:t>.*;</a:t>
-            </a:r>
-          </a:p>
-          <a:p>
-            <a:pPr algn="just"/>
-            <a:endParaRPr lang="en-PH" sz="3000" dirty="0">
-              <a:latin typeface="Consolas" panose="020B0609020204030204" pitchFamily="49" charset="0"/>
-            </a:endParaRPr>
-          </a:p>
-          <a:p>
-            <a:pPr algn="just"/>
-            <a:r>
-              <a:rPr lang="en-PH" sz="3000" b="1" dirty="0">
-                <a:solidFill>
-                  <a:srgbClr val="00B0F0"/>
-                </a:solidFill>
-                <a:effectLst/>
-                <a:latin typeface="Consolas" panose="020B0609020204030204" pitchFamily="49" charset="0"/>
-              </a:rPr>
-              <a:t>import</a:t>
-            </a:r>
-            <a:r>
-              <a:rPr lang="en-PH" sz="3000" b="0" dirty="0">
-                <a:effectLst/>
-                <a:latin typeface="Consolas" panose="020B0609020204030204" pitchFamily="49" charset="0"/>
-              </a:rPr>
-              <a:t> </a:t>
-            </a:r>
-            <a:r>
-              <a:rPr lang="en-PH" sz="3000" b="0" dirty="0" err="1">
-                <a:effectLst/>
-                <a:latin typeface="Consolas" panose="020B0609020204030204" pitchFamily="49" charset="0"/>
-              </a:rPr>
-              <a:t>java.awt</a:t>
-            </a:r>
-            <a:r>
-              <a:rPr lang="en-PH" sz="3000" b="0" dirty="0">
-                <a:effectLst/>
-                <a:latin typeface="Consolas" panose="020B0609020204030204" pitchFamily="49" charset="0"/>
-              </a:rPr>
-              <a:t>.*;</a:t>
-            </a:r>
-          </a:p>
-          <a:p>
-            <a:pPr algn="just"/>
-            <a:r>
-              <a:rPr lang="en-PH" sz="3000" b="0" i="0" dirty="0">
-                <a:effectLst/>
-                <a:latin typeface="Consolas" panose="020B0609020204030204" pitchFamily="49" charset="0"/>
-              </a:rPr>
-              <a:t>  </a:t>
-            </a:r>
-          </a:p>
-        </p:txBody>
-      </p:sp>
-    </p:spTree>
-    <p:extLst>
-      <p:ext uri="{BB962C8B-B14F-4D97-AF65-F5344CB8AC3E}">
-        <p14:creationId xmlns:p14="http://schemas.microsoft.com/office/powerpoint/2010/main" val="1430866197"/>
-      </p:ext>
-    </p:extLst>
-  </p:cSld>
-  <p:clrMapOvr>
-    <a:masterClrMapping/>
-  </p:clrMapOvr>
-</p:sld>
-</file>
-
-<file path=ppt/slides/slide4.xml><?xml version="1.0" encoding="utf-8"?>
-<p:sld xmlns:a="http://schemas.openxmlformats.org/drawingml/2006/main" xmlns:r="http://schemas.openxmlformats.org/officeDocument/2006/relationships" xmlns:p="http://schemas.openxmlformats.org/presentationml/2006/main">
-  <p:cSld>
-    <p:bg>
-      <p:bgPr>
-        <a:blipFill dpi="0" rotWithShape="1">
-          <a:blip r:embed="rId3">
-            <a:alphaModFix amt="99000"/>
-            <a:lum/>
-          </a:blip>
-          <a:srcRect/>
-          <a:stretch>
-            <a:fillRect t="89000" r="85000" b="-1000"/>
-          </a:stretch>
-        </a:blipFill>
-        <a:effectLst/>
-      </p:bgPr>
-    </p:bg>
-    <p:spTree>
-      <p:nvGrpSpPr>
-        <p:cNvPr id="1" name=""/>
-        <p:cNvGrpSpPr/>
-        <p:nvPr/>
-      </p:nvGrpSpPr>
-      <p:grpSpPr>
-        <a:xfrm>
-          <a:off x="0" y="0"/>
-          <a:ext cx="0" cy="0"/>
-          <a:chOff x="0" y="0"/>
-          <a:chExt cx="0" cy="0"/>
-        </a:xfrm>
-      </p:grpSpPr>
-      <p:sp>
-        <p:nvSpPr>
-          <p:cNvPr id="4" name="Footer Placeholder 3">
-            <a:extLst>
-              <a:ext uri="{FF2B5EF4-FFF2-40B4-BE49-F238E27FC236}">
-                <a16:creationId xmlns:a16="http://schemas.microsoft.com/office/drawing/2014/main" id="{638E7DE1-45EE-476A-A474-0F3C264AEDA3}"/>
-              </a:ext>
-            </a:extLst>
-          </p:cNvPr>
-          <p:cNvSpPr>
-            <a:spLocks noGrp="1"/>
-          </p:cNvSpPr>
-          <p:nvPr>
-            <p:ph type="ftr" sz="quarter" idx="11"/>
-          </p:nvPr>
-        </p:nvSpPr>
-        <p:spPr>
-          <a:xfrm>
-            <a:off x="0" y="6139541"/>
-            <a:ext cx="12192000" cy="718459"/>
-          </a:xfrm>
-          <a:ln w="28575">
-            <a:solidFill>
-              <a:schemeClr val="accent5">
-                <a:lumMod val="50000"/>
-              </a:schemeClr>
-            </a:solidFill>
-          </a:ln>
-        </p:spPr>
-        <p:txBody>
-          <a:bodyPr/>
-          <a:lstStyle/>
-          <a:p>
-            <a:pPr algn="r"/>
-            <a:r>
-              <a:rPr lang="en-PH" b="1">
-                <a:solidFill>
-                  <a:schemeClr val="tx1"/>
-                </a:solidFill>
-              </a:rPr>
-              <a:t>CCPRGG2L</a:t>
-            </a:r>
-            <a:endParaRPr lang="en-PH" b="1" dirty="0"/>
-          </a:p>
-        </p:txBody>
-      </p:sp>
-      <p:sp>
-        <p:nvSpPr>
-          <p:cNvPr id="3" name="Rectangle 2">
-            <a:extLst>
-              <a:ext uri="{FF2B5EF4-FFF2-40B4-BE49-F238E27FC236}">
-                <a16:creationId xmlns:a16="http://schemas.microsoft.com/office/drawing/2014/main" id="{1685D1C9-3CB7-D381-741D-C6516D1AE585}"/>
-              </a:ext>
-            </a:extLst>
-          </p:cNvPr>
-          <p:cNvSpPr/>
-          <p:nvPr/>
-        </p:nvSpPr>
-        <p:spPr>
-          <a:xfrm>
-            <a:off x="5686044" y="338328"/>
-            <a:ext cx="819912" cy="502920"/>
-          </a:xfrm>
-          <a:prstGeom prst="rect">
-            <a:avLst/>
-          </a:prstGeom>
-        </p:spPr>
-        <p:style>
-          <a:lnRef idx="2">
-            <a:schemeClr val="dk1"/>
-          </a:lnRef>
-          <a:fillRef idx="1">
-            <a:schemeClr val="lt1"/>
-          </a:fillRef>
-          <a:effectRef idx="0">
-            <a:schemeClr val="dk1"/>
-          </a:effectRef>
-          <a:fontRef idx="minor">
-            <a:schemeClr val="dk1"/>
-          </a:fontRef>
-        </p:style>
-        <p:txBody>
-          <a:bodyPr rtlCol="0" anchor="ctr"/>
-          <a:lstStyle/>
-          <a:p>
-            <a:pPr algn="ctr"/>
-            <a:r>
-              <a:rPr lang="en-PH" sz="1200" b="1" dirty="0"/>
-              <a:t>Object</a:t>
-            </a:r>
-          </a:p>
-        </p:txBody>
-      </p:sp>
-      <p:sp>
-        <p:nvSpPr>
-          <p:cNvPr id="10" name="Rectangle 9">
-            <a:extLst>
-              <a:ext uri="{FF2B5EF4-FFF2-40B4-BE49-F238E27FC236}">
-                <a16:creationId xmlns:a16="http://schemas.microsoft.com/office/drawing/2014/main" id="{614AC5BA-6005-EBE6-85C1-E221B5773AB3}"/>
-              </a:ext>
-            </a:extLst>
-          </p:cNvPr>
-          <p:cNvSpPr/>
-          <p:nvPr/>
-        </p:nvSpPr>
-        <p:spPr>
-          <a:xfrm>
-            <a:off x="5628894" y="1170866"/>
-            <a:ext cx="934212" cy="502920"/>
-          </a:xfrm>
-          <a:prstGeom prst="rect">
-            <a:avLst/>
-          </a:prstGeom>
-        </p:spPr>
-        <p:style>
-          <a:lnRef idx="2">
-            <a:schemeClr val="dk1"/>
-          </a:lnRef>
-          <a:fillRef idx="1">
-            <a:schemeClr val="lt1"/>
-          </a:fillRef>
-          <a:effectRef idx="0">
-            <a:schemeClr val="dk1"/>
-          </a:effectRef>
-          <a:fontRef idx="minor">
-            <a:schemeClr val="dk1"/>
-          </a:fontRef>
-        </p:style>
-        <p:txBody>
-          <a:bodyPr rtlCol="0" anchor="ctr"/>
-          <a:lstStyle/>
-          <a:p>
-            <a:pPr algn="ctr"/>
-            <a:r>
-              <a:rPr lang="en-PH" sz="1200" b="1" dirty="0"/>
-              <a:t>Component</a:t>
-            </a:r>
-          </a:p>
-        </p:txBody>
-      </p:sp>
-      <p:sp>
-        <p:nvSpPr>
-          <p:cNvPr id="12" name="Rectangle 11">
-            <a:extLst>
-              <a:ext uri="{FF2B5EF4-FFF2-40B4-BE49-F238E27FC236}">
-                <a16:creationId xmlns:a16="http://schemas.microsoft.com/office/drawing/2014/main" id="{ACAEBE3A-E96D-BA2C-70E8-3B8513153B15}"/>
-              </a:ext>
-            </a:extLst>
-          </p:cNvPr>
-          <p:cNvSpPr/>
-          <p:nvPr/>
-        </p:nvSpPr>
-        <p:spPr>
-          <a:xfrm>
-            <a:off x="7045452" y="2063930"/>
-            <a:ext cx="1019556" cy="502920"/>
-          </a:xfrm>
-          <a:prstGeom prst="rect">
-            <a:avLst/>
-          </a:prstGeom>
-        </p:spPr>
-        <p:style>
-          <a:lnRef idx="2">
-            <a:schemeClr val="dk1"/>
-          </a:lnRef>
-          <a:fillRef idx="1">
-            <a:schemeClr val="lt1"/>
-          </a:fillRef>
-          <a:effectRef idx="0">
-            <a:schemeClr val="dk1"/>
-          </a:effectRef>
-          <a:fontRef idx="minor">
-            <a:schemeClr val="dk1"/>
-          </a:fontRef>
-        </p:style>
-        <p:txBody>
-          <a:bodyPr rtlCol="0" anchor="ctr"/>
-          <a:lstStyle/>
-          <a:p>
-            <a:pPr algn="ctr"/>
-            <a:r>
-              <a:rPr lang="en-PH" sz="1200" b="1" dirty="0" err="1"/>
-              <a:t>JComponent</a:t>
-            </a:r>
-            <a:endParaRPr lang="en-PH" sz="1200" b="1" dirty="0"/>
-          </a:p>
-        </p:txBody>
-      </p:sp>
-      <p:sp>
-        <p:nvSpPr>
-          <p:cNvPr id="13" name="Rectangle 12">
-            <a:extLst>
-              <a:ext uri="{FF2B5EF4-FFF2-40B4-BE49-F238E27FC236}">
-                <a16:creationId xmlns:a16="http://schemas.microsoft.com/office/drawing/2014/main" id="{DD296B2C-C75B-252C-870A-B38335EC50BD}"/>
-              </a:ext>
-            </a:extLst>
-          </p:cNvPr>
-          <p:cNvSpPr/>
-          <p:nvPr/>
-        </p:nvSpPr>
-        <p:spPr>
-          <a:xfrm>
-            <a:off x="4418076" y="2063930"/>
-            <a:ext cx="819912" cy="502920"/>
-          </a:xfrm>
-          <a:prstGeom prst="rect">
-            <a:avLst/>
-          </a:prstGeom>
-        </p:spPr>
-        <p:style>
-          <a:lnRef idx="2">
-            <a:schemeClr val="dk1"/>
-          </a:lnRef>
-          <a:fillRef idx="1">
-            <a:schemeClr val="lt1"/>
-          </a:fillRef>
-          <a:effectRef idx="0">
-            <a:schemeClr val="dk1"/>
-          </a:effectRef>
-          <a:fontRef idx="minor">
-            <a:schemeClr val="dk1"/>
-          </a:fontRef>
-        </p:style>
-        <p:txBody>
-          <a:bodyPr rtlCol="0" anchor="ctr"/>
-          <a:lstStyle/>
-          <a:p>
-            <a:pPr algn="ctr"/>
-            <a:r>
-              <a:rPr lang="en-PH" sz="1200" b="1" dirty="0"/>
-              <a:t>Container</a:t>
-            </a:r>
-          </a:p>
-        </p:txBody>
-      </p:sp>
-      <p:sp>
-        <p:nvSpPr>
-          <p:cNvPr id="14" name="Rectangle 13">
-            <a:extLst>
-              <a:ext uri="{FF2B5EF4-FFF2-40B4-BE49-F238E27FC236}">
-                <a16:creationId xmlns:a16="http://schemas.microsoft.com/office/drawing/2014/main" id="{631B3A09-A83C-2D9F-6E30-96E7B7BDD032}"/>
-              </a:ext>
-            </a:extLst>
-          </p:cNvPr>
-          <p:cNvSpPr/>
-          <p:nvPr/>
-        </p:nvSpPr>
-        <p:spPr>
-          <a:xfrm>
-            <a:off x="2695956" y="3311436"/>
-            <a:ext cx="819912" cy="502920"/>
-          </a:xfrm>
-          <a:prstGeom prst="rect">
-            <a:avLst/>
-          </a:prstGeom>
-        </p:spPr>
-        <p:style>
-          <a:lnRef idx="2">
-            <a:schemeClr val="dk1"/>
-          </a:lnRef>
-          <a:fillRef idx="1">
-            <a:schemeClr val="lt1"/>
-          </a:fillRef>
-          <a:effectRef idx="0">
-            <a:schemeClr val="dk1"/>
-          </a:effectRef>
-          <a:fontRef idx="minor">
-            <a:schemeClr val="dk1"/>
-          </a:fontRef>
-        </p:style>
-        <p:txBody>
-          <a:bodyPr rtlCol="0" anchor="ctr"/>
-          <a:lstStyle/>
-          <a:p>
-            <a:pPr algn="ctr"/>
-            <a:r>
-              <a:rPr lang="en-PH" sz="1200" b="1" dirty="0"/>
-              <a:t>Window</a:t>
-            </a:r>
-          </a:p>
-        </p:txBody>
-      </p:sp>
-      <p:sp>
-        <p:nvSpPr>
-          <p:cNvPr id="15" name="Rectangle 14">
-            <a:extLst>
-              <a:ext uri="{FF2B5EF4-FFF2-40B4-BE49-F238E27FC236}">
-                <a16:creationId xmlns:a16="http://schemas.microsoft.com/office/drawing/2014/main" id="{F9B142C4-C5CB-4F75-F69D-0C96AF10F5EE}"/>
-              </a:ext>
-            </a:extLst>
-          </p:cNvPr>
-          <p:cNvSpPr/>
-          <p:nvPr/>
-        </p:nvSpPr>
-        <p:spPr>
-          <a:xfrm>
-            <a:off x="5686044" y="3311436"/>
-            <a:ext cx="819912" cy="502920"/>
-          </a:xfrm>
-          <a:prstGeom prst="rect">
-            <a:avLst/>
-          </a:prstGeom>
-        </p:spPr>
-        <p:style>
-          <a:lnRef idx="2">
-            <a:schemeClr val="dk1"/>
-          </a:lnRef>
-          <a:fillRef idx="1">
-            <a:schemeClr val="lt1"/>
-          </a:fillRef>
-          <a:effectRef idx="0">
-            <a:schemeClr val="dk1"/>
-          </a:effectRef>
-          <a:fontRef idx="minor">
-            <a:schemeClr val="dk1"/>
-          </a:fontRef>
-        </p:style>
-        <p:txBody>
-          <a:bodyPr rtlCol="0" anchor="ctr"/>
-          <a:lstStyle/>
-          <a:p>
-            <a:pPr algn="ctr"/>
-            <a:r>
-              <a:rPr lang="en-PH" sz="1200" b="1" dirty="0"/>
-              <a:t>Panel</a:t>
-            </a:r>
-          </a:p>
-        </p:txBody>
-      </p:sp>
-      <p:sp>
-        <p:nvSpPr>
-          <p:cNvPr id="16" name="Rectangle 15">
-            <a:extLst>
-              <a:ext uri="{FF2B5EF4-FFF2-40B4-BE49-F238E27FC236}">
-                <a16:creationId xmlns:a16="http://schemas.microsoft.com/office/drawing/2014/main" id="{0B8DAFCE-8D38-3DE8-9985-4155B6D34F2C}"/>
-              </a:ext>
-            </a:extLst>
-          </p:cNvPr>
-          <p:cNvSpPr/>
-          <p:nvPr/>
-        </p:nvSpPr>
-        <p:spPr>
-          <a:xfrm>
-            <a:off x="1876044" y="4473810"/>
-            <a:ext cx="819912" cy="502920"/>
-          </a:xfrm>
-          <a:prstGeom prst="rect">
-            <a:avLst/>
-          </a:prstGeom>
-        </p:spPr>
-        <p:style>
-          <a:lnRef idx="2">
-            <a:schemeClr val="dk1"/>
-          </a:lnRef>
-          <a:fillRef idx="1">
-            <a:schemeClr val="lt1"/>
-          </a:fillRef>
-          <a:effectRef idx="0">
-            <a:schemeClr val="dk1"/>
-          </a:effectRef>
-          <a:fontRef idx="minor">
-            <a:schemeClr val="dk1"/>
-          </a:fontRef>
-        </p:style>
-        <p:txBody>
-          <a:bodyPr rtlCol="0" anchor="ctr"/>
-          <a:lstStyle/>
-          <a:p>
-            <a:pPr algn="ctr"/>
-            <a:r>
-              <a:rPr lang="en-PH" sz="1200" b="1" dirty="0"/>
-              <a:t>Frame</a:t>
-            </a:r>
-          </a:p>
-        </p:txBody>
-      </p:sp>
-      <p:sp>
-        <p:nvSpPr>
-          <p:cNvPr id="17" name="Rectangle 16">
-            <a:extLst>
-              <a:ext uri="{FF2B5EF4-FFF2-40B4-BE49-F238E27FC236}">
-                <a16:creationId xmlns:a16="http://schemas.microsoft.com/office/drawing/2014/main" id="{7575C4C1-2E6E-EB31-08D7-B3C53098F1A8}"/>
-              </a:ext>
-            </a:extLst>
-          </p:cNvPr>
-          <p:cNvSpPr/>
-          <p:nvPr/>
-        </p:nvSpPr>
-        <p:spPr>
-          <a:xfrm>
-            <a:off x="3470148" y="4473810"/>
-            <a:ext cx="819912" cy="502920"/>
-          </a:xfrm>
-          <a:prstGeom prst="rect">
-            <a:avLst/>
-          </a:prstGeom>
-        </p:spPr>
-        <p:style>
-          <a:lnRef idx="2">
-            <a:schemeClr val="dk1"/>
-          </a:lnRef>
-          <a:fillRef idx="1">
-            <a:schemeClr val="lt1"/>
-          </a:fillRef>
-          <a:effectRef idx="0">
-            <a:schemeClr val="dk1"/>
-          </a:effectRef>
-          <a:fontRef idx="minor">
-            <a:schemeClr val="dk1"/>
-          </a:fontRef>
-        </p:style>
-        <p:txBody>
-          <a:bodyPr rtlCol="0" anchor="ctr"/>
-          <a:lstStyle/>
-          <a:p>
-            <a:pPr algn="ctr"/>
-            <a:r>
-              <a:rPr lang="en-PH" sz="1200" b="1" dirty="0"/>
-              <a:t>Dialog</a:t>
-            </a:r>
-          </a:p>
-        </p:txBody>
-      </p:sp>
-      <p:sp>
-        <p:nvSpPr>
-          <p:cNvPr id="18" name="Rectangle 17">
-            <a:extLst>
-              <a:ext uri="{FF2B5EF4-FFF2-40B4-BE49-F238E27FC236}">
-                <a16:creationId xmlns:a16="http://schemas.microsoft.com/office/drawing/2014/main" id="{68D20FBE-FFC0-11A6-0FA8-AA5948B664C7}"/>
-              </a:ext>
-            </a:extLst>
-          </p:cNvPr>
-          <p:cNvSpPr/>
-          <p:nvPr/>
-        </p:nvSpPr>
-        <p:spPr>
-          <a:xfrm>
-            <a:off x="5686044" y="4298492"/>
-            <a:ext cx="819912" cy="502920"/>
-          </a:xfrm>
-          <a:prstGeom prst="rect">
-            <a:avLst/>
-          </a:prstGeom>
-        </p:spPr>
-        <p:style>
-          <a:lnRef idx="2">
-            <a:schemeClr val="dk1"/>
-          </a:lnRef>
-          <a:fillRef idx="1">
-            <a:schemeClr val="lt1"/>
-          </a:fillRef>
-          <a:effectRef idx="0">
-            <a:schemeClr val="dk1"/>
-          </a:effectRef>
-          <a:fontRef idx="minor">
-            <a:schemeClr val="dk1"/>
-          </a:fontRef>
-        </p:style>
-        <p:txBody>
-          <a:bodyPr rtlCol="0" anchor="ctr"/>
-          <a:lstStyle/>
-          <a:p>
-            <a:pPr algn="ctr"/>
-            <a:r>
-              <a:rPr lang="en-PH" sz="1200" b="1" dirty="0"/>
-              <a:t>Applet</a:t>
-            </a:r>
-          </a:p>
-        </p:txBody>
-      </p:sp>
-      <p:sp>
-        <p:nvSpPr>
-          <p:cNvPr id="19" name="Rectangle 18">
-            <a:extLst>
-              <a:ext uri="{FF2B5EF4-FFF2-40B4-BE49-F238E27FC236}">
-                <a16:creationId xmlns:a16="http://schemas.microsoft.com/office/drawing/2014/main" id="{8B7F4899-FF7C-CD50-A8D6-4C32669B60AA}"/>
-              </a:ext>
-            </a:extLst>
-          </p:cNvPr>
-          <p:cNvSpPr/>
-          <p:nvPr/>
-        </p:nvSpPr>
-        <p:spPr>
-          <a:xfrm>
-            <a:off x="9383268" y="1170866"/>
-            <a:ext cx="1019556" cy="502920"/>
-          </a:xfrm>
-          <a:prstGeom prst="rect">
-            <a:avLst/>
-          </a:prstGeom>
-        </p:spPr>
-        <p:style>
-          <a:lnRef idx="2">
-            <a:schemeClr val="dk1"/>
-          </a:lnRef>
-          <a:fillRef idx="1">
-            <a:schemeClr val="lt1"/>
-          </a:fillRef>
-          <a:effectRef idx="0">
-            <a:schemeClr val="dk1"/>
-          </a:effectRef>
-          <a:fontRef idx="minor">
-            <a:schemeClr val="dk1"/>
-          </a:fontRef>
-        </p:style>
-        <p:txBody>
-          <a:bodyPr rtlCol="0" anchor="ctr"/>
-          <a:lstStyle/>
-          <a:p>
-            <a:pPr algn="ctr"/>
-            <a:r>
-              <a:rPr lang="en-PH" sz="1200" b="1" dirty="0" err="1"/>
-              <a:t>JList</a:t>
-            </a:r>
-            <a:endParaRPr lang="en-PH" sz="1200" b="1" dirty="0"/>
-          </a:p>
-        </p:txBody>
-      </p:sp>
-      <p:sp>
-        <p:nvSpPr>
-          <p:cNvPr id="20" name="Rectangle 19">
-            <a:extLst>
-              <a:ext uri="{FF2B5EF4-FFF2-40B4-BE49-F238E27FC236}">
-                <a16:creationId xmlns:a16="http://schemas.microsoft.com/office/drawing/2014/main" id="{2BA97B81-A048-AA6F-8B44-05F5E64DB3A1}"/>
-              </a:ext>
-            </a:extLst>
-          </p:cNvPr>
-          <p:cNvSpPr/>
-          <p:nvPr/>
-        </p:nvSpPr>
-        <p:spPr>
-          <a:xfrm>
-            <a:off x="9383268" y="1836641"/>
-            <a:ext cx="1019556" cy="502920"/>
-          </a:xfrm>
-          <a:prstGeom prst="rect">
-            <a:avLst/>
-          </a:prstGeom>
-        </p:spPr>
-        <p:style>
-          <a:lnRef idx="2">
-            <a:schemeClr val="dk1"/>
-          </a:lnRef>
-          <a:fillRef idx="1">
-            <a:schemeClr val="lt1"/>
-          </a:fillRef>
-          <a:effectRef idx="0">
-            <a:schemeClr val="dk1"/>
-          </a:effectRef>
-          <a:fontRef idx="minor">
-            <a:schemeClr val="dk1"/>
-          </a:fontRef>
-        </p:style>
-        <p:txBody>
-          <a:bodyPr rtlCol="0" anchor="ctr"/>
-          <a:lstStyle/>
-          <a:p>
-            <a:pPr algn="ctr"/>
-            <a:r>
-              <a:rPr lang="en-PH" sz="1200" b="1" dirty="0" err="1"/>
-              <a:t>JTable</a:t>
-            </a:r>
-            <a:endParaRPr lang="en-PH" sz="1200" b="1" dirty="0"/>
-          </a:p>
-        </p:txBody>
-      </p:sp>
-      <p:sp>
-        <p:nvSpPr>
-          <p:cNvPr id="21" name="Rectangle 20">
-            <a:extLst>
-              <a:ext uri="{FF2B5EF4-FFF2-40B4-BE49-F238E27FC236}">
-                <a16:creationId xmlns:a16="http://schemas.microsoft.com/office/drawing/2014/main" id="{2B4A7B67-E4F4-0307-DC1A-5ECC81469C13}"/>
-              </a:ext>
-            </a:extLst>
-          </p:cNvPr>
-          <p:cNvSpPr/>
-          <p:nvPr/>
-        </p:nvSpPr>
-        <p:spPr>
-          <a:xfrm>
-            <a:off x="9383268" y="2502416"/>
-            <a:ext cx="1019556" cy="502920"/>
-          </a:xfrm>
-          <a:prstGeom prst="rect">
-            <a:avLst/>
-          </a:prstGeom>
-        </p:spPr>
-        <p:style>
-          <a:lnRef idx="2">
-            <a:schemeClr val="dk1"/>
-          </a:lnRef>
-          <a:fillRef idx="1">
-            <a:schemeClr val="lt1"/>
-          </a:fillRef>
-          <a:effectRef idx="0">
-            <a:schemeClr val="dk1"/>
-          </a:effectRef>
-          <a:fontRef idx="minor">
-            <a:schemeClr val="dk1"/>
-          </a:fontRef>
-        </p:style>
-        <p:txBody>
-          <a:bodyPr rtlCol="0" anchor="ctr"/>
-          <a:lstStyle/>
-          <a:p>
-            <a:pPr algn="ctr"/>
-            <a:r>
-              <a:rPr lang="en-PH" sz="1200" b="1" dirty="0" err="1"/>
-              <a:t>JComboBox</a:t>
-            </a:r>
-            <a:endParaRPr lang="en-PH" sz="1200" b="1" dirty="0"/>
-          </a:p>
-        </p:txBody>
-      </p:sp>
-      <p:sp>
-        <p:nvSpPr>
-          <p:cNvPr id="23" name="Rectangle 22">
-            <a:extLst>
-              <a:ext uri="{FF2B5EF4-FFF2-40B4-BE49-F238E27FC236}">
-                <a16:creationId xmlns:a16="http://schemas.microsoft.com/office/drawing/2014/main" id="{7B0A2178-900A-3E55-F472-05AA8ED0AF36}"/>
-              </a:ext>
-            </a:extLst>
-          </p:cNvPr>
-          <p:cNvSpPr/>
-          <p:nvPr/>
-        </p:nvSpPr>
-        <p:spPr>
-          <a:xfrm>
-            <a:off x="9383268" y="3152284"/>
-            <a:ext cx="1019556" cy="502920"/>
-          </a:xfrm>
-          <a:prstGeom prst="rect">
-            <a:avLst/>
-          </a:prstGeom>
-        </p:spPr>
-        <p:style>
-          <a:lnRef idx="2">
-            <a:schemeClr val="dk1"/>
-          </a:lnRef>
-          <a:fillRef idx="1">
-            <a:schemeClr val="lt1"/>
-          </a:fillRef>
-          <a:effectRef idx="0">
-            <a:schemeClr val="dk1"/>
-          </a:effectRef>
-          <a:fontRef idx="minor">
-            <a:schemeClr val="dk1"/>
-          </a:fontRef>
-        </p:style>
-        <p:txBody>
-          <a:bodyPr rtlCol="0" anchor="ctr"/>
-          <a:lstStyle/>
-          <a:p>
-            <a:pPr algn="ctr"/>
-            <a:r>
-              <a:rPr lang="en-PH" sz="1200" b="1" dirty="0" err="1"/>
-              <a:t>JSlider</a:t>
-            </a:r>
-            <a:endParaRPr lang="en-PH" sz="1200" b="1" dirty="0"/>
-          </a:p>
-        </p:txBody>
-      </p:sp>
-      <p:sp>
-        <p:nvSpPr>
-          <p:cNvPr id="24" name="Rectangle 23">
-            <a:extLst>
-              <a:ext uri="{FF2B5EF4-FFF2-40B4-BE49-F238E27FC236}">
-                <a16:creationId xmlns:a16="http://schemas.microsoft.com/office/drawing/2014/main" id="{3F57F02E-1D28-1014-9084-6A945F68625F}"/>
-              </a:ext>
-            </a:extLst>
-          </p:cNvPr>
-          <p:cNvSpPr/>
-          <p:nvPr/>
-        </p:nvSpPr>
-        <p:spPr>
-          <a:xfrm>
-            <a:off x="9383268" y="3773271"/>
-            <a:ext cx="1019556" cy="502920"/>
-          </a:xfrm>
-          <a:prstGeom prst="rect">
-            <a:avLst/>
-          </a:prstGeom>
-        </p:spPr>
-        <p:style>
-          <a:lnRef idx="2">
-            <a:schemeClr val="dk1"/>
-          </a:lnRef>
-          <a:fillRef idx="1">
-            <a:schemeClr val="lt1"/>
-          </a:fillRef>
-          <a:effectRef idx="0">
-            <a:schemeClr val="dk1"/>
-          </a:effectRef>
-          <a:fontRef idx="minor">
-            <a:schemeClr val="dk1"/>
-          </a:fontRef>
-        </p:style>
-        <p:txBody>
-          <a:bodyPr rtlCol="0" anchor="ctr"/>
-          <a:lstStyle/>
-          <a:p>
-            <a:pPr algn="ctr"/>
-            <a:r>
-              <a:rPr lang="en-PH" sz="1200" b="1" dirty="0" err="1"/>
-              <a:t>JMenu</a:t>
-            </a:r>
-            <a:endParaRPr lang="en-PH" sz="1200" b="1" dirty="0"/>
-          </a:p>
-        </p:txBody>
-      </p:sp>
-      <p:sp>
-        <p:nvSpPr>
-          <p:cNvPr id="25" name="Rectangle 24">
-            <a:extLst>
-              <a:ext uri="{FF2B5EF4-FFF2-40B4-BE49-F238E27FC236}">
-                <a16:creationId xmlns:a16="http://schemas.microsoft.com/office/drawing/2014/main" id="{42525774-14FA-50D0-9D78-9364BF896551}"/>
-              </a:ext>
-            </a:extLst>
-          </p:cNvPr>
-          <p:cNvSpPr/>
-          <p:nvPr/>
-        </p:nvSpPr>
-        <p:spPr>
-          <a:xfrm>
-            <a:off x="9383268" y="4366172"/>
-            <a:ext cx="1019556" cy="502920"/>
-          </a:xfrm>
-          <a:prstGeom prst="rect">
-            <a:avLst/>
-          </a:prstGeom>
-        </p:spPr>
-        <p:style>
-          <a:lnRef idx="2">
-            <a:schemeClr val="dk1"/>
-          </a:lnRef>
-          <a:fillRef idx="1">
-            <a:schemeClr val="lt1"/>
-          </a:fillRef>
-          <a:effectRef idx="0">
-            <a:schemeClr val="dk1"/>
-          </a:effectRef>
-          <a:fontRef idx="minor">
-            <a:schemeClr val="dk1"/>
-          </a:fontRef>
-        </p:style>
-        <p:txBody>
-          <a:bodyPr rtlCol="0" anchor="ctr"/>
-          <a:lstStyle/>
-          <a:p>
-            <a:pPr algn="ctr"/>
-            <a:r>
-              <a:rPr lang="en-PH" sz="1000" b="1" dirty="0" err="1"/>
-              <a:t>AbstractButton</a:t>
-            </a:r>
-            <a:endParaRPr lang="en-PH" sz="1000" b="1" dirty="0"/>
-          </a:p>
-        </p:txBody>
-      </p:sp>
-      <p:sp>
-        <p:nvSpPr>
-          <p:cNvPr id="26" name="Rectangle 25">
-            <a:extLst>
-              <a:ext uri="{FF2B5EF4-FFF2-40B4-BE49-F238E27FC236}">
-                <a16:creationId xmlns:a16="http://schemas.microsoft.com/office/drawing/2014/main" id="{7802F4A0-5F18-3A45-5683-11AA8A7CB7C9}"/>
-              </a:ext>
-            </a:extLst>
-          </p:cNvPr>
-          <p:cNvSpPr/>
-          <p:nvPr/>
-        </p:nvSpPr>
-        <p:spPr>
-          <a:xfrm>
-            <a:off x="9383268" y="5181461"/>
-            <a:ext cx="1019556" cy="502920"/>
-          </a:xfrm>
-          <a:prstGeom prst="rect">
-            <a:avLst/>
-          </a:prstGeom>
-        </p:spPr>
-        <p:style>
-          <a:lnRef idx="2">
-            <a:schemeClr val="dk1"/>
-          </a:lnRef>
-          <a:fillRef idx="1">
-            <a:schemeClr val="lt1"/>
-          </a:fillRef>
-          <a:effectRef idx="0">
-            <a:schemeClr val="dk1"/>
-          </a:effectRef>
-          <a:fontRef idx="minor">
-            <a:schemeClr val="dk1"/>
-          </a:fontRef>
-        </p:style>
-        <p:txBody>
-          <a:bodyPr rtlCol="0" anchor="ctr"/>
-          <a:lstStyle/>
-          <a:p>
-            <a:pPr algn="ctr"/>
-            <a:r>
-              <a:rPr lang="en-PH" sz="1200" b="1" dirty="0" err="1"/>
-              <a:t>JButton</a:t>
-            </a:r>
-            <a:endParaRPr lang="en-PH" sz="1200" b="1" dirty="0"/>
-          </a:p>
-        </p:txBody>
-      </p:sp>
-      <p:sp>
-        <p:nvSpPr>
-          <p:cNvPr id="27" name="Rectangle 26">
-            <a:extLst>
-              <a:ext uri="{FF2B5EF4-FFF2-40B4-BE49-F238E27FC236}">
-                <a16:creationId xmlns:a16="http://schemas.microsoft.com/office/drawing/2014/main" id="{5BD640F2-3CCC-14D1-F9C4-8103EFB40BF7}"/>
-              </a:ext>
-            </a:extLst>
-          </p:cNvPr>
-          <p:cNvSpPr/>
-          <p:nvPr/>
-        </p:nvSpPr>
-        <p:spPr>
-          <a:xfrm>
-            <a:off x="9383268" y="577965"/>
-            <a:ext cx="1019556" cy="502920"/>
-          </a:xfrm>
-          <a:prstGeom prst="rect">
-            <a:avLst/>
-          </a:prstGeom>
-        </p:spPr>
-        <p:style>
-          <a:lnRef idx="2">
-            <a:schemeClr val="dk1"/>
-          </a:lnRef>
-          <a:fillRef idx="1">
-            <a:schemeClr val="lt1"/>
-          </a:fillRef>
-          <a:effectRef idx="0">
-            <a:schemeClr val="dk1"/>
-          </a:effectRef>
-          <a:fontRef idx="minor">
-            <a:schemeClr val="dk1"/>
-          </a:fontRef>
-        </p:style>
-        <p:txBody>
-          <a:bodyPr rtlCol="0" anchor="ctr"/>
-          <a:lstStyle/>
-          <a:p>
-            <a:pPr algn="ctr"/>
-            <a:r>
-              <a:rPr lang="en-PH" sz="1200" b="1" dirty="0" err="1"/>
-              <a:t>JLabel</a:t>
-            </a:r>
-            <a:endParaRPr lang="en-PH" sz="1200" b="1" dirty="0"/>
-          </a:p>
-        </p:txBody>
-      </p:sp>
-      <p:sp>
-        <p:nvSpPr>
-          <p:cNvPr id="28" name="Rectangle 27">
-            <a:extLst>
-              <a:ext uri="{FF2B5EF4-FFF2-40B4-BE49-F238E27FC236}">
-                <a16:creationId xmlns:a16="http://schemas.microsoft.com/office/drawing/2014/main" id="{FAB76305-B3A8-ED22-D5B9-F6C5B77563B9}"/>
-              </a:ext>
-            </a:extLst>
-          </p:cNvPr>
-          <p:cNvSpPr/>
-          <p:nvPr/>
-        </p:nvSpPr>
-        <p:spPr>
-          <a:xfrm>
-            <a:off x="1876044" y="5238213"/>
-            <a:ext cx="819912" cy="502920"/>
-          </a:xfrm>
-          <a:prstGeom prst="rect">
-            <a:avLst/>
-          </a:prstGeom>
-        </p:spPr>
-        <p:style>
-          <a:lnRef idx="2">
-            <a:schemeClr val="dk1"/>
-          </a:lnRef>
-          <a:fillRef idx="1">
-            <a:schemeClr val="lt1"/>
-          </a:fillRef>
-          <a:effectRef idx="0">
-            <a:schemeClr val="dk1"/>
-          </a:effectRef>
-          <a:fontRef idx="minor">
-            <a:schemeClr val="dk1"/>
-          </a:fontRef>
-        </p:style>
-        <p:txBody>
-          <a:bodyPr rtlCol="0" anchor="ctr"/>
-          <a:lstStyle/>
-          <a:p>
-            <a:pPr algn="ctr"/>
-            <a:r>
-              <a:rPr lang="en-PH" sz="1200" b="1" dirty="0" err="1"/>
-              <a:t>JFrame</a:t>
-            </a:r>
-            <a:endParaRPr lang="en-PH" sz="1200" b="1" dirty="0"/>
-          </a:p>
-        </p:txBody>
-      </p:sp>
-      <p:sp>
-        <p:nvSpPr>
-          <p:cNvPr id="29" name="Rectangle 28">
-            <a:extLst>
-              <a:ext uri="{FF2B5EF4-FFF2-40B4-BE49-F238E27FC236}">
-                <a16:creationId xmlns:a16="http://schemas.microsoft.com/office/drawing/2014/main" id="{BEA404B8-B8A3-96FD-811C-54C83E910E16}"/>
-              </a:ext>
-            </a:extLst>
-          </p:cNvPr>
-          <p:cNvSpPr/>
-          <p:nvPr/>
-        </p:nvSpPr>
-        <p:spPr>
-          <a:xfrm>
-            <a:off x="5686044" y="5302314"/>
-            <a:ext cx="819912" cy="502920"/>
-          </a:xfrm>
-          <a:prstGeom prst="rect">
-            <a:avLst/>
-          </a:prstGeom>
-        </p:spPr>
-        <p:style>
-          <a:lnRef idx="2">
-            <a:schemeClr val="dk1"/>
-          </a:lnRef>
-          <a:fillRef idx="1">
-            <a:schemeClr val="lt1"/>
-          </a:fillRef>
-          <a:effectRef idx="0">
-            <a:schemeClr val="dk1"/>
-          </a:effectRef>
-          <a:fontRef idx="minor">
-            <a:schemeClr val="dk1"/>
-          </a:fontRef>
-        </p:style>
-        <p:txBody>
-          <a:bodyPr rtlCol="0" anchor="ctr"/>
-          <a:lstStyle/>
-          <a:p>
-            <a:pPr algn="ctr"/>
-            <a:r>
-              <a:rPr lang="en-PH" sz="1200" b="1" dirty="0" err="1"/>
-              <a:t>JApplet</a:t>
-            </a:r>
-            <a:endParaRPr lang="en-PH" sz="1200" b="1" dirty="0"/>
-          </a:p>
-        </p:txBody>
-      </p:sp>
-      <p:cxnSp>
-        <p:nvCxnSpPr>
-          <p:cNvPr id="31" name="Straight Arrow Connector 30">
-            <a:extLst>
-              <a:ext uri="{FF2B5EF4-FFF2-40B4-BE49-F238E27FC236}">
-                <a16:creationId xmlns:a16="http://schemas.microsoft.com/office/drawing/2014/main" id="{C3454188-A79D-BF2E-DA0E-E559441DDCF9}"/>
-              </a:ext>
-            </a:extLst>
-          </p:cNvPr>
-          <p:cNvCxnSpPr>
-            <a:stCxn id="10" idx="0"/>
-            <a:endCxn id="3" idx="2"/>
-          </p:cNvCxnSpPr>
-          <p:nvPr/>
-        </p:nvCxnSpPr>
-        <p:spPr>
-          <a:xfrm flipV="1">
-            <a:off x="6096000" y="841248"/>
-            <a:ext cx="0" cy="329618"/>
-          </a:xfrm>
-          <a:prstGeom prst="straightConnector1">
-            <a:avLst/>
-          </a:prstGeom>
-          <a:ln>
-            <a:tailEnd type="triangle"/>
-          </a:ln>
-        </p:spPr>
-        <p:style>
-          <a:lnRef idx="3">
-            <a:schemeClr val="dk1"/>
-          </a:lnRef>
-          <a:fillRef idx="0">
-            <a:schemeClr val="dk1"/>
-          </a:fillRef>
-          <a:effectRef idx="2">
-            <a:schemeClr val="dk1"/>
-          </a:effectRef>
-          <a:fontRef idx="minor">
-            <a:schemeClr val="tx1"/>
-          </a:fontRef>
-        </p:style>
-      </p:cxnSp>
-      <p:cxnSp>
-        <p:nvCxnSpPr>
-          <p:cNvPr id="33" name="Connector: Elbow 32">
-            <a:extLst>
-              <a:ext uri="{FF2B5EF4-FFF2-40B4-BE49-F238E27FC236}">
-                <a16:creationId xmlns:a16="http://schemas.microsoft.com/office/drawing/2014/main" id="{91AB645D-1FB6-6C29-DAC1-37296762539C}"/>
-              </a:ext>
-            </a:extLst>
-          </p:cNvPr>
-          <p:cNvCxnSpPr>
-            <a:stCxn id="13" idx="0"/>
-            <a:endCxn id="10" idx="2"/>
-          </p:cNvCxnSpPr>
-          <p:nvPr/>
-        </p:nvCxnSpPr>
-        <p:spPr>
-          <a:xfrm rot="5400000" flipH="1" flipV="1">
-            <a:off x="5266944" y="1234874"/>
-            <a:ext cx="390144" cy="1267968"/>
-          </a:xfrm>
-          <a:prstGeom prst="bentConnector3">
-            <a:avLst/>
-          </a:prstGeom>
-          <a:ln>
-            <a:tailEnd type="triangle"/>
-          </a:ln>
-        </p:spPr>
-        <p:style>
-          <a:lnRef idx="3">
-            <a:schemeClr val="dk1"/>
-          </a:lnRef>
-          <a:fillRef idx="0">
-            <a:schemeClr val="dk1"/>
-          </a:fillRef>
-          <a:effectRef idx="2">
-            <a:schemeClr val="dk1"/>
-          </a:effectRef>
-          <a:fontRef idx="minor">
-            <a:schemeClr val="tx1"/>
-          </a:fontRef>
-        </p:style>
-      </p:cxnSp>
-      <p:cxnSp>
-        <p:nvCxnSpPr>
-          <p:cNvPr id="35" name="Connector: Elbow 34">
-            <a:extLst>
-              <a:ext uri="{FF2B5EF4-FFF2-40B4-BE49-F238E27FC236}">
-                <a16:creationId xmlns:a16="http://schemas.microsoft.com/office/drawing/2014/main" id="{5578F1E2-1D7F-6CCF-B871-61421E6C923A}"/>
-              </a:ext>
-            </a:extLst>
-          </p:cNvPr>
-          <p:cNvCxnSpPr>
-            <a:stCxn id="12" idx="0"/>
-          </p:cNvCxnSpPr>
-          <p:nvPr/>
-        </p:nvCxnSpPr>
-        <p:spPr>
-          <a:xfrm rot="16200000" flipV="1">
-            <a:off x="6728079" y="1236779"/>
-            <a:ext cx="195072" cy="1459230"/>
-          </a:xfrm>
-          <a:prstGeom prst="bentConnector2">
-            <a:avLst/>
-          </a:prstGeom>
-        </p:spPr>
-        <p:style>
-          <a:lnRef idx="3">
-            <a:schemeClr val="dk1"/>
-          </a:lnRef>
-          <a:fillRef idx="0">
-            <a:schemeClr val="dk1"/>
-          </a:fillRef>
-          <a:effectRef idx="2">
-            <a:schemeClr val="dk1"/>
-          </a:effectRef>
-          <a:fontRef idx="minor">
-            <a:schemeClr val="tx1"/>
-          </a:fontRef>
-        </p:style>
-      </p:cxnSp>
-      <p:cxnSp>
-        <p:nvCxnSpPr>
-          <p:cNvPr id="36" name="Connector: Elbow 35">
-            <a:extLst>
-              <a:ext uri="{FF2B5EF4-FFF2-40B4-BE49-F238E27FC236}">
-                <a16:creationId xmlns:a16="http://schemas.microsoft.com/office/drawing/2014/main" id="{A2C2D463-A694-CFD1-77E1-76A0364C4CF8}"/>
-              </a:ext>
-            </a:extLst>
-          </p:cNvPr>
-          <p:cNvCxnSpPr>
-            <a:cxnSpLocks/>
-            <a:stCxn id="14" idx="0"/>
-            <a:endCxn id="13" idx="2"/>
-          </p:cNvCxnSpPr>
-          <p:nvPr/>
-        </p:nvCxnSpPr>
-        <p:spPr>
-          <a:xfrm rot="5400000" flipH="1" flipV="1">
-            <a:off x="3594679" y="2078083"/>
-            <a:ext cx="744586" cy="1722120"/>
-          </a:xfrm>
-          <a:prstGeom prst="bentConnector3">
-            <a:avLst/>
-          </a:prstGeom>
-          <a:ln>
-            <a:tailEnd type="triangle"/>
-          </a:ln>
-        </p:spPr>
-        <p:style>
-          <a:lnRef idx="3">
-            <a:schemeClr val="dk1"/>
-          </a:lnRef>
-          <a:fillRef idx="0">
-            <a:schemeClr val="dk1"/>
-          </a:fillRef>
-          <a:effectRef idx="2">
-            <a:schemeClr val="dk1"/>
-          </a:effectRef>
-          <a:fontRef idx="minor">
-            <a:schemeClr val="tx1"/>
-          </a:fontRef>
-        </p:style>
-      </p:cxnSp>
-      <p:cxnSp>
-        <p:nvCxnSpPr>
-          <p:cNvPr id="39" name="Connector: Elbow 38">
-            <a:extLst>
-              <a:ext uri="{FF2B5EF4-FFF2-40B4-BE49-F238E27FC236}">
-                <a16:creationId xmlns:a16="http://schemas.microsoft.com/office/drawing/2014/main" id="{46260F0F-DEBD-BE5C-C9A1-B9319BB208BA}"/>
-              </a:ext>
-            </a:extLst>
-          </p:cNvPr>
-          <p:cNvCxnSpPr>
-            <a:cxnSpLocks/>
-            <a:stCxn id="15" idx="0"/>
-          </p:cNvCxnSpPr>
-          <p:nvPr/>
-        </p:nvCxnSpPr>
-        <p:spPr>
-          <a:xfrm rot="16200000" flipV="1">
-            <a:off x="5275378" y="2490814"/>
-            <a:ext cx="373277" cy="1267968"/>
-          </a:xfrm>
-          <a:prstGeom prst="bentConnector2">
-            <a:avLst/>
-          </a:prstGeom>
-        </p:spPr>
-        <p:style>
-          <a:lnRef idx="3">
-            <a:schemeClr val="dk1"/>
-          </a:lnRef>
-          <a:fillRef idx="0">
-            <a:schemeClr val="dk1"/>
-          </a:fillRef>
-          <a:effectRef idx="2">
-            <a:schemeClr val="dk1"/>
-          </a:effectRef>
-          <a:fontRef idx="minor">
-            <a:schemeClr val="tx1"/>
-          </a:fontRef>
-        </p:style>
-      </p:cxnSp>
-      <p:cxnSp>
-        <p:nvCxnSpPr>
-          <p:cNvPr id="43" name="Straight Arrow Connector 42">
-            <a:extLst>
-              <a:ext uri="{FF2B5EF4-FFF2-40B4-BE49-F238E27FC236}">
-                <a16:creationId xmlns:a16="http://schemas.microsoft.com/office/drawing/2014/main" id="{76EDCB66-32B3-8C7E-32B5-6CE4C31A59CD}"/>
-              </a:ext>
-            </a:extLst>
-          </p:cNvPr>
-          <p:cNvCxnSpPr>
-            <a:cxnSpLocks/>
-            <a:stCxn id="18" idx="0"/>
-            <a:endCxn id="15" idx="2"/>
-          </p:cNvCxnSpPr>
-          <p:nvPr/>
-        </p:nvCxnSpPr>
-        <p:spPr>
-          <a:xfrm flipV="1">
-            <a:off x="6096000" y="3814356"/>
-            <a:ext cx="0" cy="484136"/>
-          </a:xfrm>
-          <a:prstGeom prst="straightConnector1">
-            <a:avLst/>
-          </a:prstGeom>
-          <a:ln>
-            <a:tailEnd type="triangle"/>
-          </a:ln>
-        </p:spPr>
-        <p:style>
-          <a:lnRef idx="3">
-            <a:schemeClr val="dk1"/>
-          </a:lnRef>
-          <a:fillRef idx="0">
-            <a:schemeClr val="dk1"/>
-          </a:fillRef>
-          <a:effectRef idx="2">
-            <a:schemeClr val="dk1"/>
-          </a:effectRef>
-          <a:fontRef idx="minor">
-            <a:schemeClr val="tx1"/>
-          </a:fontRef>
-        </p:style>
-      </p:cxnSp>
-      <p:cxnSp>
-        <p:nvCxnSpPr>
-          <p:cNvPr id="46" name="Straight Arrow Connector 45">
-            <a:extLst>
-              <a:ext uri="{FF2B5EF4-FFF2-40B4-BE49-F238E27FC236}">
-                <a16:creationId xmlns:a16="http://schemas.microsoft.com/office/drawing/2014/main" id="{B07C4384-84A7-46DC-DA82-6DA412282EF4}"/>
-              </a:ext>
-            </a:extLst>
-          </p:cNvPr>
-          <p:cNvCxnSpPr>
-            <a:cxnSpLocks/>
-            <a:stCxn id="29" idx="0"/>
-            <a:endCxn id="18" idx="2"/>
-          </p:cNvCxnSpPr>
-          <p:nvPr/>
-        </p:nvCxnSpPr>
-        <p:spPr>
-          <a:xfrm flipV="1">
-            <a:off x="6096000" y="4801412"/>
-            <a:ext cx="0" cy="500902"/>
-          </a:xfrm>
-          <a:prstGeom prst="straightConnector1">
-            <a:avLst/>
-          </a:prstGeom>
-          <a:ln>
-            <a:tailEnd type="triangle"/>
-          </a:ln>
-        </p:spPr>
-        <p:style>
-          <a:lnRef idx="3">
-            <a:schemeClr val="dk1"/>
-          </a:lnRef>
-          <a:fillRef idx="0">
-            <a:schemeClr val="dk1"/>
-          </a:fillRef>
-          <a:effectRef idx="2">
-            <a:schemeClr val="dk1"/>
-          </a:effectRef>
-          <a:fontRef idx="minor">
-            <a:schemeClr val="tx1"/>
-          </a:fontRef>
-        </p:style>
-      </p:cxnSp>
-      <p:cxnSp>
-        <p:nvCxnSpPr>
-          <p:cNvPr id="50" name="Connector: Elbow 49">
-            <a:extLst>
-              <a:ext uri="{FF2B5EF4-FFF2-40B4-BE49-F238E27FC236}">
-                <a16:creationId xmlns:a16="http://schemas.microsoft.com/office/drawing/2014/main" id="{7A049915-4082-CB6C-60DA-236784A36A02}"/>
-              </a:ext>
-            </a:extLst>
-          </p:cNvPr>
-          <p:cNvCxnSpPr>
-            <a:cxnSpLocks/>
-            <a:stCxn id="16" idx="0"/>
-            <a:endCxn id="14" idx="2"/>
-          </p:cNvCxnSpPr>
-          <p:nvPr/>
-        </p:nvCxnSpPr>
-        <p:spPr>
-          <a:xfrm rot="5400000" flipH="1" flipV="1">
-            <a:off x="2366229" y="3734127"/>
-            <a:ext cx="659454" cy="819912"/>
-          </a:xfrm>
-          <a:prstGeom prst="bentConnector3">
-            <a:avLst/>
-          </a:prstGeom>
-          <a:ln>
-            <a:tailEnd type="triangle"/>
-          </a:ln>
-        </p:spPr>
-        <p:style>
-          <a:lnRef idx="3">
-            <a:schemeClr val="dk1"/>
-          </a:lnRef>
-          <a:fillRef idx="0">
-            <a:schemeClr val="dk1"/>
-          </a:fillRef>
-          <a:effectRef idx="2">
-            <a:schemeClr val="dk1"/>
-          </a:effectRef>
-          <a:fontRef idx="minor">
-            <a:schemeClr val="tx1"/>
-          </a:fontRef>
-        </p:style>
-      </p:cxnSp>
-      <p:cxnSp>
-        <p:nvCxnSpPr>
-          <p:cNvPr id="53" name="Connector: Elbow 52">
-            <a:extLst>
-              <a:ext uri="{FF2B5EF4-FFF2-40B4-BE49-F238E27FC236}">
-                <a16:creationId xmlns:a16="http://schemas.microsoft.com/office/drawing/2014/main" id="{9D169488-73BA-8142-AB8D-77C2992E0132}"/>
-              </a:ext>
-            </a:extLst>
-          </p:cNvPr>
-          <p:cNvCxnSpPr>
-            <a:cxnSpLocks/>
-            <a:stCxn id="17" idx="0"/>
-          </p:cNvCxnSpPr>
-          <p:nvPr/>
-        </p:nvCxnSpPr>
-        <p:spPr>
-          <a:xfrm rot="16200000" flipV="1">
-            <a:off x="3328144" y="3921850"/>
-            <a:ext cx="329728" cy="774192"/>
-          </a:xfrm>
-          <a:prstGeom prst="bentConnector2">
-            <a:avLst/>
-          </a:prstGeom>
-        </p:spPr>
-        <p:style>
-          <a:lnRef idx="3">
-            <a:schemeClr val="dk1"/>
-          </a:lnRef>
-          <a:fillRef idx="0">
-            <a:schemeClr val="dk1"/>
-          </a:fillRef>
-          <a:effectRef idx="2">
-            <a:schemeClr val="dk1"/>
-          </a:effectRef>
-          <a:fontRef idx="minor">
-            <a:schemeClr val="tx1"/>
-          </a:fontRef>
-        </p:style>
-      </p:cxnSp>
-      <p:cxnSp>
-        <p:nvCxnSpPr>
-          <p:cNvPr id="56" name="Straight Arrow Connector 55">
-            <a:extLst>
-              <a:ext uri="{FF2B5EF4-FFF2-40B4-BE49-F238E27FC236}">
-                <a16:creationId xmlns:a16="http://schemas.microsoft.com/office/drawing/2014/main" id="{8050A870-2E37-6963-592E-56410DA2D18F}"/>
-              </a:ext>
-            </a:extLst>
-          </p:cNvPr>
-          <p:cNvCxnSpPr>
-            <a:cxnSpLocks/>
-            <a:stCxn id="28" idx="0"/>
-            <a:endCxn id="16" idx="2"/>
-          </p:cNvCxnSpPr>
-          <p:nvPr/>
-        </p:nvCxnSpPr>
-        <p:spPr>
-          <a:xfrm flipV="1">
-            <a:off x="2286000" y="4976730"/>
-            <a:ext cx="0" cy="261483"/>
-          </a:xfrm>
-          <a:prstGeom prst="straightConnector1">
-            <a:avLst/>
-          </a:prstGeom>
-          <a:ln>
-            <a:tailEnd type="triangle"/>
-          </a:ln>
-        </p:spPr>
-        <p:style>
-          <a:lnRef idx="3">
-            <a:schemeClr val="dk1"/>
-          </a:lnRef>
-          <a:fillRef idx="0">
-            <a:schemeClr val="dk1"/>
-          </a:fillRef>
-          <a:effectRef idx="2">
-            <a:schemeClr val="dk1"/>
-          </a:effectRef>
-          <a:fontRef idx="minor">
-            <a:schemeClr val="tx1"/>
-          </a:fontRef>
-        </p:style>
-      </p:cxnSp>
-      <p:cxnSp>
-        <p:nvCxnSpPr>
-          <p:cNvPr id="62" name="Connector: Elbow 61">
-            <a:extLst>
-              <a:ext uri="{FF2B5EF4-FFF2-40B4-BE49-F238E27FC236}">
-                <a16:creationId xmlns:a16="http://schemas.microsoft.com/office/drawing/2014/main" id="{C117563A-3F31-80C0-99DF-F36480F084BD}"/>
-              </a:ext>
-            </a:extLst>
-          </p:cNvPr>
-          <p:cNvCxnSpPr>
-            <a:cxnSpLocks/>
-            <a:stCxn id="27" idx="1"/>
-            <a:endCxn id="25" idx="1"/>
-          </p:cNvCxnSpPr>
-          <p:nvPr/>
-        </p:nvCxnSpPr>
-        <p:spPr>
-          <a:xfrm rot="10800000" flipV="1">
-            <a:off x="9383268" y="829424"/>
-            <a:ext cx="12700" cy="3788207"/>
-          </a:xfrm>
-          <a:prstGeom prst="bentConnector3">
-            <a:avLst>
-              <a:gd name="adj1" fmla="val 5350685"/>
-            </a:avLst>
-          </a:prstGeom>
-        </p:spPr>
-        <p:style>
-          <a:lnRef idx="3">
-            <a:schemeClr val="dk1"/>
-          </a:lnRef>
-          <a:fillRef idx="0">
-            <a:schemeClr val="dk1"/>
-          </a:fillRef>
-          <a:effectRef idx="2">
-            <a:schemeClr val="dk1"/>
-          </a:effectRef>
-          <a:fontRef idx="minor">
-            <a:schemeClr val="tx1"/>
-          </a:fontRef>
-        </p:style>
-      </p:cxnSp>
-      <p:cxnSp>
-        <p:nvCxnSpPr>
-          <p:cNvPr id="65" name="Straight Connector 64">
-            <a:extLst>
-              <a:ext uri="{FF2B5EF4-FFF2-40B4-BE49-F238E27FC236}">
-                <a16:creationId xmlns:a16="http://schemas.microsoft.com/office/drawing/2014/main" id="{D9215082-24F6-AA39-578A-AC02D8E6F51F}"/>
-              </a:ext>
-            </a:extLst>
-          </p:cNvPr>
-          <p:cNvCxnSpPr>
-            <a:cxnSpLocks/>
-            <a:stCxn id="19" idx="1"/>
-          </p:cNvCxnSpPr>
-          <p:nvPr/>
-        </p:nvCxnSpPr>
-        <p:spPr>
-          <a:xfrm flipH="1">
-            <a:off x="8711852" y="1422326"/>
-            <a:ext cx="671416" cy="0"/>
-          </a:xfrm>
-          <a:prstGeom prst="line">
-            <a:avLst/>
-          </a:prstGeom>
-        </p:spPr>
-        <p:style>
-          <a:lnRef idx="3">
-            <a:schemeClr val="dk1"/>
-          </a:lnRef>
-          <a:fillRef idx="0">
-            <a:schemeClr val="dk1"/>
-          </a:fillRef>
-          <a:effectRef idx="2">
-            <a:schemeClr val="dk1"/>
-          </a:effectRef>
-          <a:fontRef idx="minor">
-            <a:schemeClr val="tx1"/>
-          </a:fontRef>
-        </p:style>
-      </p:cxnSp>
-      <p:cxnSp>
-        <p:nvCxnSpPr>
-          <p:cNvPr id="67" name="Straight Connector 66">
-            <a:extLst>
-              <a:ext uri="{FF2B5EF4-FFF2-40B4-BE49-F238E27FC236}">
-                <a16:creationId xmlns:a16="http://schemas.microsoft.com/office/drawing/2014/main" id="{EDCD297C-8281-FF40-7B89-AA12A55A7070}"/>
-              </a:ext>
-            </a:extLst>
-          </p:cNvPr>
-          <p:cNvCxnSpPr>
-            <a:cxnSpLocks/>
-            <a:stCxn id="20" idx="1"/>
-          </p:cNvCxnSpPr>
-          <p:nvPr/>
-        </p:nvCxnSpPr>
-        <p:spPr>
-          <a:xfrm flipH="1">
-            <a:off x="8711852" y="2088101"/>
-            <a:ext cx="671416" cy="0"/>
-          </a:xfrm>
-          <a:prstGeom prst="line">
-            <a:avLst/>
-          </a:prstGeom>
-        </p:spPr>
-        <p:style>
-          <a:lnRef idx="3">
-            <a:schemeClr val="dk1"/>
-          </a:lnRef>
-          <a:fillRef idx="0">
-            <a:schemeClr val="dk1"/>
-          </a:fillRef>
-          <a:effectRef idx="2">
-            <a:schemeClr val="dk1"/>
-          </a:effectRef>
-          <a:fontRef idx="minor">
-            <a:schemeClr val="tx1"/>
-          </a:fontRef>
-        </p:style>
-      </p:cxnSp>
-      <p:cxnSp>
-        <p:nvCxnSpPr>
-          <p:cNvPr id="70" name="Straight Connector 69">
-            <a:extLst>
-              <a:ext uri="{FF2B5EF4-FFF2-40B4-BE49-F238E27FC236}">
-                <a16:creationId xmlns:a16="http://schemas.microsoft.com/office/drawing/2014/main" id="{03343F69-4DBD-8557-C3B8-73ACC93FFA9F}"/>
-              </a:ext>
-            </a:extLst>
-          </p:cNvPr>
-          <p:cNvCxnSpPr>
-            <a:cxnSpLocks/>
-            <a:stCxn id="21" idx="1"/>
-          </p:cNvCxnSpPr>
-          <p:nvPr/>
-        </p:nvCxnSpPr>
-        <p:spPr>
-          <a:xfrm flipH="1" flipV="1">
-            <a:off x="8711852" y="2746616"/>
-            <a:ext cx="671416" cy="7260"/>
-          </a:xfrm>
-          <a:prstGeom prst="line">
-            <a:avLst/>
-          </a:prstGeom>
-        </p:spPr>
-        <p:style>
-          <a:lnRef idx="3">
-            <a:schemeClr val="dk1"/>
-          </a:lnRef>
-          <a:fillRef idx="0">
-            <a:schemeClr val="dk1"/>
-          </a:fillRef>
-          <a:effectRef idx="2">
-            <a:schemeClr val="dk1"/>
-          </a:effectRef>
-          <a:fontRef idx="minor">
-            <a:schemeClr val="tx1"/>
-          </a:fontRef>
-        </p:style>
-      </p:cxnSp>
-      <p:cxnSp>
-        <p:nvCxnSpPr>
-          <p:cNvPr id="73" name="Straight Connector 72">
-            <a:extLst>
-              <a:ext uri="{FF2B5EF4-FFF2-40B4-BE49-F238E27FC236}">
-                <a16:creationId xmlns:a16="http://schemas.microsoft.com/office/drawing/2014/main" id="{59107A97-5BD5-D33E-4624-E5AF1FCABFE7}"/>
-              </a:ext>
-            </a:extLst>
-          </p:cNvPr>
-          <p:cNvCxnSpPr>
-            <a:cxnSpLocks/>
-            <a:stCxn id="23" idx="1"/>
-          </p:cNvCxnSpPr>
-          <p:nvPr/>
-        </p:nvCxnSpPr>
-        <p:spPr>
-          <a:xfrm flipH="1">
-            <a:off x="8711852" y="3403744"/>
-            <a:ext cx="671416" cy="2326"/>
-          </a:xfrm>
-          <a:prstGeom prst="line">
-            <a:avLst/>
-          </a:prstGeom>
-        </p:spPr>
-        <p:style>
-          <a:lnRef idx="3">
-            <a:schemeClr val="dk1"/>
-          </a:lnRef>
-          <a:fillRef idx="0">
-            <a:schemeClr val="dk1"/>
-          </a:fillRef>
-          <a:effectRef idx="2">
-            <a:schemeClr val="dk1"/>
-          </a:effectRef>
-          <a:fontRef idx="minor">
-            <a:schemeClr val="tx1"/>
-          </a:fontRef>
-        </p:style>
-      </p:cxnSp>
-      <p:cxnSp>
-        <p:nvCxnSpPr>
-          <p:cNvPr id="76" name="Straight Connector 75">
-            <a:extLst>
-              <a:ext uri="{FF2B5EF4-FFF2-40B4-BE49-F238E27FC236}">
-                <a16:creationId xmlns:a16="http://schemas.microsoft.com/office/drawing/2014/main" id="{4C416B34-CF0F-D6A7-0E82-54D123F23EF7}"/>
-              </a:ext>
-            </a:extLst>
-          </p:cNvPr>
-          <p:cNvCxnSpPr>
-            <a:cxnSpLocks/>
-            <a:stCxn id="24" idx="1"/>
-          </p:cNvCxnSpPr>
-          <p:nvPr/>
-        </p:nvCxnSpPr>
-        <p:spPr>
-          <a:xfrm flipH="1">
-            <a:off x="8721852" y="4024731"/>
-            <a:ext cx="661416" cy="0"/>
-          </a:xfrm>
-          <a:prstGeom prst="line">
-            <a:avLst/>
-          </a:prstGeom>
-        </p:spPr>
-        <p:style>
-          <a:lnRef idx="3">
-            <a:schemeClr val="dk1"/>
-          </a:lnRef>
-          <a:fillRef idx="0">
-            <a:schemeClr val="dk1"/>
-          </a:fillRef>
-          <a:effectRef idx="2">
-            <a:schemeClr val="dk1"/>
-          </a:effectRef>
-          <a:fontRef idx="minor">
-            <a:schemeClr val="tx1"/>
-          </a:fontRef>
-        </p:style>
-      </p:cxnSp>
-      <p:cxnSp>
-        <p:nvCxnSpPr>
-          <p:cNvPr id="83" name="Connector: Elbow 82">
-            <a:extLst>
-              <a:ext uri="{FF2B5EF4-FFF2-40B4-BE49-F238E27FC236}">
-                <a16:creationId xmlns:a16="http://schemas.microsoft.com/office/drawing/2014/main" id="{861271BD-AABA-7678-457C-939CAB58B6F6}"/>
-              </a:ext>
-            </a:extLst>
-          </p:cNvPr>
-          <p:cNvCxnSpPr>
-            <a:endCxn id="12" idx="2"/>
-          </p:cNvCxnSpPr>
-          <p:nvPr/>
-        </p:nvCxnSpPr>
-        <p:spPr>
-          <a:xfrm rot="10800000">
-            <a:off x="7555230" y="2566851"/>
-            <a:ext cx="1166622" cy="466969"/>
-          </a:xfrm>
-          <a:prstGeom prst="bentConnector2">
-            <a:avLst/>
-          </a:prstGeom>
-        </p:spPr>
-        <p:style>
-          <a:lnRef idx="3">
-            <a:schemeClr val="dk1"/>
-          </a:lnRef>
-          <a:fillRef idx="0">
-            <a:schemeClr val="dk1"/>
-          </a:fillRef>
-          <a:effectRef idx="2">
-            <a:schemeClr val="dk1"/>
-          </a:effectRef>
-          <a:fontRef idx="minor">
-            <a:schemeClr val="tx1"/>
-          </a:fontRef>
-        </p:style>
-      </p:cxnSp>
-      <p:cxnSp>
-        <p:nvCxnSpPr>
-          <p:cNvPr id="87" name="Straight Connector 86">
-            <a:extLst>
-              <a:ext uri="{FF2B5EF4-FFF2-40B4-BE49-F238E27FC236}">
-                <a16:creationId xmlns:a16="http://schemas.microsoft.com/office/drawing/2014/main" id="{7C5F7EC5-367A-B657-F1C8-0A1F3062542E}"/>
-              </a:ext>
-            </a:extLst>
-          </p:cNvPr>
-          <p:cNvCxnSpPr>
-            <a:cxnSpLocks/>
-            <a:stCxn id="26" idx="0"/>
-            <a:endCxn id="25" idx="2"/>
-          </p:cNvCxnSpPr>
-          <p:nvPr/>
-        </p:nvCxnSpPr>
-        <p:spPr>
-          <a:xfrm flipV="1">
-            <a:off x="9893046" y="4869092"/>
-            <a:ext cx="0" cy="312369"/>
-          </a:xfrm>
-          <a:prstGeom prst="line">
-            <a:avLst/>
-          </a:prstGeom>
-        </p:spPr>
-        <p:style>
-          <a:lnRef idx="3">
-            <a:schemeClr val="dk1"/>
-          </a:lnRef>
-          <a:fillRef idx="0">
-            <a:schemeClr val="dk1"/>
-          </a:fillRef>
-          <a:effectRef idx="2">
-            <a:schemeClr val="dk1"/>
-          </a:effectRef>
-          <a:fontRef idx="minor">
-            <a:schemeClr val="tx1"/>
-          </a:fontRef>
-        </p:style>
-      </p:cxnSp>
-      <p:sp>
-        <p:nvSpPr>
-          <p:cNvPr id="90" name="TextBox 89">
-            <a:extLst>
-              <a:ext uri="{FF2B5EF4-FFF2-40B4-BE49-F238E27FC236}">
-                <a16:creationId xmlns:a16="http://schemas.microsoft.com/office/drawing/2014/main" id="{9625D330-E044-7DDC-BCC1-68959B923325}"/>
-              </a:ext>
-            </a:extLst>
-          </p:cNvPr>
-          <p:cNvSpPr txBox="1"/>
-          <p:nvPr/>
-        </p:nvSpPr>
-        <p:spPr>
-          <a:xfrm>
-            <a:off x="694022" y="843986"/>
-            <a:ext cx="2680569" cy="369332"/>
-          </a:xfrm>
-          <a:prstGeom prst="rect">
-            <a:avLst/>
-          </a:prstGeom>
-          <a:noFill/>
-        </p:spPr>
-        <p:txBody>
-          <a:bodyPr wrap="square" rtlCol="0">
-            <a:spAutoFit/>
-          </a:bodyPr>
-          <a:lstStyle/>
-          <a:p>
-            <a:r>
-              <a:rPr lang="en-PH" b="1" dirty="0"/>
-              <a:t>Java Swing Class Hierarchy</a:t>
-            </a:r>
-          </a:p>
-        </p:txBody>
-      </p:sp>
-    </p:spTree>
-    <p:extLst>
-      <p:ext uri="{BB962C8B-B14F-4D97-AF65-F5344CB8AC3E}">
-        <p14:creationId xmlns:p14="http://schemas.microsoft.com/office/powerpoint/2010/main" val="2620987358"/>
-      </p:ext>
-    </p:extLst>
-  </p:cSld>
-  <p:clrMapOvr>
-    <a:masterClrMapping/>
-  </p:clrMapOvr>
-</p:sld>
-</file>
-
-<file path=ppt/slides/slide5.xml><?xml version="1.0" encoding="utf-8"?>
-<p:sld xmlns:a="http://schemas.openxmlformats.org/drawingml/2006/main" xmlns:r="http://schemas.openxmlformats.org/officeDocument/2006/relationships" xmlns:p="http://schemas.openxmlformats.org/presentationml/2006/main">
-  <p:cSld>
-    <p:bg>
-      <p:bgPr>
-        <a:blipFill dpi="0" rotWithShape="1">
-          <a:blip r:embed="rId3">
-            <a:alphaModFix amt="99000"/>
-            <a:lum/>
-          </a:blip>
-          <a:srcRect/>
-          <a:stretch>
-            <a:fillRect t="89000" r="85000" b="-1000"/>
-          </a:stretch>
-        </a:blipFill>
-        <a:effectLst/>
-      </p:bgPr>
-    </p:bg>
-    <p:spTree>
-      <p:nvGrpSpPr>
-        <p:cNvPr id="1" name=""/>
-        <p:cNvGrpSpPr/>
-        <p:nvPr/>
-      </p:nvGrpSpPr>
-      <p:grpSpPr>
-        <a:xfrm>
-          <a:off x="0" y="0"/>
-          <a:ext cx="0" cy="0"/>
-          <a:chOff x="0" y="0"/>
-          <a:chExt cx="0" cy="0"/>
-        </a:xfrm>
-      </p:grpSpPr>
-      <p:sp>
-        <p:nvSpPr>
-          <p:cNvPr id="2" name="Title 1">
-            <a:extLst>
-              <a:ext uri="{FF2B5EF4-FFF2-40B4-BE49-F238E27FC236}">
-                <a16:creationId xmlns:a16="http://schemas.microsoft.com/office/drawing/2014/main" id="{6A3DCE86-C2BA-4713-9E7A-73589E8D6CCF}"/>
-              </a:ext>
-            </a:extLst>
-          </p:cNvPr>
-          <p:cNvSpPr>
-            <a:spLocks noGrp="1"/>
-          </p:cNvSpPr>
-          <p:nvPr>
-            <p:ph type="ctrTitle"/>
-          </p:nvPr>
-        </p:nvSpPr>
-        <p:spPr>
-          <a:xfrm>
-            <a:off x="1524000" y="497150"/>
-            <a:ext cx="9144000" cy="718459"/>
-          </a:xfrm>
-        </p:spPr>
-        <p:txBody>
-          <a:bodyPr>
-            <a:normAutofit fontScale="90000"/>
-          </a:bodyPr>
-          <a:lstStyle/>
-          <a:p>
-            <a:r>
-              <a:rPr lang="en-PH" b="1" dirty="0"/>
-              <a:t>Commonly used methods</a:t>
-            </a:r>
-          </a:p>
-        </p:txBody>
-      </p:sp>
-      <p:sp>
-        <p:nvSpPr>
-          <p:cNvPr id="4" name="Footer Placeholder 3">
-            <a:extLst>
-              <a:ext uri="{FF2B5EF4-FFF2-40B4-BE49-F238E27FC236}">
-                <a16:creationId xmlns:a16="http://schemas.microsoft.com/office/drawing/2014/main" id="{638E7DE1-45EE-476A-A474-0F3C264AEDA3}"/>
-              </a:ext>
-            </a:extLst>
-          </p:cNvPr>
-          <p:cNvSpPr>
-            <a:spLocks noGrp="1"/>
-          </p:cNvSpPr>
-          <p:nvPr>
-            <p:ph type="ftr" sz="quarter" idx="11"/>
-          </p:nvPr>
-        </p:nvSpPr>
-        <p:spPr>
-          <a:xfrm>
-            <a:off x="0" y="6139541"/>
-            <a:ext cx="12192000" cy="718459"/>
-          </a:xfrm>
-          <a:ln w="28575">
-            <a:solidFill>
-              <a:schemeClr val="accent5">
-                <a:lumMod val="50000"/>
-              </a:schemeClr>
-            </a:solidFill>
-          </a:ln>
-        </p:spPr>
-        <p:txBody>
-          <a:bodyPr/>
-          <a:lstStyle/>
-          <a:p>
-            <a:pPr algn="r"/>
-            <a:r>
-              <a:rPr lang="en-PH" b="1">
-                <a:solidFill>
-                  <a:schemeClr val="tx1"/>
-                </a:solidFill>
-              </a:rPr>
-              <a:t>CCPRGG2L</a:t>
-            </a:r>
-            <a:endParaRPr lang="en-PH" dirty="0"/>
-          </a:p>
-        </p:txBody>
-      </p:sp>
-      <p:graphicFrame>
-        <p:nvGraphicFramePr>
-          <p:cNvPr id="3" name="Table 5">
-            <a:extLst>
-              <a:ext uri="{FF2B5EF4-FFF2-40B4-BE49-F238E27FC236}">
-                <a16:creationId xmlns:a16="http://schemas.microsoft.com/office/drawing/2014/main" id="{1CE7A144-41E8-20DD-E9BF-148E5F0B7A2C}"/>
-              </a:ext>
-            </a:extLst>
-          </p:cNvPr>
-          <p:cNvGraphicFramePr>
-            <a:graphicFrameLocks noGrp="1"/>
-          </p:cNvGraphicFramePr>
-          <p:nvPr>
-            <p:extLst>
-              <p:ext uri="{D42A27DB-BD31-4B8C-83A1-F6EECF244321}">
-                <p14:modId xmlns:p14="http://schemas.microsoft.com/office/powerpoint/2010/main" val="3180346918"/>
-              </p:ext>
-            </p:extLst>
-          </p:nvPr>
-        </p:nvGraphicFramePr>
-        <p:xfrm>
-          <a:off x="2032000" y="2153896"/>
-          <a:ext cx="8128000" cy="2123440"/>
-        </p:xfrm>
-        <a:graphic>
-          <a:graphicData uri="http://schemas.openxmlformats.org/drawingml/2006/table">
-            <a:tbl>
-              <a:tblPr firstRow="1" bandRow="1">
-                <a:tableStyleId>{5940675A-B579-460E-94D1-54222C63F5DA}</a:tableStyleId>
-              </a:tblPr>
-              <a:tblGrid>
-                <a:gridCol w="4064000">
-                  <a:extLst>
-                    <a:ext uri="{9D8B030D-6E8A-4147-A177-3AD203B41FA5}">
-                      <a16:colId xmlns:a16="http://schemas.microsoft.com/office/drawing/2014/main" val="3062017860"/>
-                    </a:ext>
-                  </a:extLst>
-                </a:gridCol>
-                <a:gridCol w="4064000">
-                  <a:extLst>
-                    <a:ext uri="{9D8B030D-6E8A-4147-A177-3AD203B41FA5}">
-                      <a16:colId xmlns:a16="http://schemas.microsoft.com/office/drawing/2014/main" val="2342180640"/>
-                    </a:ext>
-                  </a:extLst>
-                </a:gridCol>
-              </a:tblGrid>
-              <a:tr h="370840">
-                <a:tc>
-                  <a:txBody>
-                    <a:bodyPr/>
-                    <a:lstStyle/>
-                    <a:p>
-                      <a:pPr algn="ctr"/>
-                      <a:r>
-                        <a:rPr lang="en-PH" b="1" dirty="0"/>
-                        <a:t>Method</a:t>
-                      </a:r>
-                    </a:p>
-                  </a:txBody>
-                  <a:tcPr/>
-                </a:tc>
-                <a:tc>
-                  <a:txBody>
-                    <a:bodyPr/>
-                    <a:lstStyle/>
-                    <a:p>
-                      <a:pPr algn="ctr"/>
-                      <a:r>
-                        <a:rPr lang="en-PH" b="1" dirty="0"/>
-                        <a:t>Description</a:t>
-                      </a:r>
-                    </a:p>
-                  </a:txBody>
-                  <a:tcPr/>
-                </a:tc>
-                <a:extLst>
-                  <a:ext uri="{0D108BD9-81ED-4DB2-BD59-A6C34878D82A}">
-                    <a16:rowId xmlns:a16="http://schemas.microsoft.com/office/drawing/2014/main" val="2808739567"/>
-                  </a:ext>
-                </a:extLst>
-              </a:tr>
-              <a:tr h="370840">
-                <a:tc>
-                  <a:txBody>
-                    <a:bodyPr/>
-                    <a:lstStyle/>
-                    <a:p>
-                      <a:r>
-                        <a:rPr lang="en-PH" b="1" dirty="0">
-                          <a:solidFill>
-                            <a:srgbClr val="7030A0"/>
-                          </a:solidFill>
-                        </a:rPr>
-                        <a:t>void</a:t>
-                      </a:r>
-                      <a:r>
-                        <a:rPr lang="en-PH" b="1" dirty="0"/>
-                        <a:t> </a:t>
-                      </a:r>
-                      <a:r>
-                        <a:rPr lang="en-PH" b="1" dirty="0">
-                          <a:solidFill>
-                            <a:srgbClr val="00B0F0"/>
-                          </a:solidFill>
-                        </a:rPr>
-                        <a:t>add</a:t>
-                      </a:r>
-                      <a:r>
-                        <a:rPr lang="en-PH" b="1" dirty="0"/>
-                        <a:t>(Component c)</a:t>
-                      </a:r>
-                    </a:p>
-                  </a:txBody>
-                  <a:tcPr/>
-                </a:tc>
-                <a:tc>
-                  <a:txBody>
-                    <a:bodyPr/>
-                    <a:lstStyle/>
-                    <a:p>
-                      <a:r>
-                        <a:rPr lang="en-PH" dirty="0"/>
-                        <a:t>Add a component on another component</a:t>
-                      </a:r>
-                    </a:p>
-                  </a:txBody>
-                  <a:tcPr/>
-                </a:tc>
-                <a:extLst>
-                  <a:ext uri="{0D108BD9-81ED-4DB2-BD59-A6C34878D82A}">
-                    <a16:rowId xmlns:a16="http://schemas.microsoft.com/office/drawing/2014/main" val="2480473991"/>
-                  </a:ext>
-                </a:extLst>
-              </a:tr>
-              <a:tr h="370840">
-                <a:tc>
-                  <a:txBody>
-                    <a:bodyPr/>
-                    <a:lstStyle/>
-                    <a:p>
-                      <a:r>
-                        <a:rPr lang="en-PH" b="1" dirty="0">
-                          <a:solidFill>
-                            <a:srgbClr val="7030A0"/>
-                          </a:solidFill>
-                        </a:rPr>
-                        <a:t>void</a:t>
-                      </a:r>
-                      <a:r>
-                        <a:rPr lang="en-PH" b="1" dirty="0"/>
-                        <a:t> </a:t>
-                      </a:r>
-                      <a:r>
-                        <a:rPr lang="en-PH" b="1" dirty="0" err="1">
-                          <a:solidFill>
-                            <a:srgbClr val="00B0F0"/>
-                          </a:solidFill>
-                        </a:rPr>
-                        <a:t>setSize</a:t>
-                      </a:r>
-                      <a:r>
-                        <a:rPr lang="en-PH" b="1" dirty="0"/>
-                        <a:t>(int width, int height)</a:t>
-                      </a:r>
-                    </a:p>
-                  </a:txBody>
-                  <a:tcPr/>
-                </a:tc>
-                <a:tc>
-                  <a:txBody>
-                    <a:bodyPr/>
-                    <a:lstStyle/>
-                    <a:p>
-                      <a:r>
-                        <a:rPr lang="en-PH" dirty="0"/>
-                        <a:t>Sets size of the component</a:t>
-                      </a:r>
-                    </a:p>
-                  </a:txBody>
-                  <a:tcPr/>
-                </a:tc>
-                <a:extLst>
-                  <a:ext uri="{0D108BD9-81ED-4DB2-BD59-A6C34878D82A}">
-                    <a16:rowId xmlns:a16="http://schemas.microsoft.com/office/drawing/2014/main" val="2870171722"/>
-                  </a:ext>
-                </a:extLst>
-              </a:tr>
-              <a:tr h="370840">
-                <a:tc>
-                  <a:txBody>
-                    <a:bodyPr/>
-                    <a:lstStyle/>
-                    <a:p>
-                      <a:r>
-                        <a:rPr lang="en-PH" b="1" dirty="0">
-                          <a:solidFill>
-                            <a:srgbClr val="7030A0"/>
-                          </a:solidFill>
-                        </a:rPr>
-                        <a:t>void</a:t>
-                      </a:r>
-                      <a:r>
-                        <a:rPr lang="en-PH" b="1" dirty="0"/>
-                        <a:t> </a:t>
-                      </a:r>
-                      <a:r>
-                        <a:rPr lang="en-PH" b="1" dirty="0" err="1">
-                          <a:solidFill>
-                            <a:srgbClr val="00B0F0"/>
-                          </a:solidFill>
-                        </a:rPr>
-                        <a:t>setLayout</a:t>
-                      </a:r>
-                      <a:r>
-                        <a:rPr lang="en-PH" b="1" dirty="0"/>
-                        <a:t>(</a:t>
-                      </a:r>
-                      <a:r>
-                        <a:rPr lang="en-PH" b="1" dirty="0" err="1"/>
-                        <a:t>LayoutManager</a:t>
-                      </a:r>
-                      <a:r>
-                        <a:rPr lang="en-PH" b="1" dirty="0"/>
-                        <a:t> m)</a:t>
-                      </a:r>
-                    </a:p>
-                  </a:txBody>
-                  <a:tcPr/>
-                </a:tc>
-                <a:tc>
-                  <a:txBody>
-                    <a:bodyPr/>
-                    <a:lstStyle/>
-                    <a:p>
-                      <a:r>
-                        <a:rPr lang="en-PH" dirty="0"/>
-                        <a:t>Sets the layout manager of the component</a:t>
-                      </a:r>
-                    </a:p>
-                  </a:txBody>
-                  <a:tcPr/>
-                </a:tc>
-                <a:extLst>
-                  <a:ext uri="{0D108BD9-81ED-4DB2-BD59-A6C34878D82A}">
-                    <a16:rowId xmlns:a16="http://schemas.microsoft.com/office/drawing/2014/main" val="3466882491"/>
-                  </a:ext>
-                </a:extLst>
-              </a:tr>
-              <a:tr h="370840">
-                <a:tc>
-                  <a:txBody>
-                    <a:bodyPr/>
-                    <a:lstStyle/>
-                    <a:p>
-                      <a:r>
-                        <a:rPr lang="en-PH" b="1" dirty="0">
-                          <a:solidFill>
-                            <a:srgbClr val="7030A0"/>
-                          </a:solidFill>
-                        </a:rPr>
-                        <a:t>void</a:t>
-                      </a:r>
-                      <a:r>
-                        <a:rPr lang="en-PH" b="1" dirty="0"/>
-                        <a:t> </a:t>
-                      </a:r>
-                      <a:r>
-                        <a:rPr lang="en-PH" b="1" dirty="0" err="1">
-                          <a:solidFill>
-                            <a:srgbClr val="00B0F0"/>
-                          </a:solidFill>
-                        </a:rPr>
-                        <a:t>setVisible</a:t>
-                      </a:r>
-                      <a:r>
-                        <a:rPr lang="en-PH" b="1" dirty="0"/>
-                        <a:t>(Boolean b)</a:t>
-                      </a:r>
-                    </a:p>
-                  </a:txBody>
-                  <a:tcPr/>
-                </a:tc>
-                <a:tc>
-                  <a:txBody>
-                    <a:bodyPr/>
-                    <a:lstStyle/>
-                    <a:p>
-                      <a:r>
-                        <a:rPr lang="en-PH" dirty="0"/>
-                        <a:t>Sets the visibility of the component</a:t>
-                      </a:r>
-                    </a:p>
-                  </a:txBody>
-                  <a:tcPr/>
-                </a:tc>
-                <a:extLst>
-                  <a:ext uri="{0D108BD9-81ED-4DB2-BD59-A6C34878D82A}">
-                    <a16:rowId xmlns:a16="http://schemas.microsoft.com/office/drawing/2014/main" val="1933594219"/>
-                  </a:ext>
-                </a:extLst>
-              </a:tr>
-            </a:tbl>
-          </a:graphicData>
-        </a:graphic>
-      </p:graphicFrame>
-    </p:spTree>
-    <p:extLst>
-      <p:ext uri="{BB962C8B-B14F-4D97-AF65-F5344CB8AC3E}">
-        <p14:creationId xmlns:p14="http://schemas.microsoft.com/office/powerpoint/2010/main" val="3407606342"/>
-      </p:ext>
-    </p:extLst>
-  </p:cSld>
-  <p:clrMapOvr>
-    <a:masterClrMapping/>
-  </p:clrMapOvr>
-</p:sld>
-</file>
-
-<file path=ppt/slides/slide6.xml><?xml version="1.0" encoding="utf-8"?>
-<p:sld xmlns:a="http://schemas.openxmlformats.org/drawingml/2006/main" xmlns:r="http://schemas.openxmlformats.org/officeDocument/2006/relationships" xmlns:p="http://schemas.openxmlformats.org/presentationml/2006/main">
-  <p:cSld>
-    <p:bg>
-      <p:bgPr>
-        <a:blipFill dpi="0" rotWithShape="1">
-          <a:blip r:embed="rId3">
-            <a:alphaModFix amt="99000"/>
-            <a:lum/>
-          </a:blip>
-          <a:srcRect/>
-          <a:stretch>
-            <a:fillRect t="89000" r="85000" b="-1000"/>
-          </a:stretch>
-        </a:blipFill>
-        <a:effectLst/>
-      </p:bgPr>
-    </p:bg>
-    <p:spTree>
-      <p:nvGrpSpPr>
-        <p:cNvPr id="1" name=""/>
-        <p:cNvGrpSpPr/>
-        <p:nvPr/>
-      </p:nvGrpSpPr>
-      <p:grpSpPr>
-        <a:xfrm>
-          <a:off x="0" y="0"/>
-          <a:ext cx="0" cy="0"/>
-          <a:chOff x="0" y="0"/>
-          <a:chExt cx="0" cy="0"/>
-        </a:xfrm>
-      </p:grpSpPr>
-      <p:sp>
-        <p:nvSpPr>
-          <p:cNvPr id="2" name="Title 1">
-            <a:extLst>
-              <a:ext uri="{FF2B5EF4-FFF2-40B4-BE49-F238E27FC236}">
-                <a16:creationId xmlns:a16="http://schemas.microsoft.com/office/drawing/2014/main" id="{6A3DCE86-C2BA-4713-9E7A-73589E8D6CCF}"/>
-              </a:ext>
-            </a:extLst>
-          </p:cNvPr>
-          <p:cNvSpPr>
-            <a:spLocks noGrp="1"/>
-          </p:cNvSpPr>
-          <p:nvPr>
-            <p:ph type="ctrTitle"/>
-          </p:nvPr>
-        </p:nvSpPr>
-        <p:spPr>
-          <a:xfrm>
-            <a:off x="1524000" y="497150"/>
-            <a:ext cx="9144000" cy="718459"/>
-          </a:xfrm>
-        </p:spPr>
-        <p:txBody>
-          <a:bodyPr>
-            <a:normAutofit fontScale="90000"/>
-          </a:bodyPr>
-          <a:lstStyle/>
-          <a:p>
-            <a:r>
-              <a:rPr lang="en-PH" b="1" dirty="0"/>
-              <a:t>Event Handling</a:t>
-            </a:r>
-          </a:p>
-        </p:txBody>
-      </p:sp>
-      <p:sp>
-        <p:nvSpPr>
-          <p:cNvPr id="4" name="Footer Placeholder 3">
-            <a:extLst>
-              <a:ext uri="{FF2B5EF4-FFF2-40B4-BE49-F238E27FC236}">
-                <a16:creationId xmlns:a16="http://schemas.microsoft.com/office/drawing/2014/main" id="{638E7DE1-45EE-476A-A474-0F3C264AEDA3}"/>
-              </a:ext>
-            </a:extLst>
-          </p:cNvPr>
-          <p:cNvSpPr>
-            <a:spLocks noGrp="1"/>
-          </p:cNvSpPr>
-          <p:nvPr>
-            <p:ph type="ftr" sz="quarter" idx="11"/>
-          </p:nvPr>
-        </p:nvSpPr>
-        <p:spPr>
-          <a:xfrm>
-            <a:off x="0" y="6139541"/>
-            <a:ext cx="12192000" cy="718459"/>
-          </a:xfrm>
-          <a:ln w="28575">
-            <a:solidFill>
-              <a:schemeClr val="accent5">
-                <a:lumMod val="50000"/>
-              </a:schemeClr>
-            </a:solidFill>
-          </a:ln>
-        </p:spPr>
-        <p:txBody>
-          <a:bodyPr/>
-          <a:lstStyle/>
-          <a:p>
-            <a:pPr algn="r"/>
-            <a:r>
               <a:rPr lang="en-PH" b="1" dirty="0">
                 <a:solidFill>
                   <a:schemeClr val="tx1"/>
@@ -7344,7 +5001,7 @@
 </p:sld>
 </file>
 
-<file path=ppt/slides/slide7.xml><?xml version="1.0" encoding="utf-8"?>
+<file path=ppt/slides/slide11.xml><?xml version="1.0" encoding="utf-8"?>
 <p:sld xmlns:a="http://schemas.openxmlformats.org/drawingml/2006/main" xmlns:r="http://schemas.openxmlformats.org/officeDocument/2006/relationships" xmlns:p="http://schemas.openxmlformats.org/presentationml/2006/main">
   <p:cSld>
     <p:bg>
@@ -7814,6 +5471,3602 @@
     <p:extLst>
       <p:ext uri="{BB962C8B-B14F-4D97-AF65-F5344CB8AC3E}">
         <p14:creationId xmlns:p14="http://schemas.microsoft.com/office/powerpoint/2010/main" val="1678422174"/>
+      </p:ext>
+    </p:extLst>
+  </p:cSld>
+  <p:clrMapOvr>
+    <a:masterClrMapping/>
+  </p:clrMapOvr>
+</p:sld>
+</file>
+
+<file path=ppt/slides/slide2.xml><?xml version="1.0" encoding="utf-8"?>
+<p:sld xmlns:a="http://schemas.openxmlformats.org/drawingml/2006/main" xmlns:r="http://schemas.openxmlformats.org/officeDocument/2006/relationships" xmlns:p="http://schemas.openxmlformats.org/presentationml/2006/main">
+  <p:cSld>
+    <p:bg>
+      <p:bgPr>
+        <a:blipFill dpi="0" rotWithShape="1">
+          <a:blip r:embed="rId3">
+            <a:alphaModFix amt="99000"/>
+            <a:lum/>
+          </a:blip>
+          <a:srcRect/>
+          <a:stretch>
+            <a:fillRect t="89000" r="85000" b="-1000"/>
+          </a:stretch>
+        </a:blipFill>
+        <a:effectLst/>
+      </p:bgPr>
+    </p:bg>
+    <p:spTree>
+      <p:nvGrpSpPr>
+        <p:cNvPr id="1" name=""/>
+        <p:cNvGrpSpPr/>
+        <p:nvPr/>
+      </p:nvGrpSpPr>
+      <p:grpSpPr>
+        <a:xfrm>
+          <a:off x="0" y="0"/>
+          <a:ext cx="0" cy="0"/>
+          <a:chOff x="0" y="0"/>
+          <a:chExt cx="0" cy="0"/>
+        </a:xfrm>
+      </p:grpSpPr>
+      <p:sp>
+        <p:nvSpPr>
+          <p:cNvPr id="2" name="Title 1">
+            <a:extLst>
+              <a:ext uri="{FF2B5EF4-FFF2-40B4-BE49-F238E27FC236}">
+                <a16:creationId xmlns:a16="http://schemas.microsoft.com/office/drawing/2014/main" id="{6A3DCE86-C2BA-4713-9E7A-73589E8D6CCF}"/>
+              </a:ext>
+            </a:extLst>
+          </p:cNvPr>
+          <p:cNvSpPr>
+            <a:spLocks noGrp="1"/>
+          </p:cNvSpPr>
+          <p:nvPr>
+            <p:ph type="ctrTitle"/>
+          </p:nvPr>
+        </p:nvSpPr>
+        <p:spPr>
+          <a:xfrm>
+            <a:off x="1524000" y="497150"/>
+            <a:ext cx="9144000" cy="718459"/>
+          </a:xfrm>
+        </p:spPr>
+        <p:txBody>
+          <a:bodyPr>
+            <a:normAutofit fontScale="90000"/>
+          </a:bodyPr>
+          <a:lstStyle/>
+          <a:p>
+            <a:r>
+              <a:rPr lang="en-PH" b="1" dirty="0"/>
+              <a:t>Java Swing</a:t>
+            </a:r>
+          </a:p>
+        </p:txBody>
+      </p:sp>
+      <p:sp>
+        <p:nvSpPr>
+          <p:cNvPr id="4" name="Footer Placeholder 3">
+            <a:extLst>
+              <a:ext uri="{FF2B5EF4-FFF2-40B4-BE49-F238E27FC236}">
+                <a16:creationId xmlns:a16="http://schemas.microsoft.com/office/drawing/2014/main" id="{638E7DE1-45EE-476A-A474-0F3C264AEDA3}"/>
+              </a:ext>
+            </a:extLst>
+          </p:cNvPr>
+          <p:cNvSpPr>
+            <a:spLocks noGrp="1"/>
+          </p:cNvSpPr>
+          <p:nvPr>
+            <p:ph type="ftr" sz="quarter" idx="11"/>
+          </p:nvPr>
+        </p:nvSpPr>
+        <p:spPr>
+          <a:xfrm>
+            <a:off x="0" y="6139541"/>
+            <a:ext cx="12192000" cy="718459"/>
+          </a:xfrm>
+          <a:ln w="28575">
+            <a:solidFill>
+              <a:schemeClr val="accent5">
+                <a:lumMod val="50000"/>
+              </a:schemeClr>
+            </a:solidFill>
+          </a:ln>
+        </p:spPr>
+        <p:txBody>
+          <a:bodyPr/>
+          <a:lstStyle/>
+          <a:p>
+            <a:pPr algn="r"/>
+            <a:r>
+              <a:rPr lang="en-PH" b="1">
+                <a:solidFill>
+                  <a:schemeClr val="tx1"/>
+                </a:solidFill>
+              </a:rPr>
+              <a:t>CCPRGG2L</a:t>
+            </a:r>
+            <a:endParaRPr lang="en-PH" dirty="0"/>
+          </a:p>
+        </p:txBody>
+      </p:sp>
+      <p:sp>
+        <p:nvSpPr>
+          <p:cNvPr id="5" name="TextBox 4">
+            <a:extLst>
+              <a:ext uri="{FF2B5EF4-FFF2-40B4-BE49-F238E27FC236}">
+                <a16:creationId xmlns:a16="http://schemas.microsoft.com/office/drawing/2014/main" id="{5D3DB76E-5333-0C5C-3566-98EDDB99D618}"/>
+              </a:ext>
+            </a:extLst>
+          </p:cNvPr>
+          <p:cNvSpPr txBox="1"/>
+          <p:nvPr/>
+        </p:nvSpPr>
+        <p:spPr>
+          <a:xfrm>
+            <a:off x="1524001" y="1835063"/>
+            <a:ext cx="9143999" cy="2015936"/>
+          </a:xfrm>
+          <a:prstGeom prst="rect">
+            <a:avLst/>
+          </a:prstGeom>
+          <a:noFill/>
+        </p:spPr>
+        <p:txBody>
+          <a:bodyPr wrap="square" rtlCol="0">
+            <a:spAutoFit/>
+          </a:bodyPr>
+          <a:lstStyle/>
+          <a:p>
+            <a:pPr marL="342900" indent="-342900">
+              <a:buFont typeface="Wingdings" panose="05000000000000000000" pitchFamily="2" charset="2"/>
+              <a:buChar char="q"/>
+            </a:pPr>
+            <a:r>
+              <a:rPr lang="en-US" sz="2500" b="0" i="0" dirty="0">
+                <a:solidFill>
+                  <a:srgbClr val="333333"/>
+                </a:solidFill>
+                <a:effectLst/>
+                <a:latin typeface="Calibri (Body)"/>
+              </a:rPr>
+              <a:t>Java Swing is a part of Java Foundation Classes (JFC) that is </a:t>
+            </a:r>
+            <a:r>
+              <a:rPr lang="en-US" sz="2500" b="0" i="1" dirty="0">
+                <a:solidFill>
+                  <a:srgbClr val="333333"/>
+                </a:solidFill>
+                <a:effectLst/>
+                <a:latin typeface="Calibri (Body)"/>
+              </a:rPr>
+              <a:t>used to </a:t>
+            </a:r>
+            <a:r>
+              <a:rPr lang="en-US" sz="2500" b="1" i="1" dirty="0">
+                <a:solidFill>
+                  <a:srgbClr val="333333"/>
+                </a:solidFill>
+                <a:effectLst/>
+                <a:latin typeface="Calibri (Body)"/>
+              </a:rPr>
+              <a:t>create window-based applications</a:t>
+            </a:r>
+            <a:r>
+              <a:rPr lang="en-US" sz="2500" b="1" i="0" dirty="0">
+                <a:solidFill>
+                  <a:srgbClr val="333333"/>
+                </a:solidFill>
+                <a:effectLst/>
+                <a:latin typeface="Calibri (Body)"/>
+              </a:rPr>
+              <a:t>. </a:t>
+            </a:r>
+          </a:p>
+          <a:p>
+            <a:pPr marL="342900" indent="-342900">
+              <a:buFont typeface="Wingdings" panose="05000000000000000000" pitchFamily="2" charset="2"/>
+              <a:buChar char="q"/>
+            </a:pPr>
+            <a:endParaRPr lang="en-US" sz="2500" b="1" i="0" dirty="0">
+              <a:solidFill>
+                <a:srgbClr val="333333"/>
+              </a:solidFill>
+              <a:effectLst/>
+              <a:latin typeface="Calibri (Body)"/>
+            </a:endParaRPr>
+          </a:p>
+          <a:p>
+            <a:pPr marL="342900" indent="-342900">
+              <a:buFont typeface="Wingdings" panose="05000000000000000000" pitchFamily="2" charset="2"/>
+              <a:buChar char="q"/>
+            </a:pPr>
+            <a:r>
+              <a:rPr lang="en-US" sz="2500" b="0" i="0" dirty="0">
+                <a:solidFill>
+                  <a:srgbClr val="333333"/>
+                </a:solidFill>
+                <a:effectLst/>
+                <a:latin typeface="Calibri (Body)"/>
+              </a:rPr>
+              <a:t>It is built on the top of </a:t>
+            </a:r>
+            <a:r>
+              <a:rPr lang="en-US" sz="2500" b="1" i="0" dirty="0">
+                <a:solidFill>
+                  <a:srgbClr val="333333"/>
+                </a:solidFill>
+                <a:effectLst/>
+                <a:latin typeface="Calibri (Body)"/>
+              </a:rPr>
+              <a:t>AWT (Abstract Windowing Toolkit) </a:t>
+            </a:r>
+            <a:r>
+              <a:rPr lang="en-US" sz="2500" b="0" i="0" dirty="0">
+                <a:solidFill>
+                  <a:srgbClr val="333333"/>
+                </a:solidFill>
+                <a:effectLst/>
+                <a:latin typeface="Calibri (Body)"/>
+              </a:rPr>
+              <a:t>API and entirely written in java.</a:t>
+            </a:r>
+            <a:endParaRPr lang="en-PH" sz="2500" dirty="0">
+              <a:latin typeface="Calibri (Body)"/>
+            </a:endParaRPr>
+          </a:p>
+        </p:txBody>
+      </p:sp>
+    </p:spTree>
+    <p:extLst>
+      <p:ext uri="{BB962C8B-B14F-4D97-AF65-F5344CB8AC3E}">
+        <p14:creationId xmlns:p14="http://schemas.microsoft.com/office/powerpoint/2010/main" val="266991626"/>
+      </p:ext>
+    </p:extLst>
+  </p:cSld>
+  <p:clrMapOvr>
+    <a:masterClrMapping/>
+  </p:clrMapOvr>
+</p:sld>
+</file>
+
+<file path=ppt/slides/slide3.xml><?xml version="1.0" encoding="utf-8"?>
+<p:sld xmlns:a="http://schemas.openxmlformats.org/drawingml/2006/main" xmlns:r="http://schemas.openxmlformats.org/officeDocument/2006/relationships" xmlns:p="http://schemas.openxmlformats.org/presentationml/2006/main">
+  <p:cSld>
+    <p:bg>
+      <p:bgPr>
+        <a:blipFill dpi="0" rotWithShape="1">
+          <a:blip r:embed="rId3">
+            <a:alphaModFix amt="99000"/>
+            <a:lum/>
+          </a:blip>
+          <a:srcRect/>
+          <a:stretch>
+            <a:fillRect t="89000" r="85000" b="-1000"/>
+          </a:stretch>
+        </a:blipFill>
+        <a:effectLst/>
+      </p:bgPr>
+    </p:bg>
+    <p:spTree>
+      <p:nvGrpSpPr>
+        <p:cNvPr id="1" name=""/>
+        <p:cNvGrpSpPr/>
+        <p:nvPr/>
+      </p:nvGrpSpPr>
+      <p:grpSpPr>
+        <a:xfrm>
+          <a:off x="0" y="0"/>
+          <a:ext cx="0" cy="0"/>
+          <a:chOff x="0" y="0"/>
+          <a:chExt cx="0" cy="0"/>
+        </a:xfrm>
+      </p:grpSpPr>
+      <p:sp>
+        <p:nvSpPr>
+          <p:cNvPr id="2" name="Title 1">
+            <a:extLst>
+              <a:ext uri="{FF2B5EF4-FFF2-40B4-BE49-F238E27FC236}">
+                <a16:creationId xmlns:a16="http://schemas.microsoft.com/office/drawing/2014/main" id="{6A3DCE86-C2BA-4713-9E7A-73589E8D6CCF}"/>
+              </a:ext>
+            </a:extLst>
+          </p:cNvPr>
+          <p:cNvSpPr>
+            <a:spLocks noGrp="1"/>
+          </p:cNvSpPr>
+          <p:nvPr>
+            <p:ph type="ctrTitle"/>
+          </p:nvPr>
+        </p:nvSpPr>
+        <p:spPr>
+          <a:xfrm>
+            <a:off x="1524000" y="497150"/>
+            <a:ext cx="9144000" cy="718459"/>
+          </a:xfrm>
+        </p:spPr>
+        <p:txBody>
+          <a:bodyPr>
+            <a:noAutofit/>
+          </a:bodyPr>
+          <a:lstStyle/>
+          <a:p>
+            <a:r>
+              <a:rPr lang="en-PH" sz="4800" b="1" dirty="0"/>
+              <a:t>Java Swing and AWT import packages</a:t>
+            </a:r>
+          </a:p>
+        </p:txBody>
+      </p:sp>
+      <p:sp>
+        <p:nvSpPr>
+          <p:cNvPr id="4" name="Footer Placeholder 3">
+            <a:extLst>
+              <a:ext uri="{FF2B5EF4-FFF2-40B4-BE49-F238E27FC236}">
+                <a16:creationId xmlns:a16="http://schemas.microsoft.com/office/drawing/2014/main" id="{638E7DE1-45EE-476A-A474-0F3C264AEDA3}"/>
+              </a:ext>
+            </a:extLst>
+          </p:cNvPr>
+          <p:cNvSpPr>
+            <a:spLocks noGrp="1"/>
+          </p:cNvSpPr>
+          <p:nvPr>
+            <p:ph type="ftr" sz="quarter" idx="11"/>
+          </p:nvPr>
+        </p:nvSpPr>
+        <p:spPr>
+          <a:xfrm>
+            <a:off x="0" y="6139541"/>
+            <a:ext cx="12192000" cy="718459"/>
+          </a:xfrm>
+          <a:ln w="28575">
+            <a:solidFill>
+              <a:schemeClr val="accent5">
+                <a:lumMod val="50000"/>
+              </a:schemeClr>
+            </a:solidFill>
+          </a:ln>
+        </p:spPr>
+        <p:txBody>
+          <a:bodyPr/>
+          <a:lstStyle/>
+          <a:p>
+            <a:pPr algn="r"/>
+            <a:r>
+              <a:rPr lang="en-PH" b="1">
+                <a:solidFill>
+                  <a:schemeClr val="tx1"/>
+                </a:solidFill>
+              </a:rPr>
+              <a:t>CCPRGG2L</a:t>
+            </a:r>
+            <a:endParaRPr lang="en-PH" dirty="0"/>
+          </a:p>
+        </p:txBody>
+      </p:sp>
+      <p:sp>
+        <p:nvSpPr>
+          <p:cNvPr id="5" name="TextBox 4">
+            <a:extLst>
+              <a:ext uri="{FF2B5EF4-FFF2-40B4-BE49-F238E27FC236}">
+                <a16:creationId xmlns:a16="http://schemas.microsoft.com/office/drawing/2014/main" id="{5D3DB76E-5333-0C5C-3566-98EDDB99D618}"/>
+              </a:ext>
+            </a:extLst>
+          </p:cNvPr>
+          <p:cNvSpPr txBox="1"/>
+          <p:nvPr/>
+        </p:nvSpPr>
+        <p:spPr>
+          <a:xfrm>
+            <a:off x="1524000" y="1603331"/>
+            <a:ext cx="9143999" cy="1938992"/>
+          </a:xfrm>
+          <a:prstGeom prst="rect">
+            <a:avLst/>
+          </a:prstGeom>
+          <a:noFill/>
+        </p:spPr>
+        <p:txBody>
+          <a:bodyPr wrap="square" rtlCol="0">
+            <a:spAutoFit/>
+          </a:bodyPr>
+          <a:lstStyle/>
+          <a:p>
+            <a:pPr algn="just"/>
+            <a:r>
+              <a:rPr lang="en-PH" sz="3000" b="1" i="0" dirty="0">
+                <a:solidFill>
+                  <a:srgbClr val="00B0F0"/>
+                </a:solidFill>
+                <a:effectLst/>
+                <a:latin typeface="Consolas" panose="020B0609020204030204" pitchFamily="49" charset="0"/>
+              </a:rPr>
+              <a:t>import</a:t>
+            </a:r>
+            <a:r>
+              <a:rPr lang="en-PH" sz="3000" b="0" i="0" dirty="0">
+                <a:effectLst/>
+                <a:latin typeface="Consolas" panose="020B0609020204030204" pitchFamily="49" charset="0"/>
+              </a:rPr>
+              <a:t> </a:t>
+            </a:r>
+            <a:r>
+              <a:rPr lang="en-PH" sz="3000" b="0" i="0" dirty="0" err="1">
+                <a:effectLst/>
+                <a:latin typeface="Consolas" panose="020B0609020204030204" pitchFamily="49" charset="0"/>
+              </a:rPr>
+              <a:t>javax.swing</a:t>
+            </a:r>
+            <a:r>
+              <a:rPr lang="en-PH" sz="3000" b="0" i="0" dirty="0">
+                <a:effectLst/>
+                <a:latin typeface="Consolas" panose="020B0609020204030204" pitchFamily="49" charset="0"/>
+              </a:rPr>
+              <a:t>.*;</a:t>
+            </a:r>
+          </a:p>
+          <a:p>
+            <a:pPr algn="just"/>
+            <a:endParaRPr lang="en-PH" sz="3000" dirty="0">
+              <a:latin typeface="Consolas" panose="020B0609020204030204" pitchFamily="49" charset="0"/>
+            </a:endParaRPr>
+          </a:p>
+          <a:p>
+            <a:pPr algn="just"/>
+            <a:r>
+              <a:rPr lang="en-PH" sz="3000" b="1" dirty="0">
+                <a:solidFill>
+                  <a:srgbClr val="00B0F0"/>
+                </a:solidFill>
+                <a:effectLst/>
+                <a:latin typeface="Consolas" panose="020B0609020204030204" pitchFamily="49" charset="0"/>
+              </a:rPr>
+              <a:t>import</a:t>
+            </a:r>
+            <a:r>
+              <a:rPr lang="en-PH" sz="3000" b="0" dirty="0">
+                <a:effectLst/>
+                <a:latin typeface="Consolas" panose="020B0609020204030204" pitchFamily="49" charset="0"/>
+              </a:rPr>
+              <a:t> </a:t>
+            </a:r>
+            <a:r>
+              <a:rPr lang="en-PH" sz="3000" b="0" dirty="0" err="1">
+                <a:effectLst/>
+                <a:latin typeface="Consolas" panose="020B0609020204030204" pitchFamily="49" charset="0"/>
+              </a:rPr>
+              <a:t>java.awt</a:t>
+            </a:r>
+            <a:r>
+              <a:rPr lang="en-PH" sz="3000" b="0" dirty="0">
+                <a:effectLst/>
+                <a:latin typeface="Consolas" panose="020B0609020204030204" pitchFamily="49" charset="0"/>
+              </a:rPr>
+              <a:t>.*;</a:t>
+            </a:r>
+          </a:p>
+          <a:p>
+            <a:pPr algn="just"/>
+            <a:r>
+              <a:rPr lang="en-PH" sz="3000" b="0" i="0" dirty="0">
+                <a:effectLst/>
+                <a:latin typeface="Consolas" panose="020B0609020204030204" pitchFamily="49" charset="0"/>
+              </a:rPr>
+              <a:t>  </a:t>
+            </a:r>
+          </a:p>
+        </p:txBody>
+      </p:sp>
+    </p:spTree>
+    <p:extLst>
+      <p:ext uri="{BB962C8B-B14F-4D97-AF65-F5344CB8AC3E}">
+        <p14:creationId xmlns:p14="http://schemas.microsoft.com/office/powerpoint/2010/main" val="1430866197"/>
+      </p:ext>
+    </p:extLst>
+  </p:cSld>
+  <p:clrMapOvr>
+    <a:masterClrMapping/>
+  </p:clrMapOvr>
+</p:sld>
+</file>
+
+<file path=ppt/slides/slide4.xml><?xml version="1.0" encoding="utf-8"?>
+<p:sld xmlns:a="http://schemas.openxmlformats.org/drawingml/2006/main" xmlns:r="http://schemas.openxmlformats.org/officeDocument/2006/relationships" xmlns:p="http://schemas.openxmlformats.org/presentationml/2006/main">
+  <p:cSld>
+    <p:bg>
+      <p:bgPr>
+        <a:blipFill dpi="0" rotWithShape="1">
+          <a:blip r:embed="rId3">
+            <a:alphaModFix amt="99000"/>
+            <a:lum/>
+          </a:blip>
+          <a:srcRect/>
+          <a:stretch>
+            <a:fillRect t="89000" r="85000" b="-1000"/>
+          </a:stretch>
+        </a:blipFill>
+        <a:effectLst/>
+      </p:bgPr>
+    </p:bg>
+    <p:spTree>
+      <p:nvGrpSpPr>
+        <p:cNvPr id="1" name=""/>
+        <p:cNvGrpSpPr/>
+        <p:nvPr/>
+      </p:nvGrpSpPr>
+      <p:grpSpPr>
+        <a:xfrm>
+          <a:off x="0" y="0"/>
+          <a:ext cx="0" cy="0"/>
+          <a:chOff x="0" y="0"/>
+          <a:chExt cx="0" cy="0"/>
+        </a:xfrm>
+      </p:grpSpPr>
+      <p:sp>
+        <p:nvSpPr>
+          <p:cNvPr id="4" name="Footer Placeholder 3">
+            <a:extLst>
+              <a:ext uri="{FF2B5EF4-FFF2-40B4-BE49-F238E27FC236}">
+                <a16:creationId xmlns:a16="http://schemas.microsoft.com/office/drawing/2014/main" id="{638E7DE1-45EE-476A-A474-0F3C264AEDA3}"/>
+              </a:ext>
+            </a:extLst>
+          </p:cNvPr>
+          <p:cNvSpPr>
+            <a:spLocks noGrp="1"/>
+          </p:cNvSpPr>
+          <p:nvPr>
+            <p:ph type="ftr" sz="quarter" idx="11"/>
+          </p:nvPr>
+        </p:nvSpPr>
+        <p:spPr>
+          <a:xfrm>
+            <a:off x="0" y="6139541"/>
+            <a:ext cx="12192000" cy="718459"/>
+          </a:xfrm>
+          <a:ln w="28575">
+            <a:solidFill>
+              <a:schemeClr val="accent5">
+                <a:lumMod val="50000"/>
+              </a:schemeClr>
+            </a:solidFill>
+          </a:ln>
+        </p:spPr>
+        <p:txBody>
+          <a:bodyPr/>
+          <a:lstStyle/>
+          <a:p>
+            <a:pPr algn="r"/>
+            <a:r>
+              <a:rPr lang="en-PH" b="1">
+                <a:solidFill>
+                  <a:schemeClr val="tx1"/>
+                </a:solidFill>
+              </a:rPr>
+              <a:t>CCPRGG2L</a:t>
+            </a:r>
+            <a:endParaRPr lang="en-PH" b="1" dirty="0"/>
+          </a:p>
+        </p:txBody>
+      </p:sp>
+      <p:sp>
+        <p:nvSpPr>
+          <p:cNvPr id="3" name="Rectangle 2">
+            <a:extLst>
+              <a:ext uri="{FF2B5EF4-FFF2-40B4-BE49-F238E27FC236}">
+                <a16:creationId xmlns:a16="http://schemas.microsoft.com/office/drawing/2014/main" id="{1685D1C9-3CB7-D381-741D-C6516D1AE585}"/>
+              </a:ext>
+            </a:extLst>
+          </p:cNvPr>
+          <p:cNvSpPr/>
+          <p:nvPr/>
+        </p:nvSpPr>
+        <p:spPr>
+          <a:xfrm>
+            <a:off x="5686044" y="338328"/>
+            <a:ext cx="819912" cy="502920"/>
+          </a:xfrm>
+          <a:prstGeom prst="rect">
+            <a:avLst/>
+          </a:prstGeom>
+        </p:spPr>
+        <p:style>
+          <a:lnRef idx="2">
+            <a:schemeClr val="dk1"/>
+          </a:lnRef>
+          <a:fillRef idx="1">
+            <a:schemeClr val="lt1"/>
+          </a:fillRef>
+          <a:effectRef idx="0">
+            <a:schemeClr val="dk1"/>
+          </a:effectRef>
+          <a:fontRef idx="minor">
+            <a:schemeClr val="dk1"/>
+          </a:fontRef>
+        </p:style>
+        <p:txBody>
+          <a:bodyPr rtlCol="0" anchor="ctr"/>
+          <a:lstStyle/>
+          <a:p>
+            <a:pPr algn="ctr"/>
+            <a:r>
+              <a:rPr lang="en-PH" sz="1200" b="1" dirty="0"/>
+              <a:t>Object</a:t>
+            </a:r>
+          </a:p>
+        </p:txBody>
+      </p:sp>
+      <p:sp>
+        <p:nvSpPr>
+          <p:cNvPr id="10" name="Rectangle 9">
+            <a:extLst>
+              <a:ext uri="{FF2B5EF4-FFF2-40B4-BE49-F238E27FC236}">
+                <a16:creationId xmlns:a16="http://schemas.microsoft.com/office/drawing/2014/main" id="{614AC5BA-6005-EBE6-85C1-E221B5773AB3}"/>
+              </a:ext>
+            </a:extLst>
+          </p:cNvPr>
+          <p:cNvSpPr/>
+          <p:nvPr/>
+        </p:nvSpPr>
+        <p:spPr>
+          <a:xfrm>
+            <a:off x="5628894" y="1170866"/>
+            <a:ext cx="934212" cy="502920"/>
+          </a:xfrm>
+          <a:prstGeom prst="rect">
+            <a:avLst/>
+          </a:prstGeom>
+        </p:spPr>
+        <p:style>
+          <a:lnRef idx="2">
+            <a:schemeClr val="dk1"/>
+          </a:lnRef>
+          <a:fillRef idx="1">
+            <a:schemeClr val="lt1"/>
+          </a:fillRef>
+          <a:effectRef idx="0">
+            <a:schemeClr val="dk1"/>
+          </a:effectRef>
+          <a:fontRef idx="minor">
+            <a:schemeClr val="dk1"/>
+          </a:fontRef>
+        </p:style>
+        <p:txBody>
+          <a:bodyPr rtlCol="0" anchor="ctr"/>
+          <a:lstStyle/>
+          <a:p>
+            <a:pPr algn="ctr"/>
+            <a:r>
+              <a:rPr lang="en-PH" sz="1200" b="1" dirty="0"/>
+              <a:t>Component</a:t>
+            </a:r>
+          </a:p>
+        </p:txBody>
+      </p:sp>
+      <p:sp>
+        <p:nvSpPr>
+          <p:cNvPr id="12" name="Rectangle 11">
+            <a:extLst>
+              <a:ext uri="{FF2B5EF4-FFF2-40B4-BE49-F238E27FC236}">
+                <a16:creationId xmlns:a16="http://schemas.microsoft.com/office/drawing/2014/main" id="{ACAEBE3A-E96D-BA2C-70E8-3B8513153B15}"/>
+              </a:ext>
+            </a:extLst>
+          </p:cNvPr>
+          <p:cNvSpPr/>
+          <p:nvPr/>
+        </p:nvSpPr>
+        <p:spPr>
+          <a:xfrm>
+            <a:off x="7045452" y="2063930"/>
+            <a:ext cx="1019556" cy="502920"/>
+          </a:xfrm>
+          <a:prstGeom prst="rect">
+            <a:avLst/>
+          </a:prstGeom>
+        </p:spPr>
+        <p:style>
+          <a:lnRef idx="2">
+            <a:schemeClr val="dk1"/>
+          </a:lnRef>
+          <a:fillRef idx="1">
+            <a:schemeClr val="lt1"/>
+          </a:fillRef>
+          <a:effectRef idx="0">
+            <a:schemeClr val="dk1"/>
+          </a:effectRef>
+          <a:fontRef idx="minor">
+            <a:schemeClr val="dk1"/>
+          </a:fontRef>
+        </p:style>
+        <p:txBody>
+          <a:bodyPr rtlCol="0" anchor="ctr"/>
+          <a:lstStyle/>
+          <a:p>
+            <a:pPr algn="ctr"/>
+            <a:r>
+              <a:rPr lang="en-PH" sz="1200" b="1" dirty="0" err="1"/>
+              <a:t>JComponent</a:t>
+            </a:r>
+            <a:endParaRPr lang="en-PH" sz="1200" b="1" dirty="0"/>
+          </a:p>
+        </p:txBody>
+      </p:sp>
+      <p:sp>
+        <p:nvSpPr>
+          <p:cNvPr id="13" name="Rectangle 12">
+            <a:extLst>
+              <a:ext uri="{FF2B5EF4-FFF2-40B4-BE49-F238E27FC236}">
+                <a16:creationId xmlns:a16="http://schemas.microsoft.com/office/drawing/2014/main" id="{DD296B2C-C75B-252C-870A-B38335EC50BD}"/>
+              </a:ext>
+            </a:extLst>
+          </p:cNvPr>
+          <p:cNvSpPr/>
+          <p:nvPr/>
+        </p:nvSpPr>
+        <p:spPr>
+          <a:xfrm>
+            <a:off x="4418076" y="2063930"/>
+            <a:ext cx="819912" cy="502920"/>
+          </a:xfrm>
+          <a:prstGeom prst="rect">
+            <a:avLst/>
+          </a:prstGeom>
+        </p:spPr>
+        <p:style>
+          <a:lnRef idx="2">
+            <a:schemeClr val="dk1"/>
+          </a:lnRef>
+          <a:fillRef idx="1">
+            <a:schemeClr val="lt1"/>
+          </a:fillRef>
+          <a:effectRef idx="0">
+            <a:schemeClr val="dk1"/>
+          </a:effectRef>
+          <a:fontRef idx="minor">
+            <a:schemeClr val="dk1"/>
+          </a:fontRef>
+        </p:style>
+        <p:txBody>
+          <a:bodyPr rtlCol="0" anchor="ctr"/>
+          <a:lstStyle/>
+          <a:p>
+            <a:pPr algn="ctr"/>
+            <a:r>
+              <a:rPr lang="en-PH" sz="1200" b="1" dirty="0"/>
+              <a:t>Container</a:t>
+            </a:r>
+          </a:p>
+        </p:txBody>
+      </p:sp>
+      <p:sp>
+        <p:nvSpPr>
+          <p:cNvPr id="14" name="Rectangle 13">
+            <a:extLst>
+              <a:ext uri="{FF2B5EF4-FFF2-40B4-BE49-F238E27FC236}">
+                <a16:creationId xmlns:a16="http://schemas.microsoft.com/office/drawing/2014/main" id="{631B3A09-A83C-2D9F-6E30-96E7B7BDD032}"/>
+              </a:ext>
+            </a:extLst>
+          </p:cNvPr>
+          <p:cNvSpPr/>
+          <p:nvPr/>
+        </p:nvSpPr>
+        <p:spPr>
+          <a:xfrm>
+            <a:off x="2695956" y="3311436"/>
+            <a:ext cx="819912" cy="502920"/>
+          </a:xfrm>
+          <a:prstGeom prst="rect">
+            <a:avLst/>
+          </a:prstGeom>
+        </p:spPr>
+        <p:style>
+          <a:lnRef idx="2">
+            <a:schemeClr val="dk1"/>
+          </a:lnRef>
+          <a:fillRef idx="1">
+            <a:schemeClr val="lt1"/>
+          </a:fillRef>
+          <a:effectRef idx="0">
+            <a:schemeClr val="dk1"/>
+          </a:effectRef>
+          <a:fontRef idx="minor">
+            <a:schemeClr val="dk1"/>
+          </a:fontRef>
+        </p:style>
+        <p:txBody>
+          <a:bodyPr rtlCol="0" anchor="ctr"/>
+          <a:lstStyle/>
+          <a:p>
+            <a:pPr algn="ctr"/>
+            <a:r>
+              <a:rPr lang="en-PH" sz="1200" b="1" dirty="0"/>
+              <a:t>Window</a:t>
+            </a:r>
+          </a:p>
+        </p:txBody>
+      </p:sp>
+      <p:sp>
+        <p:nvSpPr>
+          <p:cNvPr id="15" name="Rectangle 14">
+            <a:extLst>
+              <a:ext uri="{FF2B5EF4-FFF2-40B4-BE49-F238E27FC236}">
+                <a16:creationId xmlns:a16="http://schemas.microsoft.com/office/drawing/2014/main" id="{F9B142C4-C5CB-4F75-F69D-0C96AF10F5EE}"/>
+              </a:ext>
+            </a:extLst>
+          </p:cNvPr>
+          <p:cNvSpPr/>
+          <p:nvPr/>
+        </p:nvSpPr>
+        <p:spPr>
+          <a:xfrm>
+            <a:off x="5686044" y="3311436"/>
+            <a:ext cx="819912" cy="502920"/>
+          </a:xfrm>
+          <a:prstGeom prst="rect">
+            <a:avLst/>
+          </a:prstGeom>
+        </p:spPr>
+        <p:style>
+          <a:lnRef idx="2">
+            <a:schemeClr val="dk1"/>
+          </a:lnRef>
+          <a:fillRef idx="1">
+            <a:schemeClr val="lt1"/>
+          </a:fillRef>
+          <a:effectRef idx="0">
+            <a:schemeClr val="dk1"/>
+          </a:effectRef>
+          <a:fontRef idx="minor">
+            <a:schemeClr val="dk1"/>
+          </a:fontRef>
+        </p:style>
+        <p:txBody>
+          <a:bodyPr rtlCol="0" anchor="ctr"/>
+          <a:lstStyle/>
+          <a:p>
+            <a:pPr algn="ctr"/>
+            <a:r>
+              <a:rPr lang="en-PH" sz="1200" b="1" dirty="0"/>
+              <a:t>Panel</a:t>
+            </a:r>
+          </a:p>
+        </p:txBody>
+      </p:sp>
+      <p:sp>
+        <p:nvSpPr>
+          <p:cNvPr id="16" name="Rectangle 15">
+            <a:extLst>
+              <a:ext uri="{FF2B5EF4-FFF2-40B4-BE49-F238E27FC236}">
+                <a16:creationId xmlns:a16="http://schemas.microsoft.com/office/drawing/2014/main" id="{0B8DAFCE-8D38-3DE8-9985-4155B6D34F2C}"/>
+              </a:ext>
+            </a:extLst>
+          </p:cNvPr>
+          <p:cNvSpPr/>
+          <p:nvPr/>
+        </p:nvSpPr>
+        <p:spPr>
+          <a:xfrm>
+            <a:off x="1876044" y="4473810"/>
+            <a:ext cx="819912" cy="502920"/>
+          </a:xfrm>
+          <a:prstGeom prst="rect">
+            <a:avLst/>
+          </a:prstGeom>
+        </p:spPr>
+        <p:style>
+          <a:lnRef idx="2">
+            <a:schemeClr val="dk1"/>
+          </a:lnRef>
+          <a:fillRef idx="1">
+            <a:schemeClr val="lt1"/>
+          </a:fillRef>
+          <a:effectRef idx="0">
+            <a:schemeClr val="dk1"/>
+          </a:effectRef>
+          <a:fontRef idx="minor">
+            <a:schemeClr val="dk1"/>
+          </a:fontRef>
+        </p:style>
+        <p:txBody>
+          <a:bodyPr rtlCol="0" anchor="ctr"/>
+          <a:lstStyle/>
+          <a:p>
+            <a:pPr algn="ctr"/>
+            <a:r>
+              <a:rPr lang="en-PH" sz="1200" b="1" dirty="0"/>
+              <a:t>Frame</a:t>
+            </a:r>
+          </a:p>
+        </p:txBody>
+      </p:sp>
+      <p:sp>
+        <p:nvSpPr>
+          <p:cNvPr id="17" name="Rectangle 16">
+            <a:extLst>
+              <a:ext uri="{FF2B5EF4-FFF2-40B4-BE49-F238E27FC236}">
+                <a16:creationId xmlns:a16="http://schemas.microsoft.com/office/drawing/2014/main" id="{7575C4C1-2E6E-EB31-08D7-B3C53098F1A8}"/>
+              </a:ext>
+            </a:extLst>
+          </p:cNvPr>
+          <p:cNvSpPr/>
+          <p:nvPr/>
+        </p:nvSpPr>
+        <p:spPr>
+          <a:xfrm>
+            <a:off x="3470148" y="4473810"/>
+            <a:ext cx="819912" cy="502920"/>
+          </a:xfrm>
+          <a:prstGeom prst="rect">
+            <a:avLst/>
+          </a:prstGeom>
+        </p:spPr>
+        <p:style>
+          <a:lnRef idx="2">
+            <a:schemeClr val="dk1"/>
+          </a:lnRef>
+          <a:fillRef idx="1">
+            <a:schemeClr val="lt1"/>
+          </a:fillRef>
+          <a:effectRef idx="0">
+            <a:schemeClr val="dk1"/>
+          </a:effectRef>
+          <a:fontRef idx="minor">
+            <a:schemeClr val="dk1"/>
+          </a:fontRef>
+        </p:style>
+        <p:txBody>
+          <a:bodyPr rtlCol="0" anchor="ctr"/>
+          <a:lstStyle/>
+          <a:p>
+            <a:pPr algn="ctr"/>
+            <a:r>
+              <a:rPr lang="en-PH" sz="1200" b="1" dirty="0"/>
+              <a:t>Dialog</a:t>
+            </a:r>
+          </a:p>
+        </p:txBody>
+      </p:sp>
+      <p:sp>
+        <p:nvSpPr>
+          <p:cNvPr id="18" name="Rectangle 17">
+            <a:extLst>
+              <a:ext uri="{FF2B5EF4-FFF2-40B4-BE49-F238E27FC236}">
+                <a16:creationId xmlns:a16="http://schemas.microsoft.com/office/drawing/2014/main" id="{68D20FBE-FFC0-11A6-0FA8-AA5948B664C7}"/>
+              </a:ext>
+            </a:extLst>
+          </p:cNvPr>
+          <p:cNvSpPr/>
+          <p:nvPr/>
+        </p:nvSpPr>
+        <p:spPr>
+          <a:xfrm>
+            <a:off x="5686044" y="4298492"/>
+            <a:ext cx="819912" cy="502920"/>
+          </a:xfrm>
+          <a:prstGeom prst="rect">
+            <a:avLst/>
+          </a:prstGeom>
+        </p:spPr>
+        <p:style>
+          <a:lnRef idx="2">
+            <a:schemeClr val="dk1"/>
+          </a:lnRef>
+          <a:fillRef idx="1">
+            <a:schemeClr val="lt1"/>
+          </a:fillRef>
+          <a:effectRef idx="0">
+            <a:schemeClr val="dk1"/>
+          </a:effectRef>
+          <a:fontRef idx="minor">
+            <a:schemeClr val="dk1"/>
+          </a:fontRef>
+        </p:style>
+        <p:txBody>
+          <a:bodyPr rtlCol="0" anchor="ctr"/>
+          <a:lstStyle/>
+          <a:p>
+            <a:pPr algn="ctr"/>
+            <a:r>
+              <a:rPr lang="en-PH" sz="1200" b="1" dirty="0"/>
+              <a:t>Applet</a:t>
+            </a:r>
+          </a:p>
+        </p:txBody>
+      </p:sp>
+      <p:sp>
+        <p:nvSpPr>
+          <p:cNvPr id="19" name="Rectangle 18">
+            <a:extLst>
+              <a:ext uri="{FF2B5EF4-FFF2-40B4-BE49-F238E27FC236}">
+                <a16:creationId xmlns:a16="http://schemas.microsoft.com/office/drawing/2014/main" id="{8B7F4899-FF7C-CD50-A8D6-4C32669B60AA}"/>
+              </a:ext>
+            </a:extLst>
+          </p:cNvPr>
+          <p:cNvSpPr/>
+          <p:nvPr/>
+        </p:nvSpPr>
+        <p:spPr>
+          <a:xfrm>
+            <a:off x="9383268" y="1170866"/>
+            <a:ext cx="1019556" cy="502920"/>
+          </a:xfrm>
+          <a:prstGeom prst="rect">
+            <a:avLst/>
+          </a:prstGeom>
+        </p:spPr>
+        <p:style>
+          <a:lnRef idx="2">
+            <a:schemeClr val="dk1"/>
+          </a:lnRef>
+          <a:fillRef idx="1">
+            <a:schemeClr val="lt1"/>
+          </a:fillRef>
+          <a:effectRef idx="0">
+            <a:schemeClr val="dk1"/>
+          </a:effectRef>
+          <a:fontRef idx="minor">
+            <a:schemeClr val="dk1"/>
+          </a:fontRef>
+        </p:style>
+        <p:txBody>
+          <a:bodyPr rtlCol="0" anchor="ctr"/>
+          <a:lstStyle/>
+          <a:p>
+            <a:pPr algn="ctr"/>
+            <a:r>
+              <a:rPr lang="en-PH" sz="1200" b="1" dirty="0" err="1"/>
+              <a:t>JList</a:t>
+            </a:r>
+            <a:endParaRPr lang="en-PH" sz="1200" b="1" dirty="0"/>
+          </a:p>
+        </p:txBody>
+      </p:sp>
+      <p:sp>
+        <p:nvSpPr>
+          <p:cNvPr id="20" name="Rectangle 19">
+            <a:extLst>
+              <a:ext uri="{FF2B5EF4-FFF2-40B4-BE49-F238E27FC236}">
+                <a16:creationId xmlns:a16="http://schemas.microsoft.com/office/drawing/2014/main" id="{2BA97B81-A048-AA6F-8B44-05F5E64DB3A1}"/>
+              </a:ext>
+            </a:extLst>
+          </p:cNvPr>
+          <p:cNvSpPr/>
+          <p:nvPr/>
+        </p:nvSpPr>
+        <p:spPr>
+          <a:xfrm>
+            <a:off x="9383268" y="1836641"/>
+            <a:ext cx="1019556" cy="502920"/>
+          </a:xfrm>
+          <a:prstGeom prst="rect">
+            <a:avLst/>
+          </a:prstGeom>
+        </p:spPr>
+        <p:style>
+          <a:lnRef idx="2">
+            <a:schemeClr val="dk1"/>
+          </a:lnRef>
+          <a:fillRef idx="1">
+            <a:schemeClr val="lt1"/>
+          </a:fillRef>
+          <a:effectRef idx="0">
+            <a:schemeClr val="dk1"/>
+          </a:effectRef>
+          <a:fontRef idx="minor">
+            <a:schemeClr val="dk1"/>
+          </a:fontRef>
+        </p:style>
+        <p:txBody>
+          <a:bodyPr rtlCol="0" anchor="ctr"/>
+          <a:lstStyle/>
+          <a:p>
+            <a:pPr algn="ctr"/>
+            <a:r>
+              <a:rPr lang="en-PH" sz="1200" b="1" dirty="0" err="1"/>
+              <a:t>JTable</a:t>
+            </a:r>
+            <a:endParaRPr lang="en-PH" sz="1200" b="1" dirty="0"/>
+          </a:p>
+        </p:txBody>
+      </p:sp>
+      <p:sp>
+        <p:nvSpPr>
+          <p:cNvPr id="21" name="Rectangle 20">
+            <a:extLst>
+              <a:ext uri="{FF2B5EF4-FFF2-40B4-BE49-F238E27FC236}">
+                <a16:creationId xmlns:a16="http://schemas.microsoft.com/office/drawing/2014/main" id="{2B4A7B67-E4F4-0307-DC1A-5ECC81469C13}"/>
+              </a:ext>
+            </a:extLst>
+          </p:cNvPr>
+          <p:cNvSpPr/>
+          <p:nvPr/>
+        </p:nvSpPr>
+        <p:spPr>
+          <a:xfrm>
+            <a:off x="9383268" y="2502416"/>
+            <a:ext cx="1019556" cy="502920"/>
+          </a:xfrm>
+          <a:prstGeom prst="rect">
+            <a:avLst/>
+          </a:prstGeom>
+        </p:spPr>
+        <p:style>
+          <a:lnRef idx="2">
+            <a:schemeClr val="dk1"/>
+          </a:lnRef>
+          <a:fillRef idx="1">
+            <a:schemeClr val="lt1"/>
+          </a:fillRef>
+          <a:effectRef idx="0">
+            <a:schemeClr val="dk1"/>
+          </a:effectRef>
+          <a:fontRef idx="minor">
+            <a:schemeClr val="dk1"/>
+          </a:fontRef>
+        </p:style>
+        <p:txBody>
+          <a:bodyPr rtlCol="0" anchor="ctr"/>
+          <a:lstStyle/>
+          <a:p>
+            <a:pPr algn="ctr"/>
+            <a:r>
+              <a:rPr lang="en-PH" sz="1200" b="1" dirty="0" err="1"/>
+              <a:t>JComboBox</a:t>
+            </a:r>
+            <a:endParaRPr lang="en-PH" sz="1200" b="1" dirty="0"/>
+          </a:p>
+        </p:txBody>
+      </p:sp>
+      <p:sp>
+        <p:nvSpPr>
+          <p:cNvPr id="23" name="Rectangle 22">
+            <a:extLst>
+              <a:ext uri="{FF2B5EF4-FFF2-40B4-BE49-F238E27FC236}">
+                <a16:creationId xmlns:a16="http://schemas.microsoft.com/office/drawing/2014/main" id="{7B0A2178-900A-3E55-F472-05AA8ED0AF36}"/>
+              </a:ext>
+            </a:extLst>
+          </p:cNvPr>
+          <p:cNvSpPr/>
+          <p:nvPr/>
+        </p:nvSpPr>
+        <p:spPr>
+          <a:xfrm>
+            <a:off x="9383268" y="3152284"/>
+            <a:ext cx="1019556" cy="502920"/>
+          </a:xfrm>
+          <a:prstGeom prst="rect">
+            <a:avLst/>
+          </a:prstGeom>
+        </p:spPr>
+        <p:style>
+          <a:lnRef idx="2">
+            <a:schemeClr val="dk1"/>
+          </a:lnRef>
+          <a:fillRef idx="1">
+            <a:schemeClr val="lt1"/>
+          </a:fillRef>
+          <a:effectRef idx="0">
+            <a:schemeClr val="dk1"/>
+          </a:effectRef>
+          <a:fontRef idx="minor">
+            <a:schemeClr val="dk1"/>
+          </a:fontRef>
+        </p:style>
+        <p:txBody>
+          <a:bodyPr rtlCol="0" anchor="ctr"/>
+          <a:lstStyle/>
+          <a:p>
+            <a:pPr algn="ctr"/>
+            <a:r>
+              <a:rPr lang="en-PH" sz="1200" b="1" dirty="0" err="1"/>
+              <a:t>JSlider</a:t>
+            </a:r>
+            <a:endParaRPr lang="en-PH" sz="1200" b="1" dirty="0"/>
+          </a:p>
+        </p:txBody>
+      </p:sp>
+      <p:sp>
+        <p:nvSpPr>
+          <p:cNvPr id="24" name="Rectangle 23">
+            <a:extLst>
+              <a:ext uri="{FF2B5EF4-FFF2-40B4-BE49-F238E27FC236}">
+                <a16:creationId xmlns:a16="http://schemas.microsoft.com/office/drawing/2014/main" id="{3F57F02E-1D28-1014-9084-6A945F68625F}"/>
+              </a:ext>
+            </a:extLst>
+          </p:cNvPr>
+          <p:cNvSpPr/>
+          <p:nvPr/>
+        </p:nvSpPr>
+        <p:spPr>
+          <a:xfrm>
+            <a:off x="9383268" y="3773271"/>
+            <a:ext cx="1019556" cy="502920"/>
+          </a:xfrm>
+          <a:prstGeom prst="rect">
+            <a:avLst/>
+          </a:prstGeom>
+        </p:spPr>
+        <p:style>
+          <a:lnRef idx="2">
+            <a:schemeClr val="dk1"/>
+          </a:lnRef>
+          <a:fillRef idx="1">
+            <a:schemeClr val="lt1"/>
+          </a:fillRef>
+          <a:effectRef idx="0">
+            <a:schemeClr val="dk1"/>
+          </a:effectRef>
+          <a:fontRef idx="minor">
+            <a:schemeClr val="dk1"/>
+          </a:fontRef>
+        </p:style>
+        <p:txBody>
+          <a:bodyPr rtlCol="0" anchor="ctr"/>
+          <a:lstStyle/>
+          <a:p>
+            <a:pPr algn="ctr"/>
+            <a:r>
+              <a:rPr lang="en-PH" sz="1200" b="1" dirty="0" err="1"/>
+              <a:t>JMenu</a:t>
+            </a:r>
+            <a:endParaRPr lang="en-PH" sz="1200" b="1" dirty="0"/>
+          </a:p>
+        </p:txBody>
+      </p:sp>
+      <p:sp>
+        <p:nvSpPr>
+          <p:cNvPr id="25" name="Rectangle 24">
+            <a:extLst>
+              <a:ext uri="{FF2B5EF4-FFF2-40B4-BE49-F238E27FC236}">
+                <a16:creationId xmlns:a16="http://schemas.microsoft.com/office/drawing/2014/main" id="{42525774-14FA-50D0-9D78-9364BF896551}"/>
+              </a:ext>
+            </a:extLst>
+          </p:cNvPr>
+          <p:cNvSpPr/>
+          <p:nvPr/>
+        </p:nvSpPr>
+        <p:spPr>
+          <a:xfrm>
+            <a:off x="9383268" y="4366172"/>
+            <a:ext cx="1019556" cy="502920"/>
+          </a:xfrm>
+          <a:prstGeom prst="rect">
+            <a:avLst/>
+          </a:prstGeom>
+        </p:spPr>
+        <p:style>
+          <a:lnRef idx="2">
+            <a:schemeClr val="dk1"/>
+          </a:lnRef>
+          <a:fillRef idx="1">
+            <a:schemeClr val="lt1"/>
+          </a:fillRef>
+          <a:effectRef idx="0">
+            <a:schemeClr val="dk1"/>
+          </a:effectRef>
+          <a:fontRef idx="minor">
+            <a:schemeClr val="dk1"/>
+          </a:fontRef>
+        </p:style>
+        <p:txBody>
+          <a:bodyPr rtlCol="0" anchor="ctr"/>
+          <a:lstStyle/>
+          <a:p>
+            <a:pPr algn="ctr"/>
+            <a:r>
+              <a:rPr lang="en-PH" sz="1000" b="1" dirty="0" err="1"/>
+              <a:t>AbstractButton</a:t>
+            </a:r>
+            <a:endParaRPr lang="en-PH" sz="1000" b="1" dirty="0"/>
+          </a:p>
+        </p:txBody>
+      </p:sp>
+      <p:sp>
+        <p:nvSpPr>
+          <p:cNvPr id="26" name="Rectangle 25">
+            <a:extLst>
+              <a:ext uri="{FF2B5EF4-FFF2-40B4-BE49-F238E27FC236}">
+                <a16:creationId xmlns:a16="http://schemas.microsoft.com/office/drawing/2014/main" id="{7802F4A0-5F18-3A45-5683-11AA8A7CB7C9}"/>
+              </a:ext>
+            </a:extLst>
+          </p:cNvPr>
+          <p:cNvSpPr/>
+          <p:nvPr/>
+        </p:nvSpPr>
+        <p:spPr>
+          <a:xfrm>
+            <a:off x="9383268" y="5181461"/>
+            <a:ext cx="1019556" cy="502920"/>
+          </a:xfrm>
+          <a:prstGeom prst="rect">
+            <a:avLst/>
+          </a:prstGeom>
+        </p:spPr>
+        <p:style>
+          <a:lnRef idx="2">
+            <a:schemeClr val="dk1"/>
+          </a:lnRef>
+          <a:fillRef idx="1">
+            <a:schemeClr val="lt1"/>
+          </a:fillRef>
+          <a:effectRef idx="0">
+            <a:schemeClr val="dk1"/>
+          </a:effectRef>
+          <a:fontRef idx="minor">
+            <a:schemeClr val="dk1"/>
+          </a:fontRef>
+        </p:style>
+        <p:txBody>
+          <a:bodyPr rtlCol="0" anchor="ctr"/>
+          <a:lstStyle/>
+          <a:p>
+            <a:pPr algn="ctr"/>
+            <a:r>
+              <a:rPr lang="en-PH" sz="1200" b="1" dirty="0" err="1"/>
+              <a:t>JButton</a:t>
+            </a:r>
+            <a:endParaRPr lang="en-PH" sz="1200" b="1" dirty="0"/>
+          </a:p>
+        </p:txBody>
+      </p:sp>
+      <p:sp>
+        <p:nvSpPr>
+          <p:cNvPr id="27" name="Rectangle 26">
+            <a:extLst>
+              <a:ext uri="{FF2B5EF4-FFF2-40B4-BE49-F238E27FC236}">
+                <a16:creationId xmlns:a16="http://schemas.microsoft.com/office/drawing/2014/main" id="{5BD640F2-3CCC-14D1-F9C4-8103EFB40BF7}"/>
+              </a:ext>
+            </a:extLst>
+          </p:cNvPr>
+          <p:cNvSpPr/>
+          <p:nvPr/>
+        </p:nvSpPr>
+        <p:spPr>
+          <a:xfrm>
+            <a:off x="9383268" y="577965"/>
+            <a:ext cx="1019556" cy="502920"/>
+          </a:xfrm>
+          <a:prstGeom prst="rect">
+            <a:avLst/>
+          </a:prstGeom>
+        </p:spPr>
+        <p:style>
+          <a:lnRef idx="2">
+            <a:schemeClr val="dk1"/>
+          </a:lnRef>
+          <a:fillRef idx="1">
+            <a:schemeClr val="lt1"/>
+          </a:fillRef>
+          <a:effectRef idx="0">
+            <a:schemeClr val="dk1"/>
+          </a:effectRef>
+          <a:fontRef idx="minor">
+            <a:schemeClr val="dk1"/>
+          </a:fontRef>
+        </p:style>
+        <p:txBody>
+          <a:bodyPr rtlCol="0" anchor="ctr"/>
+          <a:lstStyle/>
+          <a:p>
+            <a:pPr algn="ctr"/>
+            <a:r>
+              <a:rPr lang="en-PH" sz="1200" b="1" dirty="0" err="1"/>
+              <a:t>JLabel</a:t>
+            </a:r>
+            <a:endParaRPr lang="en-PH" sz="1200" b="1" dirty="0"/>
+          </a:p>
+        </p:txBody>
+      </p:sp>
+      <p:sp>
+        <p:nvSpPr>
+          <p:cNvPr id="28" name="Rectangle 27">
+            <a:extLst>
+              <a:ext uri="{FF2B5EF4-FFF2-40B4-BE49-F238E27FC236}">
+                <a16:creationId xmlns:a16="http://schemas.microsoft.com/office/drawing/2014/main" id="{FAB76305-B3A8-ED22-D5B9-F6C5B77563B9}"/>
+              </a:ext>
+            </a:extLst>
+          </p:cNvPr>
+          <p:cNvSpPr/>
+          <p:nvPr/>
+        </p:nvSpPr>
+        <p:spPr>
+          <a:xfrm>
+            <a:off x="1876044" y="5238213"/>
+            <a:ext cx="819912" cy="502920"/>
+          </a:xfrm>
+          <a:prstGeom prst="rect">
+            <a:avLst/>
+          </a:prstGeom>
+        </p:spPr>
+        <p:style>
+          <a:lnRef idx="2">
+            <a:schemeClr val="dk1"/>
+          </a:lnRef>
+          <a:fillRef idx="1">
+            <a:schemeClr val="lt1"/>
+          </a:fillRef>
+          <a:effectRef idx="0">
+            <a:schemeClr val="dk1"/>
+          </a:effectRef>
+          <a:fontRef idx="minor">
+            <a:schemeClr val="dk1"/>
+          </a:fontRef>
+        </p:style>
+        <p:txBody>
+          <a:bodyPr rtlCol="0" anchor="ctr"/>
+          <a:lstStyle/>
+          <a:p>
+            <a:pPr algn="ctr"/>
+            <a:r>
+              <a:rPr lang="en-PH" sz="1200" b="1" dirty="0" err="1"/>
+              <a:t>JFrame</a:t>
+            </a:r>
+            <a:endParaRPr lang="en-PH" sz="1200" b="1" dirty="0"/>
+          </a:p>
+        </p:txBody>
+      </p:sp>
+      <p:sp>
+        <p:nvSpPr>
+          <p:cNvPr id="29" name="Rectangle 28">
+            <a:extLst>
+              <a:ext uri="{FF2B5EF4-FFF2-40B4-BE49-F238E27FC236}">
+                <a16:creationId xmlns:a16="http://schemas.microsoft.com/office/drawing/2014/main" id="{BEA404B8-B8A3-96FD-811C-54C83E910E16}"/>
+              </a:ext>
+            </a:extLst>
+          </p:cNvPr>
+          <p:cNvSpPr/>
+          <p:nvPr/>
+        </p:nvSpPr>
+        <p:spPr>
+          <a:xfrm>
+            <a:off x="5686044" y="5302314"/>
+            <a:ext cx="819912" cy="502920"/>
+          </a:xfrm>
+          <a:prstGeom prst="rect">
+            <a:avLst/>
+          </a:prstGeom>
+        </p:spPr>
+        <p:style>
+          <a:lnRef idx="2">
+            <a:schemeClr val="dk1"/>
+          </a:lnRef>
+          <a:fillRef idx="1">
+            <a:schemeClr val="lt1"/>
+          </a:fillRef>
+          <a:effectRef idx="0">
+            <a:schemeClr val="dk1"/>
+          </a:effectRef>
+          <a:fontRef idx="minor">
+            <a:schemeClr val="dk1"/>
+          </a:fontRef>
+        </p:style>
+        <p:txBody>
+          <a:bodyPr rtlCol="0" anchor="ctr"/>
+          <a:lstStyle/>
+          <a:p>
+            <a:pPr algn="ctr"/>
+            <a:r>
+              <a:rPr lang="en-PH" sz="1200" b="1" dirty="0" err="1"/>
+              <a:t>JApplet</a:t>
+            </a:r>
+            <a:endParaRPr lang="en-PH" sz="1200" b="1" dirty="0"/>
+          </a:p>
+        </p:txBody>
+      </p:sp>
+      <p:cxnSp>
+        <p:nvCxnSpPr>
+          <p:cNvPr id="31" name="Straight Arrow Connector 30">
+            <a:extLst>
+              <a:ext uri="{FF2B5EF4-FFF2-40B4-BE49-F238E27FC236}">
+                <a16:creationId xmlns:a16="http://schemas.microsoft.com/office/drawing/2014/main" id="{C3454188-A79D-BF2E-DA0E-E559441DDCF9}"/>
+              </a:ext>
+            </a:extLst>
+          </p:cNvPr>
+          <p:cNvCxnSpPr>
+            <a:stCxn id="10" idx="0"/>
+            <a:endCxn id="3" idx="2"/>
+          </p:cNvCxnSpPr>
+          <p:nvPr/>
+        </p:nvCxnSpPr>
+        <p:spPr>
+          <a:xfrm flipV="1">
+            <a:off x="6096000" y="841248"/>
+            <a:ext cx="0" cy="329618"/>
+          </a:xfrm>
+          <a:prstGeom prst="straightConnector1">
+            <a:avLst/>
+          </a:prstGeom>
+          <a:ln>
+            <a:tailEnd type="triangle"/>
+          </a:ln>
+        </p:spPr>
+        <p:style>
+          <a:lnRef idx="3">
+            <a:schemeClr val="dk1"/>
+          </a:lnRef>
+          <a:fillRef idx="0">
+            <a:schemeClr val="dk1"/>
+          </a:fillRef>
+          <a:effectRef idx="2">
+            <a:schemeClr val="dk1"/>
+          </a:effectRef>
+          <a:fontRef idx="minor">
+            <a:schemeClr val="tx1"/>
+          </a:fontRef>
+        </p:style>
+      </p:cxnSp>
+      <p:cxnSp>
+        <p:nvCxnSpPr>
+          <p:cNvPr id="33" name="Connector: Elbow 32">
+            <a:extLst>
+              <a:ext uri="{FF2B5EF4-FFF2-40B4-BE49-F238E27FC236}">
+                <a16:creationId xmlns:a16="http://schemas.microsoft.com/office/drawing/2014/main" id="{91AB645D-1FB6-6C29-DAC1-37296762539C}"/>
+              </a:ext>
+            </a:extLst>
+          </p:cNvPr>
+          <p:cNvCxnSpPr>
+            <a:stCxn id="13" idx="0"/>
+            <a:endCxn id="10" idx="2"/>
+          </p:cNvCxnSpPr>
+          <p:nvPr/>
+        </p:nvCxnSpPr>
+        <p:spPr>
+          <a:xfrm rot="5400000" flipH="1" flipV="1">
+            <a:off x="5266944" y="1234874"/>
+            <a:ext cx="390144" cy="1267968"/>
+          </a:xfrm>
+          <a:prstGeom prst="bentConnector3">
+            <a:avLst/>
+          </a:prstGeom>
+          <a:ln>
+            <a:tailEnd type="triangle"/>
+          </a:ln>
+        </p:spPr>
+        <p:style>
+          <a:lnRef idx="3">
+            <a:schemeClr val="dk1"/>
+          </a:lnRef>
+          <a:fillRef idx="0">
+            <a:schemeClr val="dk1"/>
+          </a:fillRef>
+          <a:effectRef idx="2">
+            <a:schemeClr val="dk1"/>
+          </a:effectRef>
+          <a:fontRef idx="minor">
+            <a:schemeClr val="tx1"/>
+          </a:fontRef>
+        </p:style>
+      </p:cxnSp>
+      <p:cxnSp>
+        <p:nvCxnSpPr>
+          <p:cNvPr id="35" name="Connector: Elbow 34">
+            <a:extLst>
+              <a:ext uri="{FF2B5EF4-FFF2-40B4-BE49-F238E27FC236}">
+                <a16:creationId xmlns:a16="http://schemas.microsoft.com/office/drawing/2014/main" id="{5578F1E2-1D7F-6CCF-B871-61421E6C923A}"/>
+              </a:ext>
+            </a:extLst>
+          </p:cNvPr>
+          <p:cNvCxnSpPr>
+            <a:stCxn id="12" idx="0"/>
+          </p:cNvCxnSpPr>
+          <p:nvPr/>
+        </p:nvCxnSpPr>
+        <p:spPr>
+          <a:xfrm rot="16200000" flipV="1">
+            <a:off x="6728079" y="1236779"/>
+            <a:ext cx="195072" cy="1459230"/>
+          </a:xfrm>
+          <a:prstGeom prst="bentConnector2">
+            <a:avLst/>
+          </a:prstGeom>
+        </p:spPr>
+        <p:style>
+          <a:lnRef idx="3">
+            <a:schemeClr val="dk1"/>
+          </a:lnRef>
+          <a:fillRef idx="0">
+            <a:schemeClr val="dk1"/>
+          </a:fillRef>
+          <a:effectRef idx="2">
+            <a:schemeClr val="dk1"/>
+          </a:effectRef>
+          <a:fontRef idx="minor">
+            <a:schemeClr val="tx1"/>
+          </a:fontRef>
+        </p:style>
+      </p:cxnSp>
+      <p:cxnSp>
+        <p:nvCxnSpPr>
+          <p:cNvPr id="36" name="Connector: Elbow 35">
+            <a:extLst>
+              <a:ext uri="{FF2B5EF4-FFF2-40B4-BE49-F238E27FC236}">
+                <a16:creationId xmlns:a16="http://schemas.microsoft.com/office/drawing/2014/main" id="{A2C2D463-A694-CFD1-77E1-76A0364C4CF8}"/>
+              </a:ext>
+            </a:extLst>
+          </p:cNvPr>
+          <p:cNvCxnSpPr>
+            <a:cxnSpLocks/>
+            <a:stCxn id="14" idx="0"/>
+            <a:endCxn id="13" idx="2"/>
+          </p:cNvCxnSpPr>
+          <p:nvPr/>
+        </p:nvCxnSpPr>
+        <p:spPr>
+          <a:xfrm rot="5400000" flipH="1" flipV="1">
+            <a:off x="3594679" y="2078083"/>
+            <a:ext cx="744586" cy="1722120"/>
+          </a:xfrm>
+          <a:prstGeom prst="bentConnector3">
+            <a:avLst/>
+          </a:prstGeom>
+          <a:ln>
+            <a:tailEnd type="triangle"/>
+          </a:ln>
+        </p:spPr>
+        <p:style>
+          <a:lnRef idx="3">
+            <a:schemeClr val="dk1"/>
+          </a:lnRef>
+          <a:fillRef idx="0">
+            <a:schemeClr val="dk1"/>
+          </a:fillRef>
+          <a:effectRef idx="2">
+            <a:schemeClr val="dk1"/>
+          </a:effectRef>
+          <a:fontRef idx="minor">
+            <a:schemeClr val="tx1"/>
+          </a:fontRef>
+        </p:style>
+      </p:cxnSp>
+      <p:cxnSp>
+        <p:nvCxnSpPr>
+          <p:cNvPr id="39" name="Connector: Elbow 38">
+            <a:extLst>
+              <a:ext uri="{FF2B5EF4-FFF2-40B4-BE49-F238E27FC236}">
+                <a16:creationId xmlns:a16="http://schemas.microsoft.com/office/drawing/2014/main" id="{46260F0F-DEBD-BE5C-C9A1-B9319BB208BA}"/>
+              </a:ext>
+            </a:extLst>
+          </p:cNvPr>
+          <p:cNvCxnSpPr>
+            <a:cxnSpLocks/>
+            <a:stCxn id="15" idx="0"/>
+          </p:cNvCxnSpPr>
+          <p:nvPr/>
+        </p:nvCxnSpPr>
+        <p:spPr>
+          <a:xfrm rot="16200000" flipV="1">
+            <a:off x="5275378" y="2490814"/>
+            <a:ext cx="373277" cy="1267968"/>
+          </a:xfrm>
+          <a:prstGeom prst="bentConnector2">
+            <a:avLst/>
+          </a:prstGeom>
+        </p:spPr>
+        <p:style>
+          <a:lnRef idx="3">
+            <a:schemeClr val="dk1"/>
+          </a:lnRef>
+          <a:fillRef idx="0">
+            <a:schemeClr val="dk1"/>
+          </a:fillRef>
+          <a:effectRef idx="2">
+            <a:schemeClr val="dk1"/>
+          </a:effectRef>
+          <a:fontRef idx="minor">
+            <a:schemeClr val="tx1"/>
+          </a:fontRef>
+        </p:style>
+      </p:cxnSp>
+      <p:cxnSp>
+        <p:nvCxnSpPr>
+          <p:cNvPr id="43" name="Straight Arrow Connector 42">
+            <a:extLst>
+              <a:ext uri="{FF2B5EF4-FFF2-40B4-BE49-F238E27FC236}">
+                <a16:creationId xmlns:a16="http://schemas.microsoft.com/office/drawing/2014/main" id="{76EDCB66-32B3-8C7E-32B5-6CE4C31A59CD}"/>
+              </a:ext>
+            </a:extLst>
+          </p:cNvPr>
+          <p:cNvCxnSpPr>
+            <a:cxnSpLocks/>
+            <a:stCxn id="18" idx="0"/>
+            <a:endCxn id="15" idx="2"/>
+          </p:cNvCxnSpPr>
+          <p:nvPr/>
+        </p:nvCxnSpPr>
+        <p:spPr>
+          <a:xfrm flipV="1">
+            <a:off x="6096000" y="3814356"/>
+            <a:ext cx="0" cy="484136"/>
+          </a:xfrm>
+          <a:prstGeom prst="straightConnector1">
+            <a:avLst/>
+          </a:prstGeom>
+          <a:ln>
+            <a:tailEnd type="triangle"/>
+          </a:ln>
+        </p:spPr>
+        <p:style>
+          <a:lnRef idx="3">
+            <a:schemeClr val="dk1"/>
+          </a:lnRef>
+          <a:fillRef idx="0">
+            <a:schemeClr val="dk1"/>
+          </a:fillRef>
+          <a:effectRef idx="2">
+            <a:schemeClr val="dk1"/>
+          </a:effectRef>
+          <a:fontRef idx="minor">
+            <a:schemeClr val="tx1"/>
+          </a:fontRef>
+        </p:style>
+      </p:cxnSp>
+      <p:cxnSp>
+        <p:nvCxnSpPr>
+          <p:cNvPr id="46" name="Straight Arrow Connector 45">
+            <a:extLst>
+              <a:ext uri="{FF2B5EF4-FFF2-40B4-BE49-F238E27FC236}">
+                <a16:creationId xmlns:a16="http://schemas.microsoft.com/office/drawing/2014/main" id="{B07C4384-84A7-46DC-DA82-6DA412282EF4}"/>
+              </a:ext>
+            </a:extLst>
+          </p:cNvPr>
+          <p:cNvCxnSpPr>
+            <a:cxnSpLocks/>
+            <a:stCxn id="29" idx="0"/>
+            <a:endCxn id="18" idx="2"/>
+          </p:cNvCxnSpPr>
+          <p:nvPr/>
+        </p:nvCxnSpPr>
+        <p:spPr>
+          <a:xfrm flipV="1">
+            <a:off x="6096000" y="4801412"/>
+            <a:ext cx="0" cy="500902"/>
+          </a:xfrm>
+          <a:prstGeom prst="straightConnector1">
+            <a:avLst/>
+          </a:prstGeom>
+          <a:ln>
+            <a:tailEnd type="triangle"/>
+          </a:ln>
+        </p:spPr>
+        <p:style>
+          <a:lnRef idx="3">
+            <a:schemeClr val="dk1"/>
+          </a:lnRef>
+          <a:fillRef idx="0">
+            <a:schemeClr val="dk1"/>
+          </a:fillRef>
+          <a:effectRef idx="2">
+            <a:schemeClr val="dk1"/>
+          </a:effectRef>
+          <a:fontRef idx="minor">
+            <a:schemeClr val="tx1"/>
+          </a:fontRef>
+        </p:style>
+      </p:cxnSp>
+      <p:cxnSp>
+        <p:nvCxnSpPr>
+          <p:cNvPr id="50" name="Connector: Elbow 49">
+            <a:extLst>
+              <a:ext uri="{FF2B5EF4-FFF2-40B4-BE49-F238E27FC236}">
+                <a16:creationId xmlns:a16="http://schemas.microsoft.com/office/drawing/2014/main" id="{7A049915-4082-CB6C-60DA-236784A36A02}"/>
+              </a:ext>
+            </a:extLst>
+          </p:cNvPr>
+          <p:cNvCxnSpPr>
+            <a:cxnSpLocks/>
+            <a:stCxn id="16" idx="0"/>
+            <a:endCxn id="14" idx="2"/>
+          </p:cNvCxnSpPr>
+          <p:nvPr/>
+        </p:nvCxnSpPr>
+        <p:spPr>
+          <a:xfrm rot="5400000" flipH="1" flipV="1">
+            <a:off x="2366229" y="3734127"/>
+            <a:ext cx="659454" cy="819912"/>
+          </a:xfrm>
+          <a:prstGeom prst="bentConnector3">
+            <a:avLst/>
+          </a:prstGeom>
+          <a:ln>
+            <a:tailEnd type="triangle"/>
+          </a:ln>
+        </p:spPr>
+        <p:style>
+          <a:lnRef idx="3">
+            <a:schemeClr val="dk1"/>
+          </a:lnRef>
+          <a:fillRef idx="0">
+            <a:schemeClr val="dk1"/>
+          </a:fillRef>
+          <a:effectRef idx="2">
+            <a:schemeClr val="dk1"/>
+          </a:effectRef>
+          <a:fontRef idx="minor">
+            <a:schemeClr val="tx1"/>
+          </a:fontRef>
+        </p:style>
+      </p:cxnSp>
+      <p:cxnSp>
+        <p:nvCxnSpPr>
+          <p:cNvPr id="53" name="Connector: Elbow 52">
+            <a:extLst>
+              <a:ext uri="{FF2B5EF4-FFF2-40B4-BE49-F238E27FC236}">
+                <a16:creationId xmlns:a16="http://schemas.microsoft.com/office/drawing/2014/main" id="{9D169488-73BA-8142-AB8D-77C2992E0132}"/>
+              </a:ext>
+            </a:extLst>
+          </p:cNvPr>
+          <p:cNvCxnSpPr>
+            <a:cxnSpLocks/>
+            <a:stCxn id="17" idx="0"/>
+          </p:cNvCxnSpPr>
+          <p:nvPr/>
+        </p:nvCxnSpPr>
+        <p:spPr>
+          <a:xfrm rot="16200000" flipV="1">
+            <a:off x="3328144" y="3921850"/>
+            <a:ext cx="329728" cy="774192"/>
+          </a:xfrm>
+          <a:prstGeom prst="bentConnector2">
+            <a:avLst/>
+          </a:prstGeom>
+        </p:spPr>
+        <p:style>
+          <a:lnRef idx="3">
+            <a:schemeClr val="dk1"/>
+          </a:lnRef>
+          <a:fillRef idx="0">
+            <a:schemeClr val="dk1"/>
+          </a:fillRef>
+          <a:effectRef idx="2">
+            <a:schemeClr val="dk1"/>
+          </a:effectRef>
+          <a:fontRef idx="minor">
+            <a:schemeClr val="tx1"/>
+          </a:fontRef>
+        </p:style>
+      </p:cxnSp>
+      <p:cxnSp>
+        <p:nvCxnSpPr>
+          <p:cNvPr id="56" name="Straight Arrow Connector 55">
+            <a:extLst>
+              <a:ext uri="{FF2B5EF4-FFF2-40B4-BE49-F238E27FC236}">
+                <a16:creationId xmlns:a16="http://schemas.microsoft.com/office/drawing/2014/main" id="{8050A870-2E37-6963-592E-56410DA2D18F}"/>
+              </a:ext>
+            </a:extLst>
+          </p:cNvPr>
+          <p:cNvCxnSpPr>
+            <a:cxnSpLocks/>
+            <a:stCxn id="28" idx="0"/>
+            <a:endCxn id="16" idx="2"/>
+          </p:cNvCxnSpPr>
+          <p:nvPr/>
+        </p:nvCxnSpPr>
+        <p:spPr>
+          <a:xfrm flipV="1">
+            <a:off x="2286000" y="4976730"/>
+            <a:ext cx="0" cy="261483"/>
+          </a:xfrm>
+          <a:prstGeom prst="straightConnector1">
+            <a:avLst/>
+          </a:prstGeom>
+          <a:ln>
+            <a:tailEnd type="triangle"/>
+          </a:ln>
+        </p:spPr>
+        <p:style>
+          <a:lnRef idx="3">
+            <a:schemeClr val="dk1"/>
+          </a:lnRef>
+          <a:fillRef idx="0">
+            <a:schemeClr val="dk1"/>
+          </a:fillRef>
+          <a:effectRef idx="2">
+            <a:schemeClr val="dk1"/>
+          </a:effectRef>
+          <a:fontRef idx="minor">
+            <a:schemeClr val="tx1"/>
+          </a:fontRef>
+        </p:style>
+      </p:cxnSp>
+      <p:cxnSp>
+        <p:nvCxnSpPr>
+          <p:cNvPr id="62" name="Connector: Elbow 61">
+            <a:extLst>
+              <a:ext uri="{FF2B5EF4-FFF2-40B4-BE49-F238E27FC236}">
+                <a16:creationId xmlns:a16="http://schemas.microsoft.com/office/drawing/2014/main" id="{C117563A-3F31-80C0-99DF-F36480F084BD}"/>
+              </a:ext>
+            </a:extLst>
+          </p:cNvPr>
+          <p:cNvCxnSpPr>
+            <a:cxnSpLocks/>
+            <a:stCxn id="27" idx="1"/>
+            <a:endCxn id="25" idx="1"/>
+          </p:cNvCxnSpPr>
+          <p:nvPr/>
+        </p:nvCxnSpPr>
+        <p:spPr>
+          <a:xfrm rot="10800000" flipV="1">
+            <a:off x="9383268" y="829424"/>
+            <a:ext cx="12700" cy="3788207"/>
+          </a:xfrm>
+          <a:prstGeom prst="bentConnector3">
+            <a:avLst>
+              <a:gd name="adj1" fmla="val 5350685"/>
+            </a:avLst>
+          </a:prstGeom>
+        </p:spPr>
+        <p:style>
+          <a:lnRef idx="3">
+            <a:schemeClr val="dk1"/>
+          </a:lnRef>
+          <a:fillRef idx="0">
+            <a:schemeClr val="dk1"/>
+          </a:fillRef>
+          <a:effectRef idx="2">
+            <a:schemeClr val="dk1"/>
+          </a:effectRef>
+          <a:fontRef idx="minor">
+            <a:schemeClr val="tx1"/>
+          </a:fontRef>
+        </p:style>
+      </p:cxnSp>
+      <p:cxnSp>
+        <p:nvCxnSpPr>
+          <p:cNvPr id="65" name="Straight Connector 64">
+            <a:extLst>
+              <a:ext uri="{FF2B5EF4-FFF2-40B4-BE49-F238E27FC236}">
+                <a16:creationId xmlns:a16="http://schemas.microsoft.com/office/drawing/2014/main" id="{D9215082-24F6-AA39-578A-AC02D8E6F51F}"/>
+              </a:ext>
+            </a:extLst>
+          </p:cNvPr>
+          <p:cNvCxnSpPr>
+            <a:cxnSpLocks/>
+            <a:stCxn id="19" idx="1"/>
+          </p:cNvCxnSpPr>
+          <p:nvPr/>
+        </p:nvCxnSpPr>
+        <p:spPr>
+          <a:xfrm flipH="1">
+            <a:off x="8711852" y="1422326"/>
+            <a:ext cx="671416" cy="0"/>
+          </a:xfrm>
+          <a:prstGeom prst="line">
+            <a:avLst/>
+          </a:prstGeom>
+        </p:spPr>
+        <p:style>
+          <a:lnRef idx="3">
+            <a:schemeClr val="dk1"/>
+          </a:lnRef>
+          <a:fillRef idx="0">
+            <a:schemeClr val="dk1"/>
+          </a:fillRef>
+          <a:effectRef idx="2">
+            <a:schemeClr val="dk1"/>
+          </a:effectRef>
+          <a:fontRef idx="minor">
+            <a:schemeClr val="tx1"/>
+          </a:fontRef>
+        </p:style>
+      </p:cxnSp>
+      <p:cxnSp>
+        <p:nvCxnSpPr>
+          <p:cNvPr id="67" name="Straight Connector 66">
+            <a:extLst>
+              <a:ext uri="{FF2B5EF4-FFF2-40B4-BE49-F238E27FC236}">
+                <a16:creationId xmlns:a16="http://schemas.microsoft.com/office/drawing/2014/main" id="{EDCD297C-8281-FF40-7B89-AA12A55A7070}"/>
+              </a:ext>
+            </a:extLst>
+          </p:cNvPr>
+          <p:cNvCxnSpPr>
+            <a:cxnSpLocks/>
+            <a:stCxn id="20" idx="1"/>
+          </p:cNvCxnSpPr>
+          <p:nvPr/>
+        </p:nvCxnSpPr>
+        <p:spPr>
+          <a:xfrm flipH="1">
+            <a:off x="8711852" y="2088101"/>
+            <a:ext cx="671416" cy="0"/>
+          </a:xfrm>
+          <a:prstGeom prst="line">
+            <a:avLst/>
+          </a:prstGeom>
+        </p:spPr>
+        <p:style>
+          <a:lnRef idx="3">
+            <a:schemeClr val="dk1"/>
+          </a:lnRef>
+          <a:fillRef idx="0">
+            <a:schemeClr val="dk1"/>
+          </a:fillRef>
+          <a:effectRef idx="2">
+            <a:schemeClr val="dk1"/>
+          </a:effectRef>
+          <a:fontRef idx="minor">
+            <a:schemeClr val="tx1"/>
+          </a:fontRef>
+        </p:style>
+      </p:cxnSp>
+      <p:cxnSp>
+        <p:nvCxnSpPr>
+          <p:cNvPr id="70" name="Straight Connector 69">
+            <a:extLst>
+              <a:ext uri="{FF2B5EF4-FFF2-40B4-BE49-F238E27FC236}">
+                <a16:creationId xmlns:a16="http://schemas.microsoft.com/office/drawing/2014/main" id="{03343F69-4DBD-8557-C3B8-73ACC93FFA9F}"/>
+              </a:ext>
+            </a:extLst>
+          </p:cNvPr>
+          <p:cNvCxnSpPr>
+            <a:cxnSpLocks/>
+            <a:stCxn id="21" idx="1"/>
+          </p:cNvCxnSpPr>
+          <p:nvPr/>
+        </p:nvCxnSpPr>
+        <p:spPr>
+          <a:xfrm flipH="1" flipV="1">
+            <a:off x="8711852" y="2746616"/>
+            <a:ext cx="671416" cy="7260"/>
+          </a:xfrm>
+          <a:prstGeom prst="line">
+            <a:avLst/>
+          </a:prstGeom>
+        </p:spPr>
+        <p:style>
+          <a:lnRef idx="3">
+            <a:schemeClr val="dk1"/>
+          </a:lnRef>
+          <a:fillRef idx="0">
+            <a:schemeClr val="dk1"/>
+          </a:fillRef>
+          <a:effectRef idx="2">
+            <a:schemeClr val="dk1"/>
+          </a:effectRef>
+          <a:fontRef idx="minor">
+            <a:schemeClr val="tx1"/>
+          </a:fontRef>
+        </p:style>
+      </p:cxnSp>
+      <p:cxnSp>
+        <p:nvCxnSpPr>
+          <p:cNvPr id="73" name="Straight Connector 72">
+            <a:extLst>
+              <a:ext uri="{FF2B5EF4-FFF2-40B4-BE49-F238E27FC236}">
+                <a16:creationId xmlns:a16="http://schemas.microsoft.com/office/drawing/2014/main" id="{59107A97-5BD5-D33E-4624-E5AF1FCABFE7}"/>
+              </a:ext>
+            </a:extLst>
+          </p:cNvPr>
+          <p:cNvCxnSpPr>
+            <a:cxnSpLocks/>
+            <a:stCxn id="23" idx="1"/>
+          </p:cNvCxnSpPr>
+          <p:nvPr/>
+        </p:nvCxnSpPr>
+        <p:spPr>
+          <a:xfrm flipH="1">
+            <a:off x="8711852" y="3403744"/>
+            <a:ext cx="671416" cy="2326"/>
+          </a:xfrm>
+          <a:prstGeom prst="line">
+            <a:avLst/>
+          </a:prstGeom>
+        </p:spPr>
+        <p:style>
+          <a:lnRef idx="3">
+            <a:schemeClr val="dk1"/>
+          </a:lnRef>
+          <a:fillRef idx="0">
+            <a:schemeClr val="dk1"/>
+          </a:fillRef>
+          <a:effectRef idx="2">
+            <a:schemeClr val="dk1"/>
+          </a:effectRef>
+          <a:fontRef idx="minor">
+            <a:schemeClr val="tx1"/>
+          </a:fontRef>
+        </p:style>
+      </p:cxnSp>
+      <p:cxnSp>
+        <p:nvCxnSpPr>
+          <p:cNvPr id="76" name="Straight Connector 75">
+            <a:extLst>
+              <a:ext uri="{FF2B5EF4-FFF2-40B4-BE49-F238E27FC236}">
+                <a16:creationId xmlns:a16="http://schemas.microsoft.com/office/drawing/2014/main" id="{4C416B34-CF0F-D6A7-0E82-54D123F23EF7}"/>
+              </a:ext>
+            </a:extLst>
+          </p:cNvPr>
+          <p:cNvCxnSpPr>
+            <a:cxnSpLocks/>
+            <a:stCxn id="24" idx="1"/>
+          </p:cNvCxnSpPr>
+          <p:nvPr/>
+        </p:nvCxnSpPr>
+        <p:spPr>
+          <a:xfrm flipH="1">
+            <a:off x="8721852" y="4024731"/>
+            <a:ext cx="661416" cy="0"/>
+          </a:xfrm>
+          <a:prstGeom prst="line">
+            <a:avLst/>
+          </a:prstGeom>
+        </p:spPr>
+        <p:style>
+          <a:lnRef idx="3">
+            <a:schemeClr val="dk1"/>
+          </a:lnRef>
+          <a:fillRef idx="0">
+            <a:schemeClr val="dk1"/>
+          </a:fillRef>
+          <a:effectRef idx="2">
+            <a:schemeClr val="dk1"/>
+          </a:effectRef>
+          <a:fontRef idx="minor">
+            <a:schemeClr val="tx1"/>
+          </a:fontRef>
+        </p:style>
+      </p:cxnSp>
+      <p:cxnSp>
+        <p:nvCxnSpPr>
+          <p:cNvPr id="83" name="Connector: Elbow 82">
+            <a:extLst>
+              <a:ext uri="{FF2B5EF4-FFF2-40B4-BE49-F238E27FC236}">
+                <a16:creationId xmlns:a16="http://schemas.microsoft.com/office/drawing/2014/main" id="{861271BD-AABA-7678-457C-939CAB58B6F6}"/>
+              </a:ext>
+            </a:extLst>
+          </p:cNvPr>
+          <p:cNvCxnSpPr>
+            <a:endCxn id="12" idx="2"/>
+          </p:cNvCxnSpPr>
+          <p:nvPr/>
+        </p:nvCxnSpPr>
+        <p:spPr>
+          <a:xfrm rot="10800000">
+            <a:off x="7555230" y="2566851"/>
+            <a:ext cx="1166622" cy="466969"/>
+          </a:xfrm>
+          <a:prstGeom prst="bentConnector2">
+            <a:avLst/>
+          </a:prstGeom>
+        </p:spPr>
+        <p:style>
+          <a:lnRef idx="3">
+            <a:schemeClr val="dk1"/>
+          </a:lnRef>
+          <a:fillRef idx="0">
+            <a:schemeClr val="dk1"/>
+          </a:fillRef>
+          <a:effectRef idx="2">
+            <a:schemeClr val="dk1"/>
+          </a:effectRef>
+          <a:fontRef idx="minor">
+            <a:schemeClr val="tx1"/>
+          </a:fontRef>
+        </p:style>
+      </p:cxnSp>
+      <p:cxnSp>
+        <p:nvCxnSpPr>
+          <p:cNvPr id="87" name="Straight Connector 86">
+            <a:extLst>
+              <a:ext uri="{FF2B5EF4-FFF2-40B4-BE49-F238E27FC236}">
+                <a16:creationId xmlns:a16="http://schemas.microsoft.com/office/drawing/2014/main" id="{7C5F7EC5-367A-B657-F1C8-0A1F3062542E}"/>
+              </a:ext>
+            </a:extLst>
+          </p:cNvPr>
+          <p:cNvCxnSpPr>
+            <a:cxnSpLocks/>
+            <a:stCxn id="26" idx="0"/>
+            <a:endCxn id="25" idx="2"/>
+          </p:cNvCxnSpPr>
+          <p:nvPr/>
+        </p:nvCxnSpPr>
+        <p:spPr>
+          <a:xfrm flipV="1">
+            <a:off x="9893046" y="4869092"/>
+            <a:ext cx="0" cy="312369"/>
+          </a:xfrm>
+          <a:prstGeom prst="line">
+            <a:avLst/>
+          </a:prstGeom>
+        </p:spPr>
+        <p:style>
+          <a:lnRef idx="3">
+            <a:schemeClr val="dk1"/>
+          </a:lnRef>
+          <a:fillRef idx="0">
+            <a:schemeClr val="dk1"/>
+          </a:fillRef>
+          <a:effectRef idx="2">
+            <a:schemeClr val="dk1"/>
+          </a:effectRef>
+          <a:fontRef idx="minor">
+            <a:schemeClr val="tx1"/>
+          </a:fontRef>
+        </p:style>
+      </p:cxnSp>
+      <p:sp>
+        <p:nvSpPr>
+          <p:cNvPr id="90" name="TextBox 89">
+            <a:extLst>
+              <a:ext uri="{FF2B5EF4-FFF2-40B4-BE49-F238E27FC236}">
+                <a16:creationId xmlns:a16="http://schemas.microsoft.com/office/drawing/2014/main" id="{9625D330-E044-7DDC-BCC1-68959B923325}"/>
+              </a:ext>
+            </a:extLst>
+          </p:cNvPr>
+          <p:cNvSpPr txBox="1"/>
+          <p:nvPr/>
+        </p:nvSpPr>
+        <p:spPr>
+          <a:xfrm>
+            <a:off x="694022" y="843986"/>
+            <a:ext cx="2680569" cy="369332"/>
+          </a:xfrm>
+          <a:prstGeom prst="rect">
+            <a:avLst/>
+          </a:prstGeom>
+          <a:noFill/>
+        </p:spPr>
+        <p:txBody>
+          <a:bodyPr wrap="square" rtlCol="0">
+            <a:spAutoFit/>
+          </a:bodyPr>
+          <a:lstStyle/>
+          <a:p>
+            <a:r>
+              <a:rPr lang="en-PH" b="1" dirty="0"/>
+              <a:t>Java Swing Class Hierarchy</a:t>
+            </a:r>
+          </a:p>
+        </p:txBody>
+      </p:sp>
+    </p:spTree>
+    <p:extLst>
+      <p:ext uri="{BB962C8B-B14F-4D97-AF65-F5344CB8AC3E}">
+        <p14:creationId xmlns:p14="http://schemas.microsoft.com/office/powerpoint/2010/main" val="2620987358"/>
+      </p:ext>
+    </p:extLst>
+  </p:cSld>
+  <p:clrMapOvr>
+    <a:masterClrMapping/>
+  </p:clrMapOvr>
+</p:sld>
+</file>
+
+<file path=ppt/slides/slide5.xml><?xml version="1.0" encoding="utf-8"?>
+<p:sld xmlns:a="http://schemas.openxmlformats.org/drawingml/2006/main" xmlns:r="http://schemas.openxmlformats.org/officeDocument/2006/relationships" xmlns:p="http://schemas.openxmlformats.org/presentationml/2006/main">
+  <p:cSld>
+    <p:bg>
+      <p:bgPr>
+        <a:blipFill dpi="0" rotWithShape="1">
+          <a:blip r:embed="rId3">
+            <a:alphaModFix amt="99000"/>
+            <a:lum/>
+          </a:blip>
+          <a:srcRect/>
+          <a:stretch>
+            <a:fillRect t="89000" r="85000" b="-1000"/>
+          </a:stretch>
+        </a:blipFill>
+        <a:effectLst/>
+      </p:bgPr>
+    </p:bg>
+    <p:spTree>
+      <p:nvGrpSpPr>
+        <p:cNvPr id="1" name=""/>
+        <p:cNvGrpSpPr/>
+        <p:nvPr/>
+      </p:nvGrpSpPr>
+      <p:grpSpPr>
+        <a:xfrm>
+          <a:off x="0" y="0"/>
+          <a:ext cx="0" cy="0"/>
+          <a:chOff x="0" y="0"/>
+          <a:chExt cx="0" cy="0"/>
+        </a:xfrm>
+      </p:grpSpPr>
+      <p:sp>
+        <p:nvSpPr>
+          <p:cNvPr id="2" name="Title 1">
+            <a:extLst>
+              <a:ext uri="{FF2B5EF4-FFF2-40B4-BE49-F238E27FC236}">
+                <a16:creationId xmlns:a16="http://schemas.microsoft.com/office/drawing/2014/main" id="{6A3DCE86-C2BA-4713-9E7A-73589E8D6CCF}"/>
+              </a:ext>
+            </a:extLst>
+          </p:cNvPr>
+          <p:cNvSpPr>
+            <a:spLocks noGrp="1"/>
+          </p:cNvSpPr>
+          <p:nvPr>
+            <p:ph type="ctrTitle"/>
+          </p:nvPr>
+        </p:nvSpPr>
+        <p:spPr>
+          <a:xfrm>
+            <a:off x="1524000" y="497150"/>
+            <a:ext cx="9144000" cy="718459"/>
+          </a:xfrm>
+        </p:spPr>
+        <p:txBody>
+          <a:bodyPr>
+            <a:noAutofit/>
+          </a:bodyPr>
+          <a:lstStyle/>
+          <a:p>
+            <a:r>
+              <a:rPr lang="en-PH" sz="4800" b="1" dirty="0"/>
+              <a:t>Containers and Components</a:t>
+            </a:r>
+          </a:p>
+        </p:txBody>
+      </p:sp>
+      <p:sp>
+        <p:nvSpPr>
+          <p:cNvPr id="4" name="Footer Placeholder 3">
+            <a:extLst>
+              <a:ext uri="{FF2B5EF4-FFF2-40B4-BE49-F238E27FC236}">
+                <a16:creationId xmlns:a16="http://schemas.microsoft.com/office/drawing/2014/main" id="{638E7DE1-45EE-476A-A474-0F3C264AEDA3}"/>
+              </a:ext>
+            </a:extLst>
+          </p:cNvPr>
+          <p:cNvSpPr>
+            <a:spLocks noGrp="1"/>
+          </p:cNvSpPr>
+          <p:nvPr>
+            <p:ph type="ftr" sz="quarter" idx="11"/>
+          </p:nvPr>
+        </p:nvSpPr>
+        <p:spPr>
+          <a:xfrm>
+            <a:off x="0" y="6139541"/>
+            <a:ext cx="12192000" cy="718459"/>
+          </a:xfrm>
+          <a:ln w="28575">
+            <a:solidFill>
+              <a:schemeClr val="accent5">
+                <a:lumMod val="50000"/>
+              </a:schemeClr>
+            </a:solidFill>
+          </a:ln>
+        </p:spPr>
+        <p:txBody>
+          <a:bodyPr/>
+          <a:lstStyle/>
+          <a:p>
+            <a:pPr algn="r"/>
+            <a:r>
+              <a:rPr lang="en-PH" b="1">
+                <a:solidFill>
+                  <a:schemeClr val="tx1"/>
+                </a:solidFill>
+              </a:rPr>
+              <a:t>CCPRGG2L</a:t>
+            </a:r>
+            <a:endParaRPr lang="en-PH" dirty="0"/>
+          </a:p>
+        </p:txBody>
+      </p:sp>
+      <p:pic>
+        <p:nvPicPr>
+          <p:cNvPr id="6" name="Picture 5" descr="Graphical user interface, application, Word&#10;&#10;Description automatically generated">
+            <a:extLst>
+              <a:ext uri="{FF2B5EF4-FFF2-40B4-BE49-F238E27FC236}">
+                <a16:creationId xmlns:a16="http://schemas.microsoft.com/office/drawing/2014/main" id="{0AC89840-120B-701A-B314-68210231E9E7}"/>
+              </a:ext>
+            </a:extLst>
+          </p:cNvPr>
+          <p:cNvPicPr>
+            <a:picLocks noChangeAspect="1"/>
+          </p:cNvPicPr>
+          <p:nvPr/>
+        </p:nvPicPr>
+        <p:blipFill>
+          <a:blip r:embed="rId4">
+            <a:extLst>
+              <a:ext uri="{28A0092B-C50C-407E-A947-70E740481C1C}">
+                <a14:useLocalDpi xmlns:a14="http://schemas.microsoft.com/office/drawing/2010/main" val="0"/>
+              </a:ext>
+            </a:extLst>
+          </a:blip>
+          <a:stretch>
+            <a:fillRect/>
+          </a:stretch>
+        </p:blipFill>
+        <p:spPr>
+          <a:xfrm>
+            <a:off x="2022093" y="2141950"/>
+            <a:ext cx="8147814" cy="2326090"/>
+          </a:xfrm>
+          <a:prstGeom prst="rect">
+            <a:avLst/>
+          </a:prstGeom>
+        </p:spPr>
+      </p:pic>
+    </p:spTree>
+    <p:extLst>
+      <p:ext uri="{BB962C8B-B14F-4D97-AF65-F5344CB8AC3E}">
+        <p14:creationId xmlns:p14="http://schemas.microsoft.com/office/powerpoint/2010/main" val="334541832"/>
+      </p:ext>
+    </p:extLst>
+  </p:cSld>
+  <p:clrMapOvr>
+    <a:masterClrMapping/>
+  </p:clrMapOvr>
+</p:sld>
+</file>
+
+<file path=ppt/slides/slide6.xml><?xml version="1.0" encoding="utf-8"?>
+<p:sld xmlns:a="http://schemas.openxmlformats.org/drawingml/2006/main" xmlns:r="http://schemas.openxmlformats.org/officeDocument/2006/relationships" xmlns:p="http://schemas.openxmlformats.org/presentationml/2006/main">
+  <p:cSld>
+    <p:bg>
+      <p:bgPr>
+        <a:blipFill dpi="0" rotWithShape="1">
+          <a:blip r:embed="rId3">
+            <a:alphaModFix amt="99000"/>
+            <a:lum/>
+          </a:blip>
+          <a:srcRect/>
+          <a:stretch>
+            <a:fillRect t="89000" r="85000" b="-1000"/>
+          </a:stretch>
+        </a:blipFill>
+        <a:effectLst/>
+      </p:bgPr>
+    </p:bg>
+    <p:spTree>
+      <p:nvGrpSpPr>
+        <p:cNvPr id="1" name=""/>
+        <p:cNvGrpSpPr/>
+        <p:nvPr/>
+      </p:nvGrpSpPr>
+      <p:grpSpPr>
+        <a:xfrm>
+          <a:off x="0" y="0"/>
+          <a:ext cx="0" cy="0"/>
+          <a:chOff x="0" y="0"/>
+          <a:chExt cx="0" cy="0"/>
+        </a:xfrm>
+      </p:grpSpPr>
+      <p:sp>
+        <p:nvSpPr>
+          <p:cNvPr id="2" name="Title 1">
+            <a:extLst>
+              <a:ext uri="{FF2B5EF4-FFF2-40B4-BE49-F238E27FC236}">
+                <a16:creationId xmlns:a16="http://schemas.microsoft.com/office/drawing/2014/main" id="{6A3DCE86-C2BA-4713-9E7A-73589E8D6CCF}"/>
+              </a:ext>
+            </a:extLst>
+          </p:cNvPr>
+          <p:cNvSpPr>
+            <a:spLocks noGrp="1"/>
+          </p:cNvSpPr>
+          <p:nvPr>
+            <p:ph type="ctrTitle"/>
+          </p:nvPr>
+        </p:nvSpPr>
+        <p:spPr>
+          <a:xfrm>
+            <a:off x="1524000" y="497150"/>
+            <a:ext cx="9144000" cy="718459"/>
+          </a:xfrm>
+        </p:spPr>
+        <p:txBody>
+          <a:bodyPr>
+            <a:normAutofit fontScale="90000"/>
+          </a:bodyPr>
+          <a:lstStyle/>
+          <a:p>
+            <a:r>
+              <a:rPr lang="en-PH" b="1" dirty="0" err="1"/>
+              <a:t>JFrame</a:t>
+            </a:r>
+            <a:endParaRPr lang="en-PH" b="1" dirty="0"/>
+          </a:p>
+        </p:txBody>
+      </p:sp>
+      <p:sp>
+        <p:nvSpPr>
+          <p:cNvPr id="4" name="Footer Placeholder 3">
+            <a:extLst>
+              <a:ext uri="{FF2B5EF4-FFF2-40B4-BE49-F238E27FC236}">
+                <a16:creationId xmlns:a16="http://schemas.microsoft.com/office/drawing/2014/main" id="{638E7DE1-45EE-476A-A474-0F3C264AEDA3}"/>
+              </a:ext>
+            </a:extLst>
+          </p:cNvPr>
+          <p:cNvSpPr>
+            <a:spLocks noGrp="1"/>
+          </p:cNvSpPr>
+          <p:nvPr>
+            <p:ph type="ftr" sz="quarter" idx="11"/>
+          </p:nvPr>
+        </p:nvSpPr>
+        <p:spPr>
+          <a:xfrm>
+            <a:off x="0" y="6139541"/>
+            <a:ext cx="12192000" cy="718459"/>
+          </a:xfrm>
+          <a:ln w="28575">
+            <a:solidFill>
+              <a:schemeClr val="accent5">
+                <a:lumMod val="50000"/>
+              </a:schemeClr>
+            </a:solidFill>
+          </a:ln>
+        </p:spPr>
+        <p:txBody>
+          <a:bodyPr/>
+          <a:lstStyle/>
+          <a:p>
+            <a:pPr algn="r"/>
+            <a:r>
+              <a:rPr lang="en-PH" b="1" dirty="0">
+                <a:solidFill>
+                  <a:schemeClr val="tx1"/>
+                </a:solidFill>
+              </a:rPr>
+              <a:t>CCPRGG2L</a:t>
+            </a:r>
+            <a:endParaRPr lang="en-PH" dirty="0"/>
+          </a:p>
+        </p:txBody>
+      </p:sp>
+      <p:sp>
+        <p:nvSpPr>
+          <p:cNvPr id="5" name="TextBox 4">
+            <a:extLst>
+              <a:ext uri="{FF2B5EF4-FFF2-40B4-BE49-F238E27FC236}">
+                <a16:creationId xmlns:a16="http://schemas.microsoft.com/office/drawing/2014/main" id="{ED3F40B5-67A7-B164-22A6-B9B3B49F64FF}"/>
+              </a:ext>
+            </a:extLst>
+          </p:cNvPr>
+          <p:cNvSpPr txBox="1"/>
+          <p:nvPr/>
+        </p:nvSpPr>
+        <p:spPr>
+          <a:xfrm>
+            <a:off x="1523999" y="1793174"/>
+            <a:ext cx="9143999" cy="3170099"/>
+          </a:xfrm>
+          <a:prstGeom prst="rect">
+            <a:avLst/>
+          </a:prstGeom>
+          <a:noFill/>
+        </p:spPr>
+        <p:txBody>
+          <a:bodyPr wrap="square" rtlCol="0">
+            <a:spAutoFit/>
+          </a:bodyPr>
+          <a:lstStyle/>
+          <a:p>
+            <a:pPr marL="457200" indent="-457200">
+              <a:buFont typeface="Wingdings" panose="05000000000000000000" pitchFamily="2" charset="2"/>
+              <a:buChar char="q"/>
+            </a:pPr>
+            <a:r>
+              <a:rPr lang="en-US" sz="2500" dirty="0" err="1"/>
+              <a:t>JFrame</a:t>
+            </a:r>
+            <a:r>
+              <a:rPr lang="en-US" sz="2500" dirty="0"/>
+              <a:t> is a top-level container that provides a window on the screen. </a:t>
+            </a:r>
+          </a:p>
+          <a:p>
+            <a:pPr marL="457200" indent="-457200">
+              <a:buFont typeface="Wingdings" panose="05000000000000000000" pitchFamily="2" charset="2"/>
+              <a:buChar char="q"/>
+            </a:pPr>
+            <a:endParaRPr lang="en-US" sz="2500" dirty="0"/>
+          </a:p>
+          <a:p>
+            <a:pPr marL="457200" indent="-457200">
+              <a:buFont typeface="Wingdings" panose="05000000000000000000" pitchFamily="2" charset="2"/>
+              <a:buChar char="q"/>
+            </a:pPr>
+            <a:r>
+              <a:rPr lang="en-US" sz="2500" dirty="0"/>
+              <a:t>A frame is actually a base window on which other components rely, namely the menu bar, panels, labels, text fields, buttons, etc.</a:t>
+            </a:r>
+          </a:p>
+          <a:p>
+            <a:pPr marL="457200" indent="-457200">
+              <a:buFont typeface="Wingdings" panose="05000000000000000000" pitchFamily="2" charset="2"/>
+              <a:buChar char="q"/>
+            </a:pPr>
+            <a:endParaRPr lang="en-US" sz="2500" dirty="0"/>
+          </a:p>
+          <a:p>
+            <a:pPr marL="457200" indent="-457200">
+              <a:buFont typeface="Wingdings" panose="05000000000000000000" pitchFamily="2" charset="2"/>
+              <a:buChar char="q"/>
+            </a:pPr>
+            <a:r>
+              <a:rPr lang="en-US" sz="2500" dirty="0"/>
+              <a:t>Almost every other Swing application starts with the </a:t>
+            </a:r>
+            <a:r>
+              <a:rPr lang="en-US" sz="2500" dirty="0" err="1"/>
+              <a:t>JFrame</a:t>
+            </a:r>
+            <a:r>
+              <a:rPr lang="en-US" sz="2500" dirty="0"/>
+              <a:t> window.</a:t>
+            </a:r>
+            <a:endParaRPr lang="en-PH" sz="2500" dirty="0"/>
+          </a:p>
+        </p:txBody>
+      </p:sp>
+    </p:spTree>
+    <p:extLst>
+      <p:ext uri="{BB962C8B-B14F-4D97-AF65-F5344CB8AC3E}">
+        <p14:creationId xmlns:p14="http://schemas.microsoft.com/office/powerpoint/2010/main" val="2871357179"/>
+      </p:ext>
+    </p:extLst>
+  </p:cSld>
+  <p:clrMapOvr>
+    <a:masterClrMapping/>
+  </p:clrMapOvr>
+</p:sld>
+</file>
+
+<file path=ppt/slides/slide7.xml><?xml version="1.0" encoding="utf-8"?>
+<p:sld xmlns:a="http://schemas.openxmlformats.org/drawingml/2006/main" xmlns:r="http://schemas.openxmlformats.org/officeDocument/2006/relationships" xmlns:p="http://schemas.openxmlformats.org/presentationml/2006/main">
+  <p:cSld>
+    <p:bg>
+      <p:bgPr>
+        <a:blipFill dpi="0" rotWithShape="1">
+          <a:blip r:embed="rId3">
+            <a:alphaModFix amt="99000"/>
+            <a:lum/>
+          </a:blip>
+          <a:srcRect/>
+          <a:stretch>
+            <a:fillRect t="89000" r="85000" b="-1000"/>
+          </a:stretch>
+        </a:blipFill>
+        <a:effectLst/>
+      </p:bgPr>
+    </p:bg>
+    <p:spTree>
+      <p:nvGrpSpPr>
+        <p:cNvPr id="1" name=""/>
+        <p:cNvGrpSpPr/>
+        <p:nvPr/>
+      </p:nvGrpSpPr>
+      <p:grpSpPr>
+        <a:xfrm>
+          <a:off x="0" y="0"/>
+          <a:ext cx="0" cy="0"/>
+          <a:chOff x="0" y="0"/>
+          <a:chExt cx="0" cy="0"/>
+        </a:xfrm>
+      </p:grpSpPr>
+      <p:sp>
+        <p:nvSpPr>
+          <p:cNvPr id="2" name="Title 1">
+            <a:extLst>
+              <a:ext uri="{FF2B5EF4-FFF2-40B4-BE49-F238E27FC236}">
+                <a16:creationId xmlns:a16="http://schemas.microsoft.com/office/drawing/2014/main" id="{6A3DCE86-C2BA-4713-9E7A-73589E8D6CCF}"/>
+              </a:ext>
+            </a:extLst>
+          </p:cNvPr>
+          <p:cNvSpPr>
+            <a:spLocks noGrp="1"/>
+          </p:cNvSpPr>
+          <p:nvPr>
+            <p:ph type="ctrTitle"/>
+          </p:nvPr>
+        </p:nvSpPr>
+        <p:spPr>
+          <a:xfrm>
+            <a:off x="1524000" y="497150"/>
+            <a:ext cx="9144000" cy="718459"/>
+          </a:xfrm>
+        </p:spPr>
+        <p:txBody>
+          <a:bodyPr>
+            <a:normAutofit fontScale="90000"/>
+          </a:bodyPr>
+          <a:lstStyle/>
+          <a:p>
+            <a:r>
+              <a:rPr lang="en-PH" b="1" dirty="0" err="1"/>
+              <a:t>JPanel</a:t>
+            </a:r>
+            <a:endParaRPr lang="en-PH" b="1" dirty="0"/>
+          </a:p>
+        </p:txBody>
+      </p:sp>
+      <p:sp>
+        <p:nvSpPr>
+          <p:cNvPr id="4" name="Footer Placeholder 3">
+            <a:extLst>
+              <a:ext uri="{FF2B5EF4-FFF2-40B4-BE49-F238E27FC236}">
+                <a16:creationId xmlns:a16="http://schemas.microsoft.com/office/drawing/2014/main" id="{638E7DE1-45EE-476A-A474-0F3C264AEDA3}"/>
+              </a:ext>
+            </a:extLst>
+          </p:cNvPr>
+          <p:cNvSpPr>
+            <a:spLocks noGrp="1"/>
+          </p:cNvSpPr>
+          <p:nvPr>
+            <p:ph type="ftr" sz="quarter" idx="11"/>
+          </p:nvPr>
+        </p:nvSpPr>
+        <p:spPr>
+          <a:xfrm>
+            <a:off x="0" y="6139541"/>
+            <a:ext cx="12192000" cy="718459"/>
+          </a:xfrm>
+          <a:ln w="28575">
+            <a:solidFill>
+              <a:schemeClr val="accent5">
+                <a:lumMod val="50000"/>
+              </a:schemeClr>
+            </a:solidFill>
+          </a:ln>
+        </p:spPr>
+        <p:txBody>
+          <a:bodyPr/>
+          <a:lstStyle/>
+          <a:p>
+            <a:pPr algn="r"/>
+            <a:r>
+              <a:rPr lang="en-PH" b="1" dirty="0">
+                <a:solidFill>
+                  <a:schemeClr val="tx1"/>
+                </a:solidFill>
+              </a:rPr>
+              <a:t>CCPRGG2L</a:t>
+            </a:r>
+            <a:endParaRPr lang="en-PH" dirty="0"/>
+          </a:p>
+        </p:txBody>
+      </p:sp>
+      <p:sp>
+        <p:nvSpPr>
+          <p:cNvPr id="5" name="TextBox 4">
+            <a:extLst>
+              <a:ext uri="{FF2B5EF4-FFF2-40B4-BE49-F238E27FC236}">
+                <a16:creationId xmlns:a16="http://schemas.microsoft.com/office/drawing/2014/main" id="{ED3F40B5-67A7-B164-22A6-B9B3B49F64FF}"/>
+              </a:ext>
+            </a:extLst>
+          </p:cNvPr>
+          <p:cNvSpPr txBox="1"/>
+          <p:nvPr/>
+        </p:nvSpPr>
+        <p:spPr>
+          <a:xfrm>
+            <a:off x="1523999" y="1793174"/>
+            <a:ext cx="9143999" cy="2400657"/>
+          </a:xfrm>
+          <a:prstGeom prst="rect">
+            <a:avLst/>
+          </a:prstGeom>
+          <a:noFill/>
+        </p:spPr>
+        <p:txBody>
+          <a:bodyPr wrap="square" rtlCol="0">
+            <a:spAutoFit/>
+          </a:bodyPr>
+          <a:lstStyle/>
+          <a:p>
+            <a:pPr marL="457200" indent="-457200">
+              <a:buFont typeface="Wingdings" panose="05000000000000000000" pitchFamily="2" charset="2"/>
+              <a:buChar char="q"/>
+            </a:pPr>
+            <a:r>
+              <a:rPr lang="en-US" sz="2500" b="0" i="0" dirty="0" err="1">
+                <a:solidFill>
+                  <a:srgbClr val="273239"/>
+                </a:solidFill>
+                <a:effectLst/>
+                <a:latin typeface="Calibri (Body)"/>
+              </a:rPr>
+              <a:t>JPanel</a:t>
+            </a:r>
+            <a:r>
+              <a:rPr lang="en-US" sz="2500" dirty="0">
+                <a:solidFill>
+                  <a:srgbClr val="273239"/>
+                </a:solidFill>
+                <a:latin typeface="Calibri (Body)"/>
+              </a:rPr>
+              <a:t> </a:t>
+            </a:r>
+            <a:r>
+              <a:rPr lang="en-US" sz="2500" b="0" i="0" dirty="0">
+                <a:solidFill>
+                  <a:srgbClr val="273239"/>
+                </a:solidFill>
+                <a:effectLst/>
+                <a:latin typeface="Calibri (Body)"/>
+              </a:rPr>
+              <a:t>is a container that can store a group of components. </a:t>
+            </a:r>
+          </a:p>
+          <a:p>
+            <a:pPr marL="457200" indent="-457200">
+              <a:buFont typeface="Wingdings" panose="05000000000000000000" pitchFamily="2" charset="2"/>
+              <a:buChar char="q"/>
+            </a:pPr>
+            <a:endParaRPr lang="en-US" sz="2500" b="0" i="0" dirty="0">
+              <a:solidFill>
+                <a:srgbClr val="273239"/>
+              </a:solidFill>
+              <a:effectLst/>
+              <a:latin typeface="Calibri (Body)"/>
+            </a:endParaRPr>
+          </a:p>
+          <a:p>
+            <a:pPr marL="457200" indent="-457200">
+              <a:buFont typeface="Wingdings" panose="05000000000000000000" pitchFamily="2" charset="2"/>
+              <a:buChar char="q"/>
+            </a:pPr>
+            <a:r>
+              <a:rPr lang="en-US" sz="2500" b="0" i="0" dirty="0">
+                <a:solidFill>
+                  <a:srgbClr val="273239"/>
+                </a:solidFill>
+                <a:effectLst/>
+                <a:latin typeface="Calibri (Body)"/>
+              </a:rPr>
+              <a:t>The main task of </a:t>
+            </a:r>
+            <a:r>
+              <a:rPr lang="en-US" sz="2500" b="0" i="0" dirty="0" err="1">
+                <a:solidFill>
+                  <a:srgbClr val="273239"/>
+                </a:solidFill>
+                <a:effectLst/>
+                <a:latin typeface="Calibri (Body)"/>
+              </a:rPr>
+              <a:t>JPanel</a:t>
+            </a:r>
+            <a:r>
+              <a:rPr lang="en-US" sz="2500" b="0" i="0" dirty="0">
+                <a:solidFill>
+                  <a:srgbClr val="273239"/>
+                </a:solidFill>
+                <a:effectLst/>
+                <a:latin typeface="Calibri (Body)"/>
+              </a:rPr>
+              <a:t> is to organize or </a:t>
+            </a:r>
+            <a:r>
+              <a:rPr lang="en-US" sz="2500" dirty="0">
+                <a:solidFill>
+                  <a:srgbClr val="273239"/>
+                </a:solidFill>
+                <a:latin typeface="Calibri (Body)"/>
+              </a:rPr>
+              <a:t>partition </a:t>
+            </a:r>
+            <a:r>
+              <a:rPr lang="en-US" sz="2500" b="0" i="0" dirty="0">
+                <a:solidFill>
+                  <a:srgbClr val="273239"/>
+                </a:solidFill>
+                <a:effectLst/>
+                <a:latin typeface="Calibri (Body)"/>
+              </a:rPr>
+              <a:t>components.</a:t>
+            </a:r>
+          </a:p>
+          <a:p>
+            <a:pPr marL="457200" indent="-457200">
+              <a:buFont typeface="Wingdings" panose="05000000000000000000" pitchFamily="2" charset="2"/>
+              <a:buChar char="q"/>
+            </a:pPr>
+            <a:endParaRPr lang="en-US" sz="2500" dirty="0">
+              <a:solidFill>
+                <a:srgbClr val="273239"/>
+              </a:solidFill>
+              <a:latin typeface="Calibri (Body)"/>
+            </a:endParaRPr>
+          </a:p>
+          <a:p>
+            <a:pPr marL="457200" indent="-457200">
+              <a:buFont typeface="Wingdings" panose="05000000000000000000" pitchFamily="2" charset="2"/>
+              <a:buChar char="q"/>
+            </a:pPr>
+            <a:r>
+              <a:rPr lang="en-US" sz="2500" dirty="0">
+                <a:solidFill>
+                  <a:srgbClr val="273239"/>
+                </a:solidFill>
+                <a:latin typeface="Calibri (Body)"/>
+              </a:rPr>
+              <a:t>V</a:t>
+            </a:r>
+            <a:r>
+              <a:rPr lang="en-US" sz="2500" b="0" i="0" dirty="0">
+                <a:solidFill>
+                  <a:srgbClr val="273239"/>
+                </a:solidFill>
+                <a:effectLst/>
+                <a:latin typeface="Calibri (Body)"/>
+              </a:rPr>
+              <a:t>arious layouts can be set in </a:t>
+            </a:r>
+            <a:r>
+              <a:rPr lang="en-US" sz="2500" b="0" i="0" dirty="0" err="1">
+                <a:solidFill>
+                  <a:srgbClr val="273239"/>
+                </a:solidFill>
+                <a:effectLst/>
+                <a:latin typeface="Calibri (Body)"/>
+              </a:rPr>
+              <a:t>JPanel</a:t>
+            </a:r>
+            <a:r>
+              <a:rPr lang="en-US" sz="2500" b="0" i="0" dirty="0">
+                <a:solidFill>
+                  <a:srgbClr val="273239"/>
+                </a:solidFill>
+                <a:effectLst/>
+                <a:latin typeface="Calibri (Body)"/>
+              </a:rPr>
+              <a:t> which provide better organization of components.</a:t>
+            </a:r>
+            <a:endParaRPr lang="en-PH" sz="2500" dirty="0">
+              <a:latin typeface="Calibri (Body)"/>
+            </a:endParaRPr>
+          </a:p>
+        </p:txBody>
+      </p:sp>
+    </p:spTree>
+    <p:extLst>
+      <p:ext uri="{BB962C8B-B14F-4D97-AF65-F5344CB8AC3E}">
+        <p14:creationId xmlns:p14="http://schemas.microsoft.com/office/powerpoint/2010/main" val="3476321444"/>
+      </p:ext>
+    </p:extLst>
+  </p:cSld>
+  <p:clrMapOvr>
+    <a:masterClrMapping/>
+  </p:clrMapOvr>
+</p:sld>
+</file>
+
+<file path=ppt/slides/slide8.xml><?xml version="1.0" encoding="utf-8"?>
+<p:sld xmlns:a="http://schemas.openxmlformats.org/drawingml/2006/main" xmlns:r="http://schemas.openxmlformats.org/officeDocument/2006/relationships" xmlns:p="http://schemas.openxmlformats.org/presentationml/2006/main">
+  <p:cSld>
+    <p:bg>
+      <p:bgPr>
+        <a:blipFill dpi="0" rotWithShape="1">
+          <a:blip r:embed="rId3">
+            <a:alphaModFix amt="99000"/>
+            <a:lum/>
+          </a:blip>
+          <a:srcRect/>
+          <a:stretch>
+            <a:fillRect t="89000" r="85000" b="-1000"/>
+          </a:stretch>
+        </a:blipFill>
+        <a:effectLst/>
+      </p:bgPr>
+    </p:bg>
+    <p:spTree>
+      <p:nvGrpSpPr>
+        <p:cNvPr id="1" name=""/>
+        <p:cNvGrpSpPr/>
+        <p:nvPr/>
+      </p:nvGrpSpPr>
+      <p:grpSpPr>
+        <a:xfrm>
+          <a:off x="0" y="0"/>
+          <a:ext cx="0" cy="0"/>
+          <a:chOff x="0" y="0"/>
+          <a:chExt cx="0" cy="0"/>
+        </a:xfrm>
+      </p:grpSpPr>
+      <p:sp>
+        <p:nvSpPr>
+          <p:cNvPr id="2" name="Title 1">
+            <a:extLst>
+              <a:ext uri="{FF2B5EF4-FFF2-40B4-BE49-F238E27FC236}">
+                <a16:creationId xmlns:a16="http://schemas.microsoft.com/office/drawing/2014/main" id="{6A3DCE86-C2BA-4713-9E7A-73589E8D6CCF}"/>
+              </a:ext>
+            </a:extLst>
+          </p:cNvPr>
+          <p:cNvSpPr>
+            <a:spLocks noGrp="1"/>
+          </p:cNvSpPr>
+          <p:nvPr>
+            <p:ph type="ctrTitle"/>
+          </p:nvPr>
+        </p:nvSpPr>
+        <p:spPr>
+          <a:xfrm>
+            <a:off x="1524000" y="497150"/>
+            <a:ext cx="9144000" cy="718459"/>
+          </a:xfrm>
+        </p:spPr>
+        <p:txBody>
+          <a:bodyPr>
+            <a:normAutofit fontScale="90000"/>
+          </a:bodyPr>
+          <a:lstStyle/>
+          <a:p>
+            <a:r>
+              <a:rPr lang="en-PH" b="1" dirty="0"/>
+              <a:t>Components</a:t>
+            </a:r>
+          </a:p>
+        </p:txBody>
+      </p:sp>
+      <p:sp>
+        <p:nvSpPr>
+          <p:cNvPr id="4" name="Footer Placeholder 3">
+            <a:extLst>
+              <a:ext uri="{FF2B5EF4-FFF2-40B4-BE49-F238E27FC236}">
+                <a16:creationId xmlns:a16="http://schemas.microsoft.com/office/drawing/2014/main" id="{638E7DE1-45EE-476A-A474-0F3C264AEDA3}"/>
+              </a:ext>
+            </a:extLst>
+          </p:cNvPr>
+          <p:cNvSpPr>
+            <a:spLocks noGrp="1"/>
+          </p:cNvSpPr>
+          <p:nvPr>
+            <p:ph type="ftr" sz="quarter" idx="11"/>
+          </p:nvPr>
+        </p:nvSpPr>
+        <p:spPr>
+          <a:xfrm>
+            <a:off x="0" y="6139541"/>
+            <a:ext cx="12192000" cy="718459"/>
+          </a:xfrm>
+          <a:ln w="28575">
+            <a:solidFill>
+              <a:schemeClr val="accent5">
+                <a:lumMod val="50000"/>
+              </a:schemeClr>
+            </a:solidFill>
+          </a:ln>
+        </p:spPr>
+        <p:txBody>
+          <a:bodyPr/>
+          <a:lstStyle/>
+          <a:p>
+            <a:pPr algn="r"/>
+            <a:r>
+              <a:rPr lang="en-PH" b="1" dirty="0">
+                <a:solidFill>
+                  <a:schemeClr val="tx1"/>
+                </a:solidFill>
+              </a:rPr>
+              <a:t>CCPRGG2L</a:t>
+            </a:r>
+            <a:endParaRPr lang="en-PH" dirty="0"/>
+          </a:p>
+        </p:txBody>
+      </p:sp>
+      <p:sp>
+        <p:nvSpPr>
+          <p:cNvPr id="5" name="TextBox 4">
+            <a:extLst>
+              <a:ext uri="{FF2B5EF4-FFF2-40B4-BE49-F238E27FC236}">
+                <a16:creationId xmlns:a16="http://schemas.microsoft.com/office/drawing/2014/main" id="{ED3F40B5-67A7-B164-22A6-B9B3B49F64FF}"/>
+              </a:ext>
+            </a:extLst>
+          </p:cNvPr>
+          <p:cNvSpPr txBox="1"/>
+          <p:nvPr/>
+        </p:nvSpPr>
+        <p:spPr>
+          <a:xfrm>
+            <a:off x="1523999" y="1793174"/>
+            <a:ext cx="9143999" cy="1246495"/>
+          </a:xfrm>
+          <a:prstGeom prst="rect">
+            <a:avLst/>
+          </a:prstGeom>
+          <a:noFill/>
+        </p:spPr>
+        <p:txBody>
+          <a:bodyPr wrap="square" rtlCol="0">
+            <a:spAutoFit/>
+          </a:bodyPr>
+          <a:lstStyle/>
+          <a:p>
+            <a:pPr marL="457200" indent="-457200">
+              <a:buFont typeface="Wingdings" panose="05000000000000000000" pitchFamily="2" charset="2"/>
+              <a:buChar char="q"/>
+            </a:pPr>
+            <a:r>
+              <a:rPr lang="en-US" sz="2500" b="0" i="0" dirty="0">
+                <a:solidFill>
+                  <a:srgbClr val="273239"/>
+                </a:solidFill>
+                <a:effectLst/>
+                <a:latin typeface="Calibri (Body)"/>
+              </a:rPr>
+              <a:t>Components are objects that make up a frame.</a:t>
+            </a:r>
+          </a:p>
+          <a:p>
+            <a:pPr marL="457200" indent="-457200">
+              <a:buFont typeface="Wingdings" panose="05000000000000000000" pitchFamily="2" charset="2"/>
+              <a:buChar char="q"/>
+            </a:pPr>
+            <a:endParaRPr lang="en-US" sz="2500" dirty="0">
+              <a:solidFill>
+                <a:srgbClr val="273239"/>
+              </a:solidFill>
+              <a:latin typeface="Calibri (Body)"/>
+            </a:endParaRPr>
+          </a:p>
+          <a:p>
+            <a:pPr marL="457200" indent="-457200">
+              <a:buFont typeface="Wingdings" panose="05000000000000000000" pitchFamily="2" charset="2"/>
+              <a:buChar char="q"/>
+            </a:pPr>
+            <a:r>
+              <a:rPr lang="en-US" sz="2500" dirty="0">
+                <a:solidFill>
+                  <a:srgbClr val="273239"/>
+                </a:solidFill>
+                <a:latin typeface="Calibri (Body)"/>
+              </a:rPr>
+              <a:t>These include buttons, </a:t>
+            </a:r>
+            <a:r>
+              <a:rPr lang="en-US" sz="2500" dirty="0" err="1">
+                <a:solidFill>
+                  <a:srgbClr val="273239"/>
+                </a:solidFill>
+                <a:latin typeface="Calibri (Body)"/>
+              </a:rPr>
+              <a:t>textfields</a:t>
+            </a:r>
+            <a:r>
+              <a:rPr lang="en-US" sz="2500" dirty="0">
+                <a:solidFill>
+                  <a:srgbClr val="273239"/>
+                </a:solidFill>
+                <a:latin typeface="Calibri (Body)"/>
+              </a:rPr>
+              <a:t>, dropdown lists.</a:t>
+            </a:r>
+            <a:endParaRPr lang="en-PH" sz="2500" dirty="0">
+              <a:latin typeface="Calibri (Body)"/>
+            </a:endParaRPr>
+          </a:p>
+        </p:txBody>
+      </p:sp>
+    </p:spTree>
+    <p:extLst>
+      <p:ext uri="{BB962C8B-B14F-4D97-AF65-F5344CB8AC3E}">
+        <p14:creationId xmlns:p14="http://schemas.microsoft.com/office/powerpoint/2010/main" val="3493914455"/>
+      </p:ext>
+    </p:extLst>
+  </p:cSld>
+  <p:clrMapOvr>
+    <a:masterClrMapping/>
+  </p:clrMapOvr>
+</p:sld>
+</file>
+
+<file path=ppt/slides/slide9.xml><?xml version="1.0" encoding="utf-8"?>
+<p:sld xmlns:a="http://schemas.openxmlformats.org/drawingml/2006/main" xmlns:r="http://schemas.openxmlformats.org/officeDocument/2006/relationships" xmlns:p="http://schemas.openxmlformats.org/presentationml/2006/main">
+  <p:cSld>
+    <p:bg>
+      <p:bgPr>
+        <a:blipFill dpi="0" rotWithShape="1">
+          <a:blip r:embed="rId3">
+            <a:alphaModFix amt="99000"/>
+            <a:lum/>
+          </a:blip>
+          <a:srcRect/>
+          <a:stretch>
+            <a:fillRect t="89000" r="85000" b="-1000"/>
+          </a:stretch>
+        </a:blipFill>
+        <a:effectLst/>
+      </p:bgPr>
+    </p:bg>
+    <p:spTree>
+      <p:nvGrpSpPr>
+        <p:cNvPr id="1" name=""/>
+        <p:cNvGrpSpPr/>
+        <p:nvPr/>
+      </p:nvGrpSpPr>
+      <p:grpSpPr>
+        <a:xfrm>
+          <a:off x="0" y="0"/>
+          <a:ext cx="0" cy="0"/>
+          <a:chOff x="0" y="0"/>
+          <a:chExt cx="0" cy="0"/>
+        </a:xfrm>
+      </p:grpSpPr>
+      <p:sp>
+        <p:nvSpPr>
+          <p:cNvPr id="2" name="Title 1">
+            <a:extLst>
+              <a:ext uri="{FF2B5EF4-FFF2-40B4-BE49-F238E27FC236}">
+                <a16:creationId xmlns:a16="http://schemas.microsoft.com/office/drawing/2014/main" id="{6A3DCE86-C2BA-4713-9E7A-73589E8D6CCF}"/>
+              </a:ext>
+            </a:extLst>
+          </p:cNvPr>
+          <p:cNvSpPr>
+            <a:spLocks noGrp="1"/>
+          </p:cNvSpPr>
+          <p:nvPr>
+            <p:ph type="ctrTitle"/>
+          </p:nvPr>
+        </p:nvSpPr>
+        <p:spPr>
+          <a:xfrm>
+            <a:off x="1524000" y="497150"/>
+            <a:ext cx="9144000" cy="718459"/>
+          </a:xfrm>
+        </p:spPr>
+        <p:txBody>
+          <a:bodyPr>
+            <a:normAutofit fontScale="90000"/>
+          </a:bodyPr>
+          <a:lstStyle/>
+          <a:p>
+            <a:r>
+              <a:rPr lang="en-PH" b="1" dirty="0"/>
+              <a:t>Commonly used methods</a:t>
+            </a:r>
+          </a:p>
+        </p:txBody>
+      </p:sp>
+      <p:sp>
+        <p:nvSpPr>
+          <p:cNvPr id="4" name="Footer Placeholder 3">
+            <a:extLst>
+              <a:ext uri="{FF2B5EF4-FFF2-40B4-BE49-F238E27FC236}">
+                <a16:creationId xmlns:a16="http://schemas.microsoft.com/office/drawing/2014/main" id="{638E7DE1-45EE-476A-A474-0F3C264AEDA3}"/>
+              </a:ext>
+            </a:extLst>
+          </p:cNvPr>
+          <p:cNvSpPr>
+            <a:spLocks noGrp="1"/>
+          </p:cNvSpPr>
+          <p:nvPr>
+            <p:ph type="ftr" sz="quarter" idx="11"/>
+          </p:nvPr>
+        </p:nvSpPr>
+        <p:spPr>
+          <a:xfrm>
+            <a:off x="0" y="6139541"/>
+            <a:ext cx="12192000" cy="718459"/>
+          </a:xfrm>
+          <a:ln w="28575">
+            <a:solidFill>
+              <a:schemeClr val="accent5">
+                <a:lumMod val="50000"/>
+              </a:schemeClr>
+            </a:solidFill>
+          </a:ln>
+        </p:spPr>
+        <p:txBody>
+          <a:bodyPr/>
+          <a:lstStyle/>
+          <a:p>
+            <a:pPr algn="r"/>
+            <a:r>
+              <a:rPr lang="en-PH" b="1">
+                <a:solidFill>
+                  <a:schemeClr val="tx1"/>
+                </a:solidFill>
+              </a:rPr>
+              <a:t>CCPRGG2L</a:t>
+            </a:r>
+            <a:endParaRPr lang="en-PH" dirty="0"/>
+          </a:p>
+        </p:txBody>
+      </p:sp>
+      <p:graphicFrame>
+        <p:nvGraphicFramePr>
+          <p:cNvPr id="3" name="Table 5">
+            <a:extLst>
+              <a:ext uri="{FF2B5EF4-FFF2-40B4-BE49-F238E27FC236}">
+                <a16:creationId xmlns:a16="http://schemas.microsoft.com/office/drawing/2014/main" id="{1CE7A144-41E8-20DD-E9BF-148E5F0B7A2C}"/>
+              </a:ext>
+            </a:extLst>
+          </p:cNvPr>
+          <p:cNvGraphicFramePr>
+            <a:graphicFrameLocks noGrp="1"/>
+          </p:cNvGraphicFramePr>
+          <p:nvPr>
+            <p:extLst>
+              <p:ext uri="{D42A27DB-BD31-4B8C-83A1-F6EECF244321}">
+                <p14:modId xmlns:p14="http://schemas.microsoft.com/office/powerpoint/2010/main" val="3180346918"/>
+              </p:ext>
+            </p:extLst>
+          </p:nvPr>
+        </p:nvGraphicFramePr>
+        <p:xfrm>
+          <a:off x="2032000" y="2153896"/>
+          <a:ext cx="8128000" cy="2123440"/>
+        </p:xfrm>
+        <a:graphic>
+          <a:graphicData uri="http://schemas.openxmlformats.org/drawingml/2006/table">
+            <a:tbl>
+              <a:tblPr firstRow="1" bandRow="1">
+                <a:tableStyleId>{5940675A-B579-460E-94D1-54222C63F5DA}</a:tableStyleId>
+              </a:tblPr>
+              <a:tblGrid>
+                <a:gridCol w="4064000">
+                  <a:extLst>
+                    <a:ext uri="{9D8B030D-6E8A-4147-A177-3AD203B41FA5}">
+                      <a16:colId xmlns:a16="http://schemas.microsoft.com/office/drawing/2014/main" val="3062017860"/>
+                    </a:ext>
+                  </a:extLst>
+                </a:gridCol>
+                <a:gridCol w="4064000">
+                  <a:extLst>
+                    <a:ext uri="{9D8B030D-6E8A-4147-A177-3AD203B41FA5}">
+                      <a16:colId xmlns:a16="http://schemas.microsoft.com/office/drawing/2014/main" val="2342180640"/>
+                    </a:ext>
+                  </a:extLst>
+                </a:gridCol>
+              </a:tblGrid>
+              <a:tr h="370840">
+                <a:tc>
+                  <a:txBody>
+                    <a:bodyPr/>
+                    <a:lstStyle/>
+                    <a:p>
+                      <a:pPr algn="ctr"/>
+                      <a:r>
+                        <a:rPr lang="en-PH" b="1" dirty="0"/>
+                        <a:t>Method</a:t>
+                      </a:r>
+                    </a:p>
+                  </a:txBody>
+                  <a:tcPr/>
+                </a:tc>
+                <a:tc>
+                  <a:txBody>
+                    <a:bodyPr/>
+                    <a:lstStyle/>
+                    <a:p>
+                      <a:pPr algn="ctr"/>
+                      <a:r>
+                        <a:rPr lang="en-PH" b="1" dirty="0"/>
+                        <a:t>Description</a:t>
+                      </a:r>
+                    </a:p>
+                  </a:txBody>
+                  <a:tcPr/>
+                </a:tc>
+                <a:extLst>
+                  <a:ext uri="{0D108BD9-81ED-4DB2-BD59-A6C34878D82A}">
+                    <a16:rowId xmlns:a16="http://schemas.microsoft.com/office/drawing/2014/main" val="2808739567"/>
+                  </a:ext>
+                </a:extLst>
+              </a:tr>
+              <a:tr h="370840">
+                <a:tc>
+                  <a:txBody>
+                    <a:bodyPr/>
+                    <a:lstStyle/>
+                    <a:p>
+                      <a:r>
+                        <a:rPr lang="en-PH" b="1" dirty="0">
+                          <a:solidFill>
+                            <a:srgbClr val="7030A0"/>
+                          </a:solidFill>
+                        </a:rPr>
+                        <a:t>void</a:t>
+                      </a:r>
+                      <a:r>
+                        <a:rPr lang="en-PH" b="1" dirty="0"/>
+                        <a:t> </a:t>
+                      </a:r>
+                      <a:r>
+                        <a:rPr lang="en-PH" b="1" dirty="0">
+                          <a:solidFill>
+                            <a:srgbClr val="00B0F0"/>
+                          </a:solidFill>
+                        </a:rPr>
+                        <a:t>add</a:t>
+                      </a:r>
+                      <a:r>
+                        <a:rPr lang="en-PH" b="1" dirty="0"/>
+                        <a:t>(Component c)</a:t>
+                      </a:r>
+                    </a:p>
+                  </a:txBody>
+                  <a:tcPr/>
+                </a:tc>
+                <a:tc>
+                  <a:txBody>
+                    <a:bodyPr/>
+                    <a:lstStyle/>
+                    <a:p>
+                      <a:r>
+                        <a:rPr lang="en-PH" dirty="0"/>
+                        <a:t>Add a component on another component</a:t>
+                      </a:r>
+                    </a:p>
+                  </a:txBody>
+                  <a:tcPr/>
+                </a:tc>
+                <a:extLst>
+                  <a:ext uri="{0D108BD9-81ED-4DB2-BD59-A6C34878D82A}">
+                    <a16:rowId xmlns:a16="http://schemas.microsoft.com/office/drawing/2014/main" val="2480473991"/>
+                  </a:ext>
+                </a:extLst>
+              </a:tr>
+              <a:tr h="370840">
+                <a:tc>
+                  <a:txBody>
+                    <a:bodyPr/>
+                    <a:lstStyle/>
+                    <a:p>
+                      <a:r>
+                        <a:rPr lang="en-PH" b="1" dirty="0">
+                          <a:solidFill>
+                            <a:srgbClr val="7030A0"/>
+                          </a:solidFill>
+                        </a:rPr>
+                        <a:t>void</a:t>
+                      </a:r>
+                      <a:r>
+                        <a:rPr lang="en-PH" b="1" dirty="0"/>
+                        <a:t> </a:t>
+                      </a:r>
+                      <a:r>
+                        <a:rPr lang="en-PH" b="1" dirty="0" err="1">
+                          <a:solidFill>
+                            <a:srgbClr val="00B0F0"/>
+                          </a:solidFill>
+                        </a:rPr>
+                        <a:t>setSize</a:t>
+                      </a:r>
+                      <a:r>
+                        <a:rPr lang="en-PH" b="1" dirty="0"/>
+                        <a:t>(int width, int height)</a:t>
+                      </a:r>
+                    </a:p>
+                  </a:txBody>
+                  <a:tcPr/>
+                </a:tc>
+                <a:tc>
+                  <a:txBody>
+                    <a:bodyPr/>
+                    <a:lstStyle/>
+                    <a:p>
+                      <a:r>
+                        <a:rPr lang="en-PH" dirty="0"/>
+                        <a:t>Sets size of the component</a:t>
+                      </a:r>
+                    </a:p>
+                  </a:txBody>
+                  <a:tcPr/>
+                </a:tc>
+                <a:extLst>
+                  <a:ext uri="{0D108BD9-81ED-4DB2-BD59-A6C34878D82A}">
+                    <a16:rowId xmlns:a16="http://schemas.microsoft.com/office/drawing/2014/main" val="2870171722"/>
+                  </a:ext>
+                </a:extLst>
+              </a:tr>
+              <a:tr h="370840">
+                <a:tc>
+                  <a:txBody>
+                    <a:bodyPr/>
+                    <a:lstStyle/>
+                    <a:p>
+                      <a:r>
+                        <a:rPr lang="en-PH" b="1" dirty="0">
+                          <a:solidFill>
+                            <a:srgbClr val="7030A0"/>
+                          </a:solidFill>
+                        </a:rPr>
+                        <a:t>void</a:t>
+                      </a:r>
+                      <a:r>
+                        <a:rPr lang="en-PH" b="1" dirty="0"/>
+                        <a:t> </a:t>
+                      </a:r>
+                      <a:r>
+                        <a:rPr lang="en-PH" b="1" dirty="0" err="1">
+                          <a:solidFill>
+                            <a:srgbClr val="00B0F0"/>
+                          </a:solidFill>
+                        </a:rPr>
+                        <a:t>setLayout</a:t>
+                      </a:r>
+                      <a:r>
+                        <a:rPr lang="en-PH" b="1" dirty="0"/>
+                        <a:t>(</a:t>
+                      </a:r>
+                      <a:r>
+                        <a:rPr lang="en-PH" b="1" dirty="0" err="1"/>
+                        <a:t>LayoutManager</a:t>
+                      </a:r>
+                      <a:r>
+                        <a:rPr lang="en-PH" b="1" dirty="0"/>
+                        <a:t> m)</a:t>
+                      </a:r>
+                    </a:p>
+                  </a:txBody>
+                  <a:tcPr/>
+                </a:tc>
+                <a:tc>
+                  <a:txBody>
+                    <a:bodyPr/>
+                    <a:lstStyle/>
+                    <a:p>
+                      <a:r>
+                        <a:rPr lang="en-PH" dirty="0"/>
+                        <a:t>Sets the layout manager of the component</a:t>
+                      </a:r>
+                    </a:p>
+                  </a:txBody>
+                  <a:tcPr/>
+                </a:tc>
+                <a:extLst>
+                  <a:ext uri="{0D108BD9-81ED-4DB2-BD59-A6C34878D82A}">
+                    <a16:rowId xmlns:a16="http://schemas.microsoft.com/office/drawing/2014/main" val="3466882491"/>
+                  </a:ext>
+                </a:extLst>
+              </a:tr>
+              <a:tr h="370840">
+                <a:tc>
+                  <a:txBody>
+                    <a:bodyPr/>
+                    <a:lstStyle/>
+                    <a:p>
+                      <a:r>
+                        <a:rPr lang="en-PH" b="1" dirty="0">
+                          <a:solidFill>
+                            <a:srgbClr val="7030A0"/>
+                          </a:solidFill>
+                        </a:rPr>
+                        <a:t>void</a:t>
+                      </a:r>
+                      <a:r>
+                        <a:rPr lang="en-PH" b="1" dirty="0"/>
+                        <a:t> </a:t>
+                      </a:r>
+                      <a:r>
+                        <a:rPr lang="en-PH" b="1" dirty="0" err="1">
+                          <a:solidFill>
+                            <a:srgbClr val="00B0F0"/>
+                          </a:solidFill>
+                        </a:rPr>
+                        <a:t>setVisible</a:t>
+                      </a:r>
+                      <a:r>
+                        <a:rPr lang="en-PH" b="1" dirty="0"/>
+                        <a:t>(Boolean b)</a:t>
+                      </a:r>
+                    </a:p>
+                  </a:txBody>
+                  <a:tcPr/>
+                </a:tc>
+                <a:tc>
+                  <a:txBody>
+                    <a:bodyPr/>
+                    <a:lstStyle/>
+                    <a:p>
+                      <a:r>
+                        <a:rPr lang="en-PH" dirty="0"/>
+                        <a:t>Sets the visibility of the component</a:t>
+                      </a:r>
+                    </a:p>
+                  </a:txBody>
+                  <a:tcPr/>
+                </a:tc>
+                <a:extLst>
+                  <a:ext uri="{0D108BD9-81ED-4DB2-BD59-A6C34878D82A}">
+                    <a16:rowId xmlns:a16="http://schemas.microsoft.com/office/drawing/2014/main" val="1933594219"/>
+                  </a:ext>
+                </a:extLst>
+              </a:tr>
+            </a:tbl>
+          </a:graphicData>
+        </a:graphic>
+      </p:graphicFrame>
+    </p:spTree>
+    <p:extLst>
+      <p:ext uri="{BB962C8B-B14F-4D97-AF65-F5344CB8AC3E}">
+        <p14:creationId xmlns:p14="http://schemas.microsoft.com/office/powerpoint/2010/main" val="3407606342"/>
       </p:ext>
     </p:extLst>
   </p:cSld>

--- a/week_9-10/Java Swing.pptx
+++ b/week_9-10/Java Swing.pptx
@@ -5,7 +5,7 @@
     <p:sldMasterId id="2147483648" r:id="rId1"/>
   </p:sldMasterIdLst>
   <p:notesMasterIdLst>
-    <p:notesMasterId r:id="rId13"/>
+    <p:notesMasterId r:id="rId15"/>
   </p:notesMasterIdLst>
   <p:sldIdLst>
     <p:sldId id="257" r:id="rId2"/>
@@ -18,7 +18,9 @@
     <p:sldId id="324" r:id="rId9"/>
     <p:sldId id="316" r:id="rId10"/>
     <p:sldId id="319" r:id="rId11"/>
-    <p:sldId id="320" r:id="rId12"/>
+    <p:sldId id="325" r:id="rId12"/>
+    <p:sldId id="326" r:id="rId13"/>
+    <p:sldId id="320" r:id="rId14"/>
   </p:sldIdLst>
   <p:sldSz cx="12192000" cy="6858000"/>
   <p:notesSz cx="6858000" cy="9144000"/>
@@ -717,6 +719,174 @@
             <a:fld id="{FE90CCE9-4AAE-4E1F-85AD-521A406D6524}" type="slidenum">
               <a:rPr lang="en-PH" smtClean="0"/>
               <a:t>11</a:t>
+            </a:fld>
+            <a:endParaRPr lang="en-PH"/>
+          </a:p>
+        </p:txBody>
+      </p:sp>
+    </p:spTree>
+    <p:extLst>
+      <p:ext uri="{BB962C8B-B14F-4D97-AF65-F5344CB8AC3E}">
+        <p14:creationId xmlns:p14="http://schemas.microsoft.com/office/powerpoint/2010/main" val="4229417441"/>
+      </p:ext>
+    </p:extLst>
+  </p:cSld>
+  <p:clrMapOvr>
+    <a:masterClrMapping/>
+  </p:clrMapOvr>
+</p:notes>
+</file>
+
+<file path=ppt/notesSlides/notesSlide12.xml><?xml version="1.0" encoding="utf-8"?>
+<p:notes xmlns:a="http://schemas.openxmlformats.org/drawingml/2006/main" xmlns:r="http://schemas.openxmlformats.org/officeDocument/2006/relationships" xmlns:p="http://schemas.openxmlformats.org/presentationml/2006/main">
+  <p:cSld>
+    <p:spTree>
+      <p:nvGrpSpPr>
+        <p:cNvPr id="1" name=""/>
+        <p:cNvGrpSpPr/>
+        <p:nvPr/>
+      </p:nvGrpSpPr>
+      <p:grpSpPr>
+        <a:xfrm>
+          <a:off x="0" y="0"/>
+          <a:ext cx="0" cy="0"/>
+          <a:chOff x="0" y="0"/>
+          <a:chExt cx="0" cy="0"/>
+        </a:xfrm>
+      </p:grpSpPr>
+      <p:sp>
+        <p:nvSpPr>
+          <p:cNvPr id="2" name="Slide Image Placeholder 1"/>
+          <p:cNvSpPr>
+            <a:spLocks noGrp="1" noRot="1" noChangeAspect="1"/>
+          </p:cNvSpPr>
+          <p:nvPr>
+            <p:ph type="sldImg"/>
+          </p:nvPr>
+        </p:nvSpPr>
+        <p:spPr/>
+      </p:sp>
+      <p:sp>
+        <p:nvSpPr>
+          <p:cNvPr id="3" name="Notes Placeholder 2"/>
+          <p:cNvSpPr>
+            <a:spLocks noGrp="1"/>
+          </p:cNvSpPr>
+          <p:nvPr>
+            <p:ph type="body" idx="1"/>
+          </p:nvPr>
+        </p:nvSpPr>
+        <p:spPr/>
+        <p:txBody>
+          <a:bodyPr/>
+          <a:lstStyle/>
+          <a:p>
+            <a:endParaRPr lang="en-PH" dirty="0"/>
+          </a:p>
+        </p:txBody>
+      </p:sp>
+      <p:sp>
+        <p:nvSpPr>
+          <p:cNvPr id="4" name="Slide Number Placeholder 3"/>
+          <p:cNvSpPr>
+            <a:spLocks noGrp="1"/>
+          </p:cNvSpPr>
+          <p:nvPr>
+            <p:ph type="sldNum" sz="quarter" idx="5"/>
+          </p:nvPr>
+        </p:nvSpPr>
+        <p:spPr/>
+        <p:txBody>
+          <a:bodyPr/>
+          <a:lstStyle/>
+          <a:p>
+            <a:fld id="{FE90CCE9-4AAE-4E1F-85AD-521A406D6524}" type="slidenum">
+              <a:rPr lang="en-PH" smtClean="0"/>
+              <a:t>12</a:t>
+            </a:fld>
+            <a:endParaRPr lang="en-PH"/>
+          </a:p>
+        </p:txBody>
+      </p:sp>
+    </p:spTree>
+    <p:extLst>
+      <p:ext uri="{BB962C8B-B14F-4D97-AF65-F5344CB8AC3E}">
+        <p14:creationId xmlns:p14="http://schemas.microsoft.com/office/powerpoint/2010/main" val="820915893"/>
+      </p:ext>
+    </p:extLst>
+  </p:cSld>
+  <p:clrMapOvr>
+    <a:masterClrMapping/>
+  </p:clrMapOvr>
+</p:notes>
+</file>
+
+<file path=ppt/notesSlides/notesSlide13.xml><?xml version="1.0" encoding="utf-8"?>
+<p:notes xmlns:a="http://schemas.openxmlformats.org/drawingml/2006/main" xmlns:r="http://schemas.openxmlformats.org/officeDocument/2006/relationships" xmlns:p="http://schemas.openxmlformats.org/presentationml/2006/main">
+  <p:cSld>
+    <p:spTree>
+      <p:nvGrpSpPr>
+        <p:cNvPr id="1" name=""/>
+        <p:cNvGrpSpPr/>
+        <p:nvPr/>
+      </p:nvGrpSpPr>
+      <p:grpSpPr>
+        <a:xfrm>
+          <a:off x="0" y="0"/>
+          <a:ext cx="0" cy="0"/>
+          <a:chOff x="0" y="0"/>
+          <a:chExt cx="0" cy="0"/>
+        </a:xfrm>
+      </p:grpSpPr>
+      <p:sp>
+        <p:nvSpPr>
+          <p:cNvPr id="2" name="Slide Image Placeholder 1"/>
+          <p:cNvSpPr>
+            <a:spLocks noGrp="1" noRot="1" noChangeAspect="1"/>
+          </p:cNvSpPr>
+          <p:nvPr>
+            <p:ph type="sldImg"/>
+          </p:nvPr>
+        </p:nvSpPr>
+        <p:spPr/>
+      </p:sp>
+      <p:sp>
+        <p:nvSpPr>
+          <p:cNvPr id="3" name="Notes Placeholder 2"/>
+          <p:cNvSpPr>
+            <a:spLocks noGrp="1"/>
+          </p:cNvSpPr>
+          <p:nvPr>
+            <p:ph type="body" idx="1"/>
+          </p:nvPr>
+        </p:nvSpPr>
+        <p:spPr/>
+        <p:txBody>
+          <a:bodyPr/>
+          <a:lstStyle/>
+          <a:p>
+            <a:endParaRPr lang="en-PH" dirty="0"/>
+          </a:p>
+        </p:txBody>
+      </p:sp>
+      <p:sp>
+        <p:nvSpPr>
+          <p:cNvPr id="4" name="Slide Number Placeholder 3"/>
+          <p:cNvSpPr>
+            <a:spLocks noGrp="1"/>
+          </p:cNvSpPr>
+          <p:nvPr>
+            <p:ph type="sldNum" sz="quarter" idx="5"/>
+          </p:nvPr>
+        </p:nvSpPr>
+        <p:spPr/>
+        <p:txBody>
+          <a:bodyPr/>
+          <a:lstStyle/>
+          <a:p>
+            <a:fld id="{FE90CCE9-4AAE-4E1F-85AD-521A406D6524}" type="slidenum">
+              <a:rPr lang="en-PH" smtClean="0"/>
+              <a:t>13</a:t>
             </a:fld>
             <a:endParaRPr lang="en-PH"/>
           </a:p>
@@ -5103,6 +5273,491 @@
           <a:p>
             <a:pPr algn="r"/>
             <a:r>
+              <a:rPr lang="en-PH" b="1" dirty="0">
+                <a:solidFill>
+                  <a:schemeClr val="tx1"/>
+                </a:solidFill>
+              </a:rPr>
+              <a:t>CCPRGG2L</a:t>
+            </a:r>
+            <a:endParaRPr lang="en-PH" dirty="0"/>
+          </a:p>
+        </p:txBody>
+      </p:sp>
+      <p:sp>
+        <p:nvSpPr>
+          <p:cNvPr id="5" name="TextBox 4">
+            <a:extLst>
+              <a:ext uri="{FF2B5EF4-FFF2-40B4-BE49-F238E27FC236}">
+                <a16:creationId xmlns:a16="http://schemas.microsoft.com/office/drawing/2014/main" id="{ED3F40B5-67A7-B164-22A6-B9B3B49F64FF}"/>
+              </a:ext>
+            </a:extLst>
+          </p:cNvPr>
+          <p:cNvSpPr txBox="1"/>
+          <p:nvPr/>
+        </p:nvSpPr>
+        <p:spPr>
+          <a:xfrm>
+            <a:off x="1523999" y="1793174"/>
+            <a:ext cx="9143999" cy="3170099"/>
+          </a:xfrm>
+          <a:prstGeom prst="rect">
+            <a:avLst/>
+          </a:prstGeom>
+          <a:noFill/>
+        </p:spPr>
+        <p:txBody>
+          <a:bodyPr wrap="square" rtlCol="0">
+            <a:spAutoFit/>
+          </a:bodyPr>
+          <a:lstStyle/>
+          <a:p>
+            <a:pPr marL="457200" indent="-457200">
+              <a:buFont typeface="Wingdings" panose="05000000000000000000" pitchFamily="2" charset="2"/>
+              <a:buChar char="q"/>
+            </a:pPr>
+            <a:r>
+              <a:rPr lang="en-PH" sz="2500" dirty="0"/>
+              <a:t>Changing the state of an object in java is known as an event</a:t>
+            </a:r>
+          </a:p>
+          <a:p>
+            <a:pPr marL="457200" indent="-457200">
+              <a:buFont typeface="Wingdings" panose="05000000000000000000" pitchFamily="2" charset="2"/>
+              <a:buChar char="q"/>
+            </a:pPr>
+            <a:endParaRPr lang="en-PH" sz="2500" dirty="0"/>
+          </a:p>
+          <a:p>
+            <a:pPr marL="457200" indent="-457200">
+              <a:buFont typeface="Wingdings" panose="05000000000000000000" pitchFamily="2" charset="2"/>
+              <a:buChar char="q"/>
+            </a:pPr>
+            <a:r>
+              <a:rPr lang="en-PH" sz="2500" dirty="0"/>
+              <a:t>Clicking a button, dragging a mouse are all examples of events.</a:t>
+            </a:r>
+          </a:p>
+          <a:p>
+            <a:pPr marL="457200" indent="-457200">
+              <a:buFont typeface="Wingdings" panose="05000000000000000000" pitchFamily="2" charset="2"/>
+              <a:buChar char="q"/>
+            </a:pPr>
+            <a:endParaRPr lang="en-PH" sz="2500" dirty="0"/>
+          </a:p>
+          <a:p>
+            <a:pPr marL="457200" indent="-457200">
+              <a:buFont typeface="Wingdings" panose="05000000000000000000" pitchFamily="2" charset="2"/>
+              <a:buChar char="q"/>
+            </a:pPr>
+            <a:r>
+              <a:rPr lang="en-PH" sz="2500" dirty="0"/>
+              <a:t>For every event, there is a listener that will respond to an event.</a:t>
+            </a:r>
+          </a:p>
+          <a:p>
+            <a:pPr marL="457200" indent="-457200">
+              <a:buFont typeface="Wingdings" panose="05000000000000000000" pitchFamily="2" charset="2"/>
+              <a:buChar char="q"/>
+            </a:pPr>
+            <a:endParaRPr lang="en-PH" sz="2500" dirty="0"/>
+          </a:p>
+          <a:p>
+            <a:pPr marL="457200" indent="-457200">
+              <a:buFont typeface="Wingdings" panose="05000000000000000000" pitchFamily="2" charset="2"/>
+              <a:buChar char="q"/>
+            </a:pPr>
+            <a:r>
+              <a:rPr lang="en-PH" sz="2500" dirty="0"/>
+              <a:t>The process of identifying an event and listening to an event is called event handling</a:t>
+            </a:r>
+          </a:p>
+        </p:txBody>
+      </p:sp>
+    </p:spTree>
+    <p:extLst>
+      <p:ext uri="{BB962C8B-B14F-4D97-AF65-F5344CB8AC3E}">
+        <p14:creationId xmlns:p14="http://schemas.microsoft.com/office/powerpoint/2010/main" val="597365296"/>
+      </p:ext>
+    </p:extLst>
+  </p:cSld>
+  <p:clrMapOvr>
+    <a:masterClrMapping/>
+  </p:clrMapOvr>
+</p:sld>
+</file>
+
+<file path=ppt/slides/slide12.xml><?xml version="1.0" encoding="utf-8"?>
+<p:sld xmlns:a="http://schemas.openxmlformats.org/drawingml/2006/main" xmlns:r="http://schemas.openxmlformats.org/officeDocument/2006/relationships" xmlns:p="http://schemas.openxmlformats.org/presentationml/2006/main">
+  <p:cSld>
+    <p:bg>
+      <p:bgPr>
+        <a:blipFill dpi="0" rotWithShape="1">
+          <a:blip r:embed="rId3">
+            <a:alphaModFix amt="99000"/>
+            <a:lum/>
+          </a:blip>
+          <a:srcRect/>
+          <a:stretch>
+            <a:fillRect t="89000" r="85000" b="-1000"/>
+          </a:stretch>
+        </a:blipFill>
+        <a:effectLst/>
+      </p:bgPr>
+    </p:bg>
+    <p:spTree>
+      <p:nvGrpSpPr>
+        <p:cNvPr id="1" name=""/>
+        <p:cNvGrpSpPr/>
+        <p:nvPr/>
+      </p:nvGrpSpPr>
+      <p:grpSpPr>
+        <a:xfrm>
+          <a:off x="0" y="0"/>
+          <a:ext cx="0" cy="0"/>
+          <a:chOff x="0" y="0"/>
+          <a:chExt cx="0" cy="0"/>
+        </a:xfrm>
+      </p:grpSpPr>
+      <p:sp>
+        <p:nvSpPr>
+          <p:cNvPr id="2" name="Title 1">
+            <a:extLst>
+              <a:ext uri="{FF2B5EF4-FFF2-40B4-BE49-F238E27FC236}">
+                <a16:creationId xmlns:a16="http://schemas.microsoft.com/office/drawing/2014/main" id="{6A3DCE86-C2BA-4713-9E7A-73589E8D6CCF}"/>
+              </a:ext>
+            </a:extLst>
+          </p:cNvPr>
+          <p:cNvSpPr>
+            <a:spLocks noGrp="1"/>
+          </p:cNvSpPr>
+          <p:nvPr>
+            <p:ph type="ctrTitle"/>
+          </p:nvPr>
+        </p:nvSpPr>
+        <p:spPr>
+          <a:xfrm>
+            <a:off x="1524000" y="497150"/>
+            <a:ext cx="9144000" cy="718459"/>
+          </a:xfrm>
+        </p:spPr>
+        <p:txBody>
+          <a:bodyPr>
+            <a:normAutofit fontScale="90000"/>
+          </a:bodyPr>
+          <a:lstStyle/>
+          <a:p>
+            <a:r>
+              <a:rPr lang="en-PH" b="1" dirty="0"/>
+              <a:t>Types of Events</a:t>
+            </a:r>
+          </a:p>
+        </p:txBody>
+      </p:sp>
+      <p:sp>
+        <p:nvSpPr>
+          <p:cNvPr id="4" name="Footer Placeholder 3">
+            <a:extLst>
+              <a:ext uri="{FF2B5EF4-FFF2-40B4-BE49-F238E27FC236}">
+                <a16:creationId xmlns:a16="http://schemas.microsoft.com/office/drawing/2014/main" id="{638E7DE1-45EE-476A-A474-0F3C264AEDA3}"/>
+              </a:ext>
+            </a:extLst>
+          </p:cNvPr>
+          <p:cNvSpPr>
+            <a:spLocks noGrp="1"/>
+          </p:cNvSpPr>
+          <p:nvPr>
+            <p:ph type="ftr" sz="quarter" idx="11"/>
+          </p:nvPr>
+        </p:nvSpPr>
+        <p:spPr>
+          <a:xfrm>
+            <a:off x="0" y="6139541"/>
+            <a:ext cx="12192000" cy="718459"/>
+          </a:xfrm>
+          <a:ln w="28575">
+            <a:solidFill>
+              <a:schemeClr val="accent5">
+                <a:lumMod val="50000"/>
+              </a:schemeClr>
+            </a:solidFill>
+          </a:ln>
+        </p:spPr>
+        <p:txBody>
+          <a:bodyPr/>
+          <a:lstStyle/>
+          <a:p>
+            <a:pPr algn="r"/>
+            <a:r>
+              <a:rPr lang="en-PH" b="1">
+                <a:solidFill>
+                  <a:schemeClr val="tx1"/>
+                </a:solidFill>
+              </a:rPr>
+              <a:t>CCPRGG2L</a:t>
+            </a:r>
+            <a:endParaRPr lang="en-PH" dirty="0"/>
+          </a:p>
+        </p:txBody>
+      </p:sp>
+      <p:pic>
+        <p:nvPicPr>
+          <p:cNvPr id="8" name="Picture 7" descr="A picture containing icon&#10;&#10;Description automatically generated">
+            <a:extLst>
+              <a:ext uri="{FF2B5EF4-FFF2-40B4-BE49-F238E27FC236}">
+                <a16:creationId xmlns:a16="http://schemas.microsoft.com/office/drawing/2014/main" id="{D93DB8B5-37A0-B946-0D0C-CC35D6F23DA5}"/>
+              </a:ext>
+            </a:extLst>
+          </p:cNvPr>
+          <p:cNvPicPr>
+            <a:picLocks noChangeAspect="1"/>
+          </p:cNvPicPr>
+          <p:nvPr/>
+        </p:nvPicPr>
+        <p:blipFill>
+          <a:blip r:embed="rId4">
+            <a:extLst>
+              <a:ext uri="{28A0092B-C50C-407E-A947-70E740481C1C}">
+                <a14:useLocalDpi xmlns:a14="http://schemas.microsoft.com/office/drawing/2010/main" val="0"/>
+              </a:ext>
+            </a:extLst>
+          </a:blip>
+          <a:stretch>
+            <a:fillRect/>
+          </a:stretch>
+        </p:blipFill>
+        <p:spPr>
+          <a:xfrm>
+            <a:off x="1209247" y="2090954"/>
+            <a:ext cx="3751976" cy="1875988"/>
+          </a:xfrm>
+          <a:prstGeom prst="rect">
+            <a:avLst/>
+          </a:prstGeom>
+        </p:spPr>
+      </p:pic>
+      <p:pic>
+        <p:nvPicPr>
+          <p:cNvPr id="10" name="Picture 9" descr="Graphical user interface&#10;&#10;Description automatically generated with medium confidence">
+            <a:extLst>
+              <a:ext uri="{FF2B5EF4-FFF2-40B4-BE49-F238E27FC236}">
+                <a16:creationId xmlns:a16="http://schemas.microsoft.com/office/drawing/2014/main" id="{C615A8B4-9D13-1E2A-0FB7-0ED4C72E4DEF}"/>
+              </a:ext>
+            </a:extLst>
+          </p:cNvPr>
+          <p:cNvPicPr>
+            <a:picLocks noChangeAspect="1"/>
+          </p:cNvPicPr>
+          <p:nvPr/>
+        </p:nvPicPr>
+        <p:blipFill>
+          <a:blip r:embed="rId5">
+            <a:extLst>
+              <a:ext uri="{28A0092B-C50C-407E-A947-70E740481C1C}">
+                <a14:useLocalDpi xmlns:a14="http://schemas.microsoft.com/office/drawing/2010/main" val="0"/>
+              </a:ext>
+            </a:extLst>
+          </a:blip>
+          <a:stretch>
+            <a:fillRect/>
+          </a:stretch>
+        </p:blipFill>
+        <p:spPr>
+          <a:xfrm>
+            <a:off x="7309719" y="1926770"/>
+            <a:ext cx="2939141" cy="2204356"/>
+          </a:xfrm>
+          <a:prstGeom prst="rect">
+            <a:avLst/>
+          </a:prstGeom>
+        </p:spPr>
+      </p:pic>
+      <p:sp>
+        <p:nvSpPr>
+          <p:cNvPr id="11" name="TextBox 10">
+            <a:extLst>
+              <a:ext uri="{FF2B5EF4-FFF2-40B4-BE49-F238E27FC236}">
+                <a16:creationId xmlns:a16="http://schemas.microsoft.com/office/drawing/2014/main" id="{13DED515-D839-EA13-08ED-D373629D6746}"/>
+              </a:ext>
+            </a:extLst>
+          </p:cNvPr>
+          <p:cNvSpPr txBox="1"/>
+          <p:nvPr/>
+        </p:nvSpPr>
+        <p:spPr>
+          <a:xfrm>
+            <a:off x="2668744" y="4499243"/>
+            <a:ext cx="1370900" cy="369332"/>
+          </a:xfrm>
+          <a:prstGeom prst="rect">
+            <a:avLst/>
+          </a:prstGeom>
+          <a:noFill/>
+        </p:spPr>
+        <p:txBody>
+          <a:bodyPr wrap="square" rtlCol="0">
+            <a:spAutoFit/>
+          </a:bodyPr>
+          <a:lstStyle/>
+          <a:p>
+            <a:r>
+              <a:rPr lang="en-PH" b="1"/>
+              <a:t>Button Click</a:t>
+            </a:r>
+            <a:endParaRPr lang="en-PH" b="1" dirty="0"/>
+          </a:p>
+        </p:txBody>
+      </p:sp>
+      <p:sp>
+        <p:nvSpPr>
+          <p:cNvPr id="12" name="TextBox 11">
+            <a:extLst>
+              <a:ext uri="{FF2B5EF4-FFF2-40B4-BE49-F238E27FC236}">
+                <a16:creationId xmlns:a16="http://schemas.microsoft.com/office/drawing/2014/main" id="{50D97FEC-1B8C-4256-2A4D-56B00C346196}"/>
+              </a:ext>
+            </a:extLst>
+          </p:cNvPr>
+          <p:cNvSpPr txBox="1"/>
+          <p:nvPr/>
+        </p:nvSpPr>
+        <p:spPr>
+          <a:xfrm>
+            <a:off x="7787714" y="4499243"/>
+            <a:ext cx="2170478" cy="369332"/>
+          </a:xfrm>
+          <a:prstGeom prst="rect">
+            <a:avLst/>
+          </a:prstGeom>
+          <a:noFill/>
+        </p:spPr>
+        <p:txBody>
+          <a:bodyPr wrap="square" rtlCol="0">
+            <a:spAutoFit/>
+          </a:bodyPr>
+          <a:lstStyle/>
+          <a:p>
+            <a:r>
+              <a:rPr lang="en-PH" b="1" dirty="0"/>
+              <a:t>Selecting a checkbox</a:t>
+            </a:r>
+          </a:p>
+        </p:txBody>
+      </p:sp>
+    </p:spTree>
+    <p:extLst>
+      <p:ext uri="{BB962C8B-B14F-4D97-AF65-F5344CB8AC3E}">
+        <p14:creationId xmlns:p14="http://schemas.microsoft.com/office/powerpoint/2010/main" val="1770695664"/>
+      </p:ext>
+    </p:extLst>
+  </p:cSld>
+  <p:clrMapOvr>
+    <a:masterClrMapping/>
+  </p:clrMapOvr>
+</p:sld>
+</file>
+
+<file path=ppt/slides/slide13.xml><?xml version="1.0" encoding="utf-8"?>
+<p:sld xmlns:a="http://schemas.openxmlformats.org/drawingml/2006/main" xmlns:r="http://schemas.openxmlformats.org/officeDocument/2006/relationships" xmlns:p="http://schemas.openxmlformats.org/presentationml/2006/main">
+  <p:cSld>
+    <p:bg>
+      <p:bgPr>
+        <a:blipFill dpi="0" rotWithShape="1">
+          <a:blip r:embed="rId3">
+            <a:alphaModFix amt="99000"/>
+            <a:lum/>
+          </a:blip>
+          <a:srcRect/>
+          <a:stretch>
+            <a:fillRect t="89000" r="85000" b="-1000"/>
+          </a:stretch>
+        </a:blipFill>
+        <a:effectLst/>
+      </p:bgPr>
+    </p:bg>
+    <p:spTree>
+      <p:nvGrpSpPr>
+        <p:cNvPr id="1" name=""/>
+        <p:cNvGrpSpPr/>
+        <p:nvPr/>
+      </p:nvGrpSpPr>
+      <p:grpSpPr>
+        <a:xfrm>
+          <a:off x="0" y="0"/>
+          <a:ext cx="0" cy="0"/>
+          <a:chOff x="0" y="0"/>
+          <a:chExt cx="0" cy="0"/>
+        </a:xfrm>
+      </p:grpSpPr>
+      <p:sp>
+        <p:nvSpPr>
+          <p:cNvPr id="2" name="Title 1">
+            <a:extLst>
+              <a:ext uri="{FF2B5EF4-FFF2-40B4-BE49-F238E27FC236}">
+                <a16:creationId xmlns:a16="http://schemas.microsoft.com/office/drawing/2014/main" id="{6A3DCE86-C2BA-4713-9E7A-73589E8D6CCF}"/>
+              </a:ext>
+            </a:extLst>
+          </p:cNvPr>
+          <p:cNvSpPr>
+            <a:spLocks noGrp="1"/>
+          </p:cNvSpPr>
+          <p:nvPr>
+            <p:ph type="ctrTitle"/>
+          </p:nvPr>
+        </p:nvSpPr>
+        <p:spPr>
+          <a:xfrm>
+            <a:off x="1524000" y="497150"/>
+            <a:ext cx="9144000" cy="718459"/>
+          </a:xfrm>
+        </p:spPr>
+        <p:txBody>
+          <a:bodyPr>
+            <a:normAutofit fontScale="90000"/>
+          </a:bodyPr>
+          <a:lstStyle/>
+          <a:p>
+            <a:r>
+              <a:rPr lang="en-PH" b="1" dirty="0"/>
+              <a:t>Event Handling</a:t>
+            </a:r>
+          </a:p>
+        </p:txBody>
+      </p:sp>
+      <p:sp>
+        <p:nvSpPr>
+          <p:cNvPr id="4" name="Footer Placeholder 3">
+            <a:extLst>
+              <a:ext uri="{FF2B5EF4-FFF2-40B4-BE49-F238E27FC236}">
+                <a16:creationId xmlns:a16="http://schemas.microsoft.com/office/drawing/2014/main" id="{638E7DE1-45EE-476A-A474-0F3C264AEDA3}"/>
+              </a:ext>
+            </a:extLst>
+          </p:cNvPr>
+          <p:cNvSpPr>
+            <a:spLocks noGrp="1"/>
+          </p:cNvSpPr>
+          <p:nvPr>
+            <p:ph type="ftr" sz="quarter" idx="11"/>
+          </p:nvPr>
+        </p:nvSpPr>
+        <p:spPr>
+          <a:xfrm>
+            <a:off x="0" y="6139541"/>
+            <a:ext cx="12192000" cy="718459"/>
+          </a:xfrm>
+          <a:ln w="28575">
+            <a:solidFill>
+              <a:schemeClr val="accent5">
+                <a:lumMod val="50000"/>
+              </a:schemeClr>
+            </a:solidFill>
+          </a:ln>
+        </p:spPr>
+        <p:txBody>
+          <a:bodyPr/>
+          <a:lstStyle/>
+          <a:p>
+            <a:pPr algn="r"/>
+            <a:r>
               <a:rPr lang="en-PH" b="1">
                 <a:solidFill>
                   <a:schemeClr val="tx1"/>
@@ -5234,7 +5889,7 @@
                     <a:p>
                       <a:pPr algn="ctr"/>
                       <a:r>
-                        <a:rPr lang="en-PH" b="1">
+                        <a:rPr lang="en-PH" b="1" dirty="0">
                           <a:solidFill>
                             <a:srgbClr val="7030A0"/>
                           </a:solidFill>
